--- a/1.Docs/Trimestre I/Presentación EntryMC.pptx
+++ b/1.Docs/Trimestre I/Presentación EntryMC.pptx
@@ -6,17 +6,36 @@
     <p:sldMasterId id="2147483661" r:id="rId2"/>
     <p:sldMasterId id="2147483674" r:id="rId3"/>
   </p:sldMasterIdLst>
+  <p:notesMasterIdLst>
+    <p:notesMasterId r:id="rId30"/>
+  </p:notesMasterIdLst>
   <p:sldIdLst>
     <p:sldId id="256" r:id="rId4"/>
-    <p:sldId id="257" r:id="rId5"/>
-    <p:sldId id="258" r:id="rId6"/>
-    <p:sldId id="259" r:id="rId7"/>
-    <p:sldId id="261" r:id="rId8"/>
-    <p:sldId id="263" r:id="rId9"/>
-    <p:sldId id="264" r:id="rId10"/>
-    <p:sldId id="265" r:id="rId11"/>
-    <p:sldId id="266" r:id="rId12"/>
-    <p:sldId id="267" r:id="rId13"/>
+    <p:sldId id="270" r:id="rId5"/>
+    <p:sldId id="271" r:id="rId6"/>
+    <p:sldId id="272" r:id="rId7"/>
+    <p:sldId id="269" r:id="rId8"/>
+    <p:sldId id="259" r:id="rId9"/>
+    <p:sldId id="268" r:id="rId10"/>
+    <p:sldId id="273" r:id="rId11"/>
+    <p:sldId id="274" r:id="rId12"/>
+    <p:sldId id="257" r:id="rId13"/>
+    <p:sldId id="258" r:id="rId14"/>
+    <p:sldId id="261" r:id="rId15"/>
+    <p:sldId id="276" r:id="rId16"/>
+    <p:sldId id="275" r:id="rId17"/>
+    <p:sldId id="277" r:id="rId18"/>
+    <p:sldId id="278" r:id="rId19"/>
+    <p:sldId id="281" r:id="rId20"/>
+    <p:sldId id="279" r:id="rId21"/>
+    <p:sldId id="280" r:id="rId22"/>
+    <p:sldId id="282" r:id="rId23"/>
+    <p:sldId id="283" r:id="rId24"/>
+    <p:sldId id="263" r:id="rId25"/>
+    <p:sldId id="264" r:id="rId26"/>
+    <p:sldId id="265" r:id="rId27"/>
+    <p:sldId id="266" r:id="rId28"/>
+    <p:sldId id="267" r:id="rId29"/>
   </p:sldIdLst>
   <p:sldSz cx="9144000" cy="5143500" type="screen16x9"/>
   <p:notesSz cx="7772400" cy="10058400"/>
@@ -115,7 +134,1313 @@
       </a:defRPr>
     </a:lvl9pPr>
   </p:defaultTextStyle>
+  <p:extLst>
+    <p:ext uri="{EFAFB233-063F-42B5-8137-9DF3F51BA10A}">
+      <p15:sldGuideLst xmlns:p15="http://schemas.microsoft.com/office/powerpoint/2012/main"/>
+    </p:ext>
+  </p:extLst>
 </p:presentation>
+</file>
+
+<file path=ppt/revisionInfo.xml><?xml version="1.0" encoding="utf-8"?>
+<p1510:revInfo xmlns:a="http://schemas.openxmlformats.org/drawingml/2006/main" xmlns:r="http://schemas.openxmlformats.org/officeDocument/2006/relationships" xmlns:p1510="http://schemas.microsoft.com/office/powerpoint/2015/10/main">
+  <p1510:revLst>
+    <p1510:client id="{24A7C3EE-F5CC-4B45-944A-0582F4FF2121}" v="93" dt="2023-06-08T16:02:10.350"/>
+  </p1510:revLst>
+</p1510:revInfo>
+</file>
+
+<file path=ppt/changesInfos/changesInfo1.xml><?xml version="1.0" encoding="utf-8"?>
+<pc:chgInfo xmlns:a="http://schemas.openxmlformats.org/drawingml/2006/main" xmlns:r="http://schemas.openxmlformats.org/officeDocument/2006/relationships" xmlns:ac="http://schemas.microsoft.com/office/drawing/2013/main/command" xmlns:pc="http://schemas.microsoft.com/office/powerpoint/2013/main/command">
+  <pc:docChgLst>
+    <pc:chgData name="Cristian Ortega" userId="2a50f1d0-4ddc-42dc-9923-99e733694a02" providerId="ADAL" clId="{24A7C3EE-F5CC-4B45-944A-0582F4FF2121}"/>
+    <pc:docChg chg="undo redo custSel addSld delSld modSld sldOrd">
+      <pc:chgData name="Cristian Ortega" userId="2a50f1d0-4ddc-42dc-9923-99e733694a02" providerId="ADAL" clId="{24A7C3EE-F5CC-4B45-944A-0582F4FF2121}" dt="2023-06-08T19:03:10.215" v="2493" actId="108"/>
+      <pc:docMkLst>
+        <pc:docMk/>
+      </pc:docMkLst>
+      <pc:sldChg chg="addSp delSp modSp mod">
+        <pc:chgData name="Cristian Ortega" userId="2a50f1d0-4ddc-42dc-9923-99e733694a02" providerId="ADAL" clId="{24A7C3EE-F5CC-4B45-944A-0582F4FF2121}" dt="2023-06-08T18:46:14.840" v="2427"/>
+        <pc:sldMkLst>
+          <pc:docMk/>
+          <pc:sldMk cId="0" sldId="256"/>
+        </pc:sldMkLst>
+        <pc:spChg chg="add mod">
+          <ac:chgData name="Cristian Ortega" userId="2a50f1d0-4ddc-42dc-9923-99e733694a02" providerId="ADAL" clId="{24A7C3EE-F5CC-4B45-944A-0582F4FF2121}" dt="2023-06-08T16:03:40.749" v="1007" actId="14100"/>
+          <ac:spMkLst>
+            <pc:docMk/>
+            <pc:sldMk cId="0" sldId="256"/>
+            <ac:spMk id="2" creationId="{7F288BA4-C1ED-F65C-AD14-E0ADC516D868}"/>
+          </ac:spMkLst>
+        </pc:spChg>
+        <pc:spChg chg="del mod">
+          <ac:chgData name="Cristian Ortega" userId="2a50f1d0-4ddc-42dc-9923-99e733694a02" providerId="ADAL" clId="{24A7C3EE-F5CC-4B45-944A-0582F4FF2121}" dt="2023-06-08T16:03:34.382" v="1005" actId="478"/>
+          <ac:spMkLst>
+            <pc:docMk/>
+            <pc:sldMk cId="0" sldId="256"/>
+            <ac:spMk id="117" creationId="{00000000-0000-0000-0000-000000000000}"/>
+          </ac:spMkLst>
+        </pc:spChg>
+        <pc:spChg chg="del mod">
+          <ac:chgData name="Cristian Ortega" userId="2a50f1d0-4ddc-42dc-9923-99e733694a02" providerId="ADAL" clId="{24A7C3EE-F5CC-4B45-944A-0582F4FF2121}" dt="2023-06-08T15:25:23.234" v="655" actId="478"/>
+          <ac:spMkLst>
+            <pc:docMk/>
+            <pc:sldMk cId="0" sldId="256"/>
+            <ac:spMk id="118" creationId="{00000000-0000-0000-0000-000000000000}"/>
+          </ac:spMkLst>
+        </pc:spChg>
+        <pc:picChg chg="add del mod">
+          <ac:chgData name="Cristian Ortega" userId="2a50f1d0-4ddc-42dc-9923-99e733694a02" providerId="ADAL" clId="{24A7C3EE-F5CC-4B45-944A-0582F4FF2121}" dt="2023-06-08T18:46:14.840" v="2427"/>
+          <ac:picMkLst>
+            <pc:docMk/>
+            <pc:sldMk cId="0" sldId="256"/>
+            <ac:picMk id="3" creationId="{099E2730-E7E6-B005-F678-C9D23D42EB2C}"/>
+          </ac:picMkLst>
+        </pc:picChg>
+        <pc:picChg chg="add del mod">
+          <ac:chgData name="Cristian Ortega" userId="2a50f1d0-4ddc-42dc-9923-99e733694a02" providerId="ADAL" clId="{24A7C3EE-F5CC-4B45-944A-0582F4FF2121}" dt="2023-06-08T15:28:30.760" v="714" actId="14100"/>
+          <ac:picMkLst>
+            <pc:docMk/>
+            <pc:sldMk cId="0" sldId="256"/>
+            <ac:picMk id="1026" creationId="{47163CD8-1C54-1733-6305-752BF9AF5E09}"/>
+          </ac:picMkLst>
+        </pc:picChg>
+        <pc:picChg chg="add del mod">
+          <ac:chgData name="Cristian Ortega" userId="2a50f1d0-4ddc-42dc-9923-99e733694a02" providerId="ADAL" clId="{24A7C3EE-F5CC-4B45-944A-0582F4FF2121}" dt="2023-06-08T15:28:30.506" v="713" actId="14100"/>
+          <ac:picMkLst>
+            <pc:docMk/>
+            <pc:sldMk cId="0" sldId="256"/>
+            <ac:picMk id="1028" creationId="{C1F31997-431D-1765-353B-0E24CCE52533}"/>
+          </ac:picMkLst>
+        </pc:picChg>
+      </pc:sldChg>
+      <pc:sldChg chg="addSp delSp modSp mod">
+        <pc:chgData name="Cristian Ortega" userId="2a50f1d0-4ddc-42dc-9923-99e733694a02" providerId="ADAL" clId="{24A7C3EE-F5CC-4B45-944A-0582F4FF2121}" dt="2023-06-08T19:02:37.947" v="2489" actId="108"/>
+        <pc:sldMkLst>
+          <pc:docMk/>
+          <pc:sldMk cId="0" sldId="257"/>
+        </pc:sldMkLst>
+        <pc:spChg chg="add mod">
+          <ac:chgData name="Cristian Ortega" userId="2a50f1d0-4ddc-42dc-9923-99e733694a02" providerId="ADAL" clId="{24A7C3EE-F5CC-4B45-944A-0582F4FF2121}" dt="2023-06-08T15:59:53.367" v="957" actId="1076"/>
+          <ac:spMkLst>
+            <pc:docMk/>
+            <pc:sldMk cId="0" sldId="257"/>
+            <ac:spMk id="2" creationId="{864EE73D-F685-F556-DC14-4C3B729EA478}"/>
+          </ac:spMkLst>
+        </pc:spChg>
+        <pc:spChg chg="add mod">
+          <ac:chgData name="Cristian Ortega" userId="2a50f1d0-4ddc-42dc-9923-99e733694a02" providerId="ADAL" clId="{24A7C3EE-F5CC-4B45-944A-0582F4FF2121}" dt="2023-06-08T16:29:59.713" v="1712"/>
+          <ac:spMkLst>
+            <pc:docMk/>
+            <pc:sldMk cId="0" sldId="257"/>
+            <ac:spMk id="3" creationId="{F2F11E5C-AA0C-FA33-198C-89EC4B1A3A79}"/>
+          </ac:spMkLst>
+        </pc:spChg>
+        <pc:spChg chg="del mod">
+          <ac:chgData name="Cristian Ortega" userId="2a50f1d0-4ddc-42dc-9923-99e733694a02" providerId="ADAL" clId="{24A7C3EE-F5CC-4B45-944A-0582F4FF2121}" dt="2023-06-08T15:59:27.438" v="944" actId="478"/>
+          <ac:spMkLst>
+            <pc:docMk/>
+            <pc:sldMk cId="0" sldId="257"/>
+            <ac:spMk id="120" creationId="{00000000-0000-0000-0000-000000000000}"/>
+          </ac:spMkLst>
+        </pc:spChg>
+        <pc:spChg chg="mod">
+          <ac:chgData name="Cristian Ortega" userId="2a50f1d0-4ddc-42dc-9923-99e733694a02" providerId="ADAL" clId="{24A7C3EE-F5CC-4B45-944A-0582F4FF2121}" dt="2023-06-08T19:02:37.947" v="2489" actId="108"/>
+          <ac:spMkLst>
+            <pc:docMk/>
+            <pc:sldMk cId="0" sldId="257"/>
+            <ac:spMk id="123" creationId="{00000000-0000-0000-0000-000000000000}"/>
+          </ac:spMkLst>
+        </pc:spChg>
+        <pc:picChg chg="del">
+          <ac:chgData name="Cristian Ortega" userId="2a50f1d0-4ddc-42dc-9923-99e733694a02" providerId="ADAL" clId="{24A7C3EE-F5CC-4B45-944A-0582F4FF2121}" dt="2023-06-08T15:50:17.696" v="895" actId="478"/>
+          <ac:picMkLst>
+            <pc:docMk/>
+            <pc:sldMk cId="0" sldId="257"/>
+            <ac:picMk id="122" creationId="{00000000-0000-0000-0000-000000000000}"/>
+          </ac:picMkLst>
+        </pc:picChg>
+      </pc:sldChg>
+      <pc:sldChg chg="addSp delSp modSp mod">
+        <pc:chgData name="Cristian Ortega" userId="2a50f1d0-4ddc-42dc-9923-99e733694a02" providerId="ADAL" clId="{24A7C3EE-F5CC-4B45-944A-0582F4FF2121}" dt="2023-06-08T19:02:44.085" v="2490" actId="108"/>
+        <pc:sldMkLst>
+          <pc:docMk/>
+          <pc:sldMk cId="0" sldId="258"/>
+        </pc:sldMkLst>
+        <pc:spChg chg="add mod">
+          <ac:chgData name="Cristian Ortega" userId="2a50f1d0-4ddc-42dc-9923-99e733694a02" providerId="ADAL" clId="{24A7C3EE-F5CC-4B45-944A-0582F4FF2121}" dt="2023-06-08T16:00:27.917" v="966" actId="1076"/>
+          <ac:spMkLst>
+            <pc:docMk/>
+            <pc:sldMk cId="0" sldId="258"/>
+            <ac:spMk id="2" creationId="{EA0B586A-B6D3-4567-6A58-E578E8CFA1A8}"/>
+          </ac:spMkLst>
+        </pc:spChg>
+        <pc:spChg chg="add mod">
+          <ac:chgData name="Cristian Ortega" userId="2a50f1d0-4ddc-42dc-9923-99e733694a02" providerId="ADAL" clId="{24A7C3EE-F5CC-4B45-944A-0582F4FF2121}" dt="2023-06-08T16:30:07.905" v="1713"/>
+          <ac:spMkLst>
+            <pc:docMk/>
+            <pc:sldMk cId="0" sldId="258"/>
+            <ac:spMk id="3" creationId="{7D9C1CD7-7201-28A4-5670-EDF52E12ABEA}"/>
+          </ac:spMkLst>
+        </pc:spChg>
+        <pc:spChg chg="del mod">
+          <ac:chgData name="Cristian Ortega" userId="2a50f1d0-4ddc-42dc-9923-99e733694a02" providerId="ADAL" clId="{24A7C3EE-F5CC-4B45-944A-0582F4FF2121}" dt="2023-06-08T16:00:04.701" v="958" actId="478"/>
+          <ac:spMkLst>
+            <pc:docMk/>
+            <pc:sldMk cId="0" sldId="258"/>
+            <ac:spMk id="125" creationId="{00000000-0000-0000-0000-000000000000}"/>
+          </ac:spMkLst>
+        </pc:spChg>
+        <pc:spChg chg="mod">
+          <ac:chgData name="Cristian Ortega" userId="2a50f1d0-4ddc-42dc-9923-99e733694a02" providerId="ADAL" clId="{24A7C3EE-F5CC-4B45-944A-0582F4FF2121}" dt="2023-06-08T19:02:44.085" v="2490" actId="108"/>
+          <ac:spMkLst>
+            <pc:docMk/>
+            <pc:sldMk cId="0" sldId="258"/>
+            <ac:spMk id="129" creationId="{00000000-0000-0000-0000-000000000000}"/>
+          </ac:spMkLst>
+        </pc:spChg>
+      </pc:sldChg>
+      <pc:sldChg chg="addSp delSp modSp mod ord">
+        <pc:chgData name="Cristian Ortega" userId="2a50f1d0-4ddc-42dc-9923-99e733694a02" providerId="ADAL" clId="{24A7C3EE-F5CC-4B45-944A-0582F4FF2121}" dt="2023-06-08T19:01:53.190" v="2485" actId="108"/>
+        <pc:sldMkLst>
+          <pc:docMk/>
+          <pc:sldMk cId="0" sldId="259"/>
+        </pc:sldMkLst>
+        <pc:spChg chg="add mod">
+          <ac:chgData name="Cristian Ortega" userId="2a50f1d0-4ddc-42dc-9923-99e733694a02" providerId="ADAL" clId="{24A7C3EE-F5CC-4B45-944A-0582F4FF2121}" dt="2023-06-08T17:26:08.741" v="1828" actId="1076"/>
+          <ac:spMkLst>
+            <pc:docMk/>
+            <pc:sldMk cId="0" sldId="259"/>
+            <ac:spMk id="2" creationId="{3E1F0C84-1ACD-A5B1-492D-11EF56D135AA}"/>
+          </ac:spMkLst>
+        </pc:spChg>
+        <pc:spChg chg="add mod">
+          <ac:chgData name="Cristian Ortega" userId="2a50f1d0-4ddc-42dc-9923-99e733694a02" providerId="ADAL" clId="{24A7C3EE-F5CC-4B45-944A-0582F4FF2121}" dt="2023-06-08T16:29:52.337" v="1710"/>
+          <ac:spMkLst>
+            <pc:docMk/>
+            <pc:sldMk cId="0" sldId="259"/>
+            <ac:spMk id="3" creationId="{DB13E06E-FBF8-4BCE-608C-F8360607B773}"/>
+          </ac:spMkLst>
+        </pc:spChg>
+        <pc:spChg chg="del mod">
+          <ac:chgData name="Cristian Ortega" userId="2a50f1d0-4ddc-42dc-9923-99e733694a02" providerId="ADAL" clId="{24A7C3EE-F5CC-4B45-944A-0582F4FF2121}" dt="2023-06-08T15:59:01.576" v="938" actId="478"/>
+          <ac:spMkLst>
+            <pc:docMk/>
+            <pc:sldMk cId="0" sldId="259"/>
+            <ac:spMk id="131" creationId="{00000000-0000-0000-0000-000000000000}"/>
+          </ac:spMkLst>
+        </pc:spChg>
+        <pc:spChg chg="mod">
+          <ac:chgData name="Cristian Ortega" userId="2a50f1d0-4ddc-42dc-9923-99e733694a02" providerId="ADAL" clId="{24A7C3EE-F5CC-4B45-944A-0582F4FF2121}" dt="2023-06-08T19:01:53.190" v="2485" actId="108"/>
+          <ac:spMkLst>
+            <pc:docMk/>
+            <pc:sldMk cId="0" sldId="259"/>
+            <ac:spMk id="132" creationId="{00000000-0000-0000-0000-000000000000}"/>
+          </ac:spMkLst>
+        </pc:spChg>
+      </pc:sldChg>
+      <pc:sldChg chg="addSp delSp modSp mod">
+        <pc:chgData name="Cristian Ortega" userId="2a50f1d0-4ddc-42dc-9923-99e733694a02" providerId="ADAL" clId="{24A7C3EE-F5CC-4B45-944A-0582F4FF2121}" dt="2023-06-08T19:02:55.021" v="2491" actId="108"/>
+        <pc:sldMkLst>
+          <pc:docMk/>
+          <pc:sldMk cId="0" sldId="261"/>
+        </pc:sldMkLst>
+        <pc:spChg chg="add mod">
+          <ac:chgData name="Cristian Ortega" userId="2a50f1d0-4ddc-42dc-9923-99e733694a02" providerId="ADAL" clId="{24A7C3EE-F5CC-4B45-944A-0582F4FF2121}" dt="2023-06-08T18:07:27.507" v="1958" actId="1076"/>
+          <ac:spMkLst>
+            <pc:docMk/>
+            <pc:sldMk cId="0" sldId="261"/>
+            <ac:spMk id="2" creationId="{30B895EF-9D68-DCB9-3F71-8029FB2E7DF4}"/>
+          </ac:spMkLst>
+        </pc:spChg>
+        <pc:spChg chg="add mod">
+          <ac:chgData name="Cristian Ortega" userId="2a50f1d0-4ddc-42dc-9923-99e733694a02" providerId="ADAL" clId="{24A7C3EE-F5CC-4B45-944A-0582F4FF2121}" dt="2023-06-08T16:30:11.216" v="1714"/>
+          <ac:spMkLst>
+            <pc:docMk/>
+            <pc:sldMk cId="0" sldId="261"/>
+            <ac:spMk id="3" creationId="{7CB0E7C7-31AE-51E2-D07E-45D01DABAB0F}"/>
+          </ac:spMkLst>
+        </pc:spChg>
+        <pc:spChg chg="del mod">
+          <ac:chgData name="Cristian Ortega" userId="2a50f1d0-4ddc-42dc-9923-99e733694a02" providerId="ADAL" clId="{24A7C3EE-F5CC-4B45-944A-0582F4FF2121}" dt="2023-06-08T16:00:37.005" v="967" actId="478"/>
+          <ac:spMkLst>
+            <pc:docMk/>
+            <pc:sldMk cId="0" sldId="261"/>
+            <ac:spMk id="139" creationId="{00000000-0000-0000-0000-000000000000}"/>
+          </ac:spMkLst>
+        </pc:spChg>
+        <pc:spChg chg="mod">
+          <ac:chgData name="Cristian Ortega" userId="2a50f1d0-4ddc-42dc-9923-99e733694a02" providerId="ADAL" clId="{24A7C3EE-F5CC-4B45-944A-0582F4FF2121}" dt="2023-06-08T19:02:55.021" v="2491" actId="108"/>
+          <ac:spMkLst>
+            <pc:docMk/>
+            <pc:sldMk cId="0" sldId="261"/>
+            <ac:spMk id="141" creationId="{00000000-0000-0000-0000-000000000000}"/>
+          </ac:spMkLst>
+        </pc:spChg>
+      </pc:sldChg>
+      <pc:sldChg chg="addSp delSp modSp mod">
+        <pc:chgData name="Cristian Ortega" userId="2a50f1d0-4ddc-42dc-9923-99e733694a02" providerId="ADAL" clId="{24A7C3EE-F5CC-4B45-944A-0582F4FF2121}" dt="2023-06-08T18:11:26.529" v="1975" actId="14100"/>
+        <pc:sldMkLst>
+          <pc:docMk/>
+          <pc:sldMk cId="0" sldId="263"/>
+        </pc:sldMkLst>
+        <pc:spChg chg="add mod">
+          <ac:chgData name="Cristian Ortega" userId="2a50f1d0-4ddc-42dc-9923-99e733694a02" providerId="ADAL" clId="{24A7C3EE-F5CC-4B45-944A-0582F4FF2121}" dt="2023-06-08T16:01:22.166" v="978" actId="1076"/>
+          <ac:spMkLst>
+            <pc:docMk/>
+            <pc:sldMk cId="0" sldId="263"/>
+            <ac:spMk id="2" creationId="{A16A5969-4887-32E9-1BF3-96BEDE8FE8AB}"/>
+          </ac:spMkLst>
+        </pc:spChg>
+        <pc:spChg chg="add mod">
+          <ac:chgData name="Cristian Ortega" userId="2a50f1d0-4ddc-42dc-9923-99e733694a02" providerId="ADAL" clId="{24A7C3EE-F5CC-4B45-944A-0582F4FF2121}" dt="2023-06-08T16:30:15.521" v="1715"/>
+          <ac:spMkLst>
+            <pc:docMk/>
+            <pc:sldMk cId="0" sldId="263"/>
+            <ac:spMk id="3" creationId="{89012730-7F5C-C7D7-3DD6-B8D1D299C05D}"/>
+          </ac:spMkLst>
+        </pc:spChg>
+        <pc:spChg chg="del mod">
+          <ac:chgData name="Cristian Ortega" userId="2a50f1d0-4ddc-42dc-9923-99e733694a02" providerId="ADAL" clId="{24A7C3EE-F5CC-4B45-944A-0582F4FF2121}" dt="2023-06-08T16:01:04.461" v="973" actId="478"/>
+          <ac:spMkLst>
+            <pc:docMk/>
+            <pc:sldMk cId="0" sldId="263"/>
+            <ac:spMk id="147" creationId="{00000000-0000-0000-0000-000000000000}"/>
+          </ac:spMkLst>
+        </pc:spChg>
+        <pc:spChg chg="mod">
+          <ac:chgData name="Cristian Ortega" userId="2a50f1d0-4ddc-42dc-9923-99e733694a02" providerId="ADAL" clId="{24A7C3EE-F5CC-4B45-944A-0582F4FF2121}" dt="2023-06-08T18:11:26.529" v="1975" actId="14100"/>
+          <ac:spMkLst>
+            <pc:docMk/>
+            <pc:sldMk cId="0" sldId="263"/>
+            <ac:spMk id="148" creationId="{00000000-0000-0000-0000-000000000000}"/>
+          </ac:spMkLst>
+        </pc:spChg>
+      </pc:sldChg>
+      <pc:sldChg chg="addSp modSp mod">
+        <pc:chgData name="Cristian Ortega" userId="2a50f1d0-4ddc-42dc-9923-99e733694a02" providerId="ADAL" clId="{24A7C3EE-F5CC-4B45-944A-0582F4FF2121}" dt="2023-06-08T16:30:45.733" v="1723" actId="14100"/>
+        <pc:sldMkLst>
+          <pc:docMk/>
+          <pc:sldMk cId="0" sldId="264"/>
+        </pc:sldMkLst>
+        <pc:spChg chg="add mod">
+          <ac:chgData name="Cristian Ortega" userId="2a50f1d0-4ddc-42dc-9923-99e733694a02" providerId="ADAL" clId="{24A7C3EE-F5CC-4B45-944A-0582F4FF2121}" dt="2023-06-08T16:30:42.224" v="1722"/>
+          <ac:spMkLst>
+            <pc:docMk/>
+            <pc:sldMk cId="0" sldId="264"/>
+            <ac:spMk id="2" creationId="{58C564E6-C30B-13B3-DE33-5E7ABC1F8690}"/>
+          </ac:spMkLst>
+        </pc:spChg>
+        <pc:picChg chg="mod">
+          <ac:chgData name="Cristian Ortega" userId="2a50f1d0-4ddc-42dc-9923-99e733694a02" providerId="ADAL" clId="{24A7C3EE-F5CC-4B45-944A-0582F4FF2121}" dt="2023-06-08T16:30:45.733" v="1723" actId="14100"/>
+          <ac:picMkLst>
+            <pc:docMk/>
+            <pc:sldMk cId="0" sldId="264"/>
+            <ac:picMk id="152" creationId="{00000000-0000-0000-0000-000000000000}"/>
+          </ac:picMkLst>
+        </pc:picChg>
+      </pc:sldChg>
+      <pc:sldChg chg="addSp modSp">
+        <pc:chgData name="Cristian Ortega" userId="2a50f1d0-4ddc-42dc-9923-99e733694a02" providerId="ADAL" clId="{24A7C3EE-F5CC-4B45-944A-0582F4FF2121}" dt="2023-06-08T16:30:29.361" v="1718"/>
+        <pc:sldMkLst>
+          <pc:docMk/>
+          <pc:sldMk cId="0" sldId="265"/>
+        </pc:sldMkLst>
+        <pc:spChg chg="add mod">
+          <ac:chgData name="Cristian Ortega" userId="2a50f1d0-4ddc-42dc-9923-99e733694a02" providerId="ADAL" clId="{24A7C3EE-F5CC-4B45-944A-0582F4FF2121}" dt="2023-06-08T16:30:29.361" v="1718"/>
+          <ac:spMkLst>
+            <pc:docMk/>
+            <pc:sldMk cId="0" sldId="265"/>
+            <ac:spMk id="2" creationId="{64C64963-9FB1-5676-703A-4164CE928F36}"/>
+          </ac:spMkLst>
+        </pc:spChg>
+      </pc:sldChg>
+      <pc:sldChg chg="addSp delSp modSp mod">
+        <pc:chgData name="Cristian Ortega" userId="2a50f1d0-4ddc-42dc-9923-99e733694a02" providerId="ADAL" clId="{24A7C3EE-F5CC-4B45-944A-0582F4FF2121}" dt="2023-06-08T16:30:21.921" v="1716"/>
+        <pc:sldMkLst>
+          <pc:docMk/>
+          <pc:sldMk cId="0" sldId="266"/>
+        </pc:sldMkLst>
+        <pc:spChg chg="add mod">
+          <ac:chgData name="Cristian Ortega" userId="2a50f1d0-4ddc-42dc-9923-99e733694a02" providerId="ADAL" clId="{24A7C3EE-F5CC-4B45-944A-0582F4FF2121}" dt="2023-06-08T16:02:10.350" v="986" actId="1076"/>
+          <ac:spMkLst>
+            <pc:docMk/>
+            <pc:sldMk cId="0" sldId="266"/>
+            <ac:spMk id="2" creationId="{89DA3B41-3659-8DBF-2E4B-CFB7BBC303AB}"/>
+          </ac:spMkLst>
+        </pc:spChg>
+        <pc:spChg chg="add mod">
+          <ac:chgData name="Cristian Ortega" userId="2a50f1d0-4ddc-42dc-9923-99e733694a02" providerId="ADAL" clId="{24A7C3EE-F5CC-4B45-944A-0582F4FF2121}" dt="2023-06-08T16:30:21.921" v="1716"/>
+          <ac:spMkLst>
+            <pc:docMk/>
+            <pc:sldMk cId="0" sldId="266"/>
+            <ac:spMk id="3" creationId="{592E6A5C-C5EC-7CFB-5D14-C37CF8D8322F}"/>
+          </ac:spMkLst>
+        </pc:spChg>
+        <pc:spChg chg="del mod">
+          <ac:chgData name="Cristian Ortega" userId="2a50f1d0-4ddc-42dc-9923-99e733694a02" providerId="ADAL" clId="{24A7C3EE-F5CC-4B45-944A-0582F4FF2121}" dt="2023-06-08T16:01:34.238" v="979" actId="478"/>
+          <ac:spMkLst>
+            <pc:docMk/>
+            <pc:sldMk cId="0" sldId="266"/>
+            <ac:spMk id="157" creationId="{00000000-0000-0000-0000-000000000000}"/>
+          </ac:spMkLst>
+        </pc:spChg>
+      </pc:sldChg>
+      <pc:sldChg chg="addSp modSp">
+        <pc:chgData name="Cristian Ortega" userId="2a50f1d0-4ddc-42dc-9923-99e733694a02" providerId="ADAL" clId="{24A7C3EE-F5CC-4B45-944A-0582F4FF2121}" dt="2023-06-08T16:30:24.993" v="1717"/>
+        <pc:sldMkLst>
+          <pc:docMk/>
+          <pc:sldMk cId="0" sldId="267"/>
+        </pc:sldMkLst>
+        <pc:spChg chg="add mod">
+          <ac:chgData name="Cristian Ortega" userId="2a50f1d0-4ddc-42dc-9923-99e733694a02" providerId="ADAL" clId="{24A7C3EE-F5CC-4B45-944A-0582F4FF2121}" dt="2023-06-08T16:30:24.993" v="1717"/>
+          <ac:spMkLst>
+            <pc:docMk/>
+            <pc:sldMk cId="0" sldId="267"/>
+            <ac:spMk id="2" creationId="{6F25CF80-89C0-DEE4-B249-360D7D9F3E75}"/>
+          </ac:spMkLst>
+        </pc:spChg>
+      </pc:sldChg>
+      <pc:sldChg chg="addSp delSp modSp new mod">
+        <pc:chgData name="Cristian Ortega" userId="2a50f1d0-4ddc-42dc-9923-99e733694a02" providerId="ADAL" clId="{24A7C3EE-F5CC-4B45-944A-0582F4FF2121}" dt="2023-06-08T19:01:59.677" v="2486" actId="108"/>
+        <pc:sldMkLst>
+          <pc:docMk/>
+          <pc:sldMk cId="2554400044" sldId="268"/>
+        </pc:sldMkLst>
+        <pc:spChg chg="del">
+          <ac:chgData name="Cristian Ortega" userId="2a50f1d0-4ddc-42dc-9923-99e733694a02" providerId="ADAL" clId="{24A7C3EE-F5CC-4B45-944A-0582F4FF2121}" dt="2023-06-08T14:55:08.662" v="29" actId="478"/>
+          <ac:spMkLst>
+            <pc:docMk/>
+            <pc:sldMk cId="2554400044" sldId="268"/>
+            <ac:spMk id="2" creationId="{9B7CC35F-B33A-3232-9B21-B643AE9C0DAC}"/>
+          </ac:spMkLst>
+        </pc:spChg>
+        <pc:spChg chg="add mod">
+          <ac:chgData name="Cristian Ortega" userId="2a50f1d0-4ddc-42dc-9923-99e733694a02" providerId="ADAL" clId="{24A7C3EE-F5CC-4B45-944A-0582F4FF2121}" dt="2023-06-08T16:29:56.768" v="1711"/>
+          <ac:spMkLst>
+            <pc:docMk/>
+            <pc:sldMk cId="2554400044" sldId="268"/>
+            <ac:spMk id="2" creationId="{B0503A1A-4A98-B93C-B46C-AE1756A2BA65}"/>
+          </ac:spMkLst>
+        </pc:spChg>
+        <pc:spChg chg="mod">
+          <ac:chgData name="Cristian Ortega" userId="2a50f1d0-4ddc-42dc-9923-99e733694a02" providerId="ADAL" clId="{24A7C3EE-F5CC-4B45-944A-0582F4FF2121}" dt="2023-06-08T19:01:59.677" v="2486" actId="108"/>
+          <ac:spMkLst>
+            <pc:docMk/>
+            <pc:sldMk cId="2554400044" sldId="268"/>
+            <ac:spMk id="3" creationId="{8973E49E-B105-EAD3-4598-5FBBEA07DDD8}"/>
+          </ac:spMkLst>
+        </pc:spChg>
+        <pc:spChg chg="add mod">
+          <ac:chgData name="Cristian Ortega" userId="2a50f1d0-4ddc-42dc-9923-99e733694a02" providerId="ADAL" clId="{24A7C3EE-F5CC-4B45-944A-0582F4FF2121}" dt="2023-06-08T17:27:43.981" v="1845" actId="1076"/>
+          <ac:spMkLst>
+            <pc:docMk/>
+            <pc:sldMk cId="2554400044" sldId="268"/>
+            <ac:spMk id="5" creationId="{BA2F6010-C8AE-DE6F-2E0B-1FB1E40C9608}"/>
+          </ac:spMkLst>
+        </pc:spChg>
+      </pc:sldChg>
+      <pc:sldChg chg="addSp delSp modSp new mod ord">
+        <pc:chgData name="Cristian Ortega" userId="2a50f1d0-4ddc-42dc-9923-99e733694a02" providerId="ADAL" clId="{24A7C3EE-F5CC-4B45-944A-0582F4FF2121}" dt="2023-06-08T19:01:26.248" v="2484" actId="108"/>
+        <pc:sldMkLst>
+          <pc:docMk/>
+          <pc:sldMk cId="1016318641" sldId="269"/>
+        </pc:sldMkLst>
+        <pc:spChg chg="mod">
+          <ac:chgData name="Cristian Ortega" userId="2a50f1d0-4ddc-42dc-9923-99e733694a02" providerId="ADAL" clId="{24A7C3EE-F5CC-4B45-944A-0582F4FF2121}" dt="2023-06-08T17:23:18.597" v="1791" actId="1076"/>
+          <ac:spMkLst>
+            <pc:docMk/>
+            <pc:sldMk cId="1016318641" sldId="269"/>
+            <ac:spMk id="2" creationId="{E8939BC7-1AB7-1315-89D2-E791F9489F00}"/>
+          </ac:spMkLst>
+        </pc:spChg>
+        <pc:spChg chg="del mod">
+          <ac:chgData name="Cristian Ortega" userId="2a50f1d0-4ddc-42dc-9923-99e733694a02" providerId="ADAL" clId="{24A7C3EE-F5CC-4B45-944A-0582F4FF2121}" dt="2023-06-08T16:04:07.871" v="1008" actId="478"/>
+          <ac:spMkLst>
+            <pc:docMk/>
+            <pc:sldMk cId="1016318641" sldId="269"/>
+            <ac:spMk id="3" creationId="{83EF7F09-9D67-561A-2A28-D7A9A6367EA8}"/>
+          </ac:spMkLst>
+        </pc:spChg>
+        <pc:spChg chg="add mod">
+          <ac:chgData name="Cristian Ortega" userId="2a50f1d0-4ddc-42dc-9923-99e733694a02" providerId="ADAL" clId="{24A7C3EE-F5CC-4B45-944A-0582F4FF2121}" dt="2023-06-08T16:29:44.931" v="1709"/>
+          <ac:spMkLst>
+            <pc:docMk/>
+            <pc:sldMk cId="1016318641" sldId="269"/>
+            <ac:spMk id="4" creationId="{52B413FC-A313-9BFA-7494-19BCF87AF9A2}"/>
+          </ac:spMkLst>
+        </pc:spChg>
+        <pc:spChg chg="add mod">
+          <ac:chgData name="Cristian Ortega" userId="2a50f1d0-4ddc-42dc-9923-99e733694a02" providerId="ADAL" clId="{24A7C3EE-F5CC-4B45-944A-0582F4FF2121}" dt="2023-06-08T19:01:26.248" v="2484" actId="108"/>
+          <ac:spMkLst>
+            <pc:docMk/>
+            <pc:sldMk cId="1016318641" sldId="269"/>
+            <ac:spMk id="6" creationId="{4DCBA3A4-AC79-1282-1A32-E53C4354EFEF}"/>
+          </ac:spMkLst>
+        </pc:spChg>
+        <pc:picChg chg="add mod">
+          <ac:chgData name="Cristian Ortega" userId="2a50f1d0-4ddc-42dc-9923-99e733694a02" providerId="ADAL" clId="{24A7C3EE-F5CC-4B45-944A-0582F4FF2121}" dt="2023-06-08T17:22:16.010" v="1773" actId="1076"/>
+          <ac:picMkLst>
+            <pc:docMk/>
+            <pc:sldMk cId="1016318641" sldId="269"/>
+            <ac:picMk id="7" creationId="{92AE530F-764B-FBAE-92E7-5CEF4519D7C6}"/>
+          </ac:picMkLst>
+        </pc:picChg>
+      </pc:sldChg>
+      <pc:sldChg chg="new del">
+        <pc:chgData name="Cristian Ortega" userId="2a50f1d0-4ddc-42dc-9923-99e733694a02" providerId="ADAL" clId="{24A7C3EE-F5CC-4B45-944A-0582F4FF2121}" dt="2023-06-08T14:57:57.837" v="40" actId="680"/>
+        <pc:sldMkLst>
+          <pc:docMk/>
+          <pc:sldMk cId="1278576919" sldId="269"/>
+        </pc:sldMkLst>
+      </pc:sldChg>
+      <pc:sldChg chg="delSp modSp new mod">
+        <pc:chgData name="Cristian Ortega" userId="2a50f1d0-4ddc-42dc-9923-99e733694a02" providerId="ADAL" clId="{24A7C3EE-F5CC-4B45-944A-0582F4FF2121}" dt="2023-06-08T15:32:32.353" v="830" actId="20577"/>
+        <pc:sldMkLst>
+          <pc:docMk/>
+          <pc:sldMk cId="2719094941" sldId="270"/>
+        </pc:sldMkLst>
+        <pc:spChg chg="del">
+          <ac:chgData name="Cristian Ortega" userId="2a50f1d0-4ddc-42dc-9923-99e733694a02" providerId="ADAL" clId="{24A7C3EE-F5CC-4B45-944A-0582F4FF2121}" dt="2023-06-08T15:29:43.874" v="722" actId="478"/>
+          <ac:spMkLst>
+            <pc:docMk/>
+            <pc:sldMk cId="2719094941" sldId="270"/>
+            <ac:spMk id="2" creationId="{AAEEAE12-F93A-9DC7-3C1A-0648A64FAC05}"/>
+          </ac:spMkLst>
+        </pc:spChg>
+        <pc:spChg chg="mod">
+          <ac:chgData name="Cristian Ortega" userId="2a50f1d0-4ddc-42dc-9923-99e733694a02" providerId="ADAL" clId="{24A7C3EE-F5CC-4B45-944A-0582F4FF2121}" dt="2023-06-08T15:32:32.353" v="830" actId="20577"/>
+          <ac:spMkLst>
+            <pc:docMk/>
+            <pc:sldMk cId="2719094941" sldId="270"/>
+            <ac:spMk id="3" creationId="{20A7EE60-590D-8919-5E2D-228AE9722B34}"/>
+          </ac:spMkLst>
+        </pc:spChg>
+      </pc:sldChg>
+      <pc:sldChg chg="addSp modSp new mod ord">
+        <pc:chgData name="Cristian Ortega" userId="2a50f1d0-4ddc-42dc-9923-99e733694a02" providerId="ADAL" clId="{24A7C3EE-F5CC-4B45-944A-0582F4FF2121}" dt="2023-06-08T19:01:17.470" v="2483" actId="108"/>
+        <pc:sldMkLst>
+          <pc:docMk/>
+          <pc:sldMk cId="2686530026" sldId="271"/>
+        </pc:sldMkLst>
+        <pc:spChg chg="mod">
+          <ac:chgData name="Cristian Ortega" userId="2a50f1d0-4ddc-42dc-9923-99e733694a02" providerId="ADAL" clId="{24A7C3EE-F5CC-4B45-944A-0582F4FF2121}" dt="2023-06-08T16:33:33.460" v="1732" actId="1076"/>
+          <ac:spMkLst>
+            <pc:docMk/>
+            <pc:sldMk cId="2686530026" sldId="271"/>
+            <ac:spMk id="2" creationId="{C2515E7E-5613-C3F8-2A28-4E1A8ED107E7}"/>
+          </ac:spMkLst>
+        </pc:spChg>
+        <pc:spChg chg="mod">
+          <ac:chgData name="Cristian Ortega" userId="2a50f1d0-4ddc-42dc-9923-99e733694a02" providerId="ADAL" clId="{24A7C3EE-F5CC-4B45-944A-0582F4FF2121}" dt="2023-06-08T19:01:17.470" v="2483" actId="108"/>
+          <ac:spMkLst>
+            <pc:docMk/>
+            <pc:sldMk cId="2686530026" sldId="271"/>
+            <ac:spMk id="3" creationId="{2251C363-3B0D-6EF5-0B43-6420C30145A0}"/>
+          </ac:spMkLst>
+        </pc:spChg>
+        <pc:spChg chg="add mod">
+          <ac:chgData name="Cristian Ortega" userId="2a50f1d0-4ddc-42dc-9923-99e733694a02" providerId="ADAL" clId="{24A7C3EE-F5CC-4B45-944A-0582F4FF2121}" dt="2023-06-08T16:29:26.640" v="1708"/>
+          <ac:spMkLst>
+            <pc:docMk/>
+            <pc:sldMk cId="2686530026" sldId="271"/>
+            <ac:spMk id="4" creationId="{BBEFA0CF-DCB3-6945-CAE6-75BAFFA94029}"/>
+          </ac:spMkLst>
+        </pc:spChg>
+      </pc:sldChg>
+      <pc:sldChg chg="addSp delSp modSp new mod">
+        <pc:chgData name="Cristian Ortega" userId="2a50f1d0-4ddc-42dc-9923-99e733694a02" providerId="ADAL" clId="{24A7C3EE-F5CC-4B45-944A-0582F4FF2121}" dt="2023-06-08T16:32:53.372" v="1729" actId="1076"/>
+        <pc:sldMkLst>
+          <pc:docMk/>
+          <pc:sldMk cId="2167014996" sldId="272"/>
+        </pc:sldMkLst>
+        <pc:spChg chg="mod">
+          <ac:chgData name="Cristian Ortega" userId="2a50f1d0-4ddc-42dc-9923-99e733694a02" providerId="ADAL" clId="{24A7C3EE-F5CC-4B45-944A-0582F4FF2121}" dt="2023-06-08T16:18:35.429" v="1231" actId="14100"/>
+          <ac:spMkLst>
+            <pc:docMk/>
+            <pc:sldMk cId="2167014996" sldId="272"/>
+            <ac:spMk id="2" creationId="{74E302C9-643D-3B90-A81D-D8C26795B005}"/>
+          </ac:spMkLst>
+        </pc:spChg>
+        <pc:spChg chg="del mod">
+          <ac:chgData name="Cristian Ortega" userId="2a50f1d0-4ddc-42dc-9923-99e733694a02" providerId="ADAL" clId="{24A7C3EE-F5CC-4B45-944A-0582F4FF2121}" dt="2023-06-08T16:09:30.573" v="1040" actId="478"/>
+          <ac:spMkLst>
+            <pc:docMk/>
+            <pc:sldMk cId="2167014996" sldId="272"/>
+            <ac:spMk id="3" creationId="{5BCA0704-C407-7498-B521-066B450BBFB3}"/>
+          </ac:spMkLst>
+        </pc:spChg>
+        <pc:spChg chg="add mod">
+          <ac:chgData name="Cristian Ortega" userId="2a50f1d0-4ddc-42dc-9923-99e733694a02" providerId="ADAL" clId="{24A7C3EE-F5CC-4B45-944A-0582F4FF2121}" dt="2023-06-08T16:32:42.964" v="1724" actId="14100"/>
+          <ac:spMkLst>
+            <pc:docMk/>
+            <pc:sldMk cId="2167014996" sldId="272"/>
+            <ac:spMk id="7" creationId="{89779844-A520-AC40-EEE7-C338D4DD8BD4}"/>
+          </ac:spMkLst>
+        </pc:spChg>
+        <pc:graphicFrameChg chg="add del">
+          <ac:chgData name="Cristian Ortega" userId="2a50f1d0-4ddc-42dc-9923-99e733694a02" providerId="ADAL" clId="{24A7C3EE-F5CC-4B45-944A-0582F4FF2121}" dt="2023-06-08T15:43:00.089" v="873" actId="3680"/>
+          <ac:graphicFrameMkLst>
+            <pc:docMk/>
+            <pc:sldMk cId="2167014996" sldId="272"/>
+            <ac:graphicFrameMk id="6" creationId="{FE2F8098-8E9F-139F-DE80-01210BCEF9F6}"/>
+          </ac:graphicFrameMkLst>
+        </pc:graphicFrameChg>
+        <pc:picChg chg="add mod">
+          <ac:chgData name="Cristian Ortega" userId="2a50f1d0-4ddc-42dc-9923-99e733694a02" providerId="ADAL" clId="{24A7C3EE-F5CC-4B45-944A-0582F4FF2121}" dt="2023-06-08T16:32:53.372" v="1729" actId="1076"/>
+          <ac:picMkLst>
+            <pc:docMk/>
+            <pc:sldMk cId="2167014996" sldId="272"/>
+            <ac:picMk id="4" creationId="{153B9791-EC3A-F0F3-5131-3A9F2C037553}"/>
+          </ac:picMkLst>
+        </pc:picChg>
+        <pc:picChg chg="add mod">
+          <ac:chgData name="Cristian Ortega" userId="2a50f1d0-4ddc-42dc-9923-99e733694a02" providerId="ADAL" clId="{24A7C3EE-F5CC-4B45-944A-0582F4FF2121}" dt="2023-06-08T16:32:50.044" v="1728" actId="1076"/>
+          <ac:picMkLst>
+            <pc:docMk/>
+            <pc:sldMk cId="2167014996" sldId="272"/>
+            <ac:picMk id="5" creationId="{D5814235-EF75-22FE-2B31-00AD62A0196B}"/>
+          </ac:picMkLst>
+        </pc:picChg>
+      </pc:sldChg>
+      <pc:sldChg chg="modSp new mod">
+        <pc:chgData name="Cristian Ortega" userId="2a50f1d0-4ddc-42dc-9923-99e733694a02" providerId="ADAL" clId="{24A7C3EE-F5CC-4B45-944A-0582F4FF2121}" dt="2023-06-08T17:32:26.924" v="1877" actId="403"/>
+        <pc:sldMkLst>
+          <pc:docMk/>
+          <pc:sldMk cId="3906154812" sldId="273"/>
+        </pc:sldMkLst>
+        <pc:spChg chg="mod">
+          <ac:chgData name="Cristian Ortega" userId="2a50f1d0-4ddc-42dc-9923-99e733694a02" providerId="ADAL" clId="{24A7C3EE-F5CC-4B45-944A-0582F4FF2121}" dt="2023-06-08T17:31:28.189" v="1872" actId="1076"/>
+          <ac:spMkLst>
+            <pc:docMk/>
+            <pc:sldMk cId="3906154812" sldId="273"/>
+            <ac:spMk id="2" creationId="{15BABFF5-71B2-18DD-B3C3-B5A3E286B01F}"/>
+          </ac:spMkLst>
+        </pc:spChg>
+        <pc:spChg chg="mod">
+          <ac:chgData name="Cristian Ortega" userId="2a50f1d0-4ddc-42dc-9923-99e733694a02" providerId="ADAL" clId="{24A7C3EE-F5CC-4B45-944A-0582F4FF2121}" dt="2023-06-08T17:32:26.924" v="1877" actId="403"/>
+          <ac:spMkLst>
+            <pc:docMk/>
+            <pc:sldMk cId="3906154812" sldId="273"/>
+            <ac:spMk id="3" creationId="{22F59F20-95A6-D2A2-47CD-99842EBAAB91}"/>
+          </ac:spMkLst>
+        </pc:spChg>
+      </pc:sldChg>
+      <pc:sldChg chg="delSp modSp new mod">
+        <pc:chgData name="Cristian Ortega" userId="2a50f1d0-4ddc-42dc-9923-99e733694a02" providerId="ADAL" clId="{24A7C3EE-F5CC-4B45-944A-0582F4FF2121}" dt="2023-06-08T19:02:29.236" v="2488" actId="108"/>
+        <pc:sldMkLst>
+          <pc:docMk/>
+          <pc:sldMk cId="1532523401" sldId="274"/>
+        </pc:sldMkLst>
+        <pc:spChg chg="del">
+          <ac:chgData name="Cristian Ortega" userId="2a50f1d0-4ddc-42dc-9923-99e733694a02" providerId="ADAL" clId="{24A7C3EE-F5CC-4B45-944A-0582F4FF2121}" dt="2023-06-08T17:34:14.572" v="1880" actId="478"/>
+          <ac:spMkLst>
+            <pc:docMk/>
+            <pc:sldMk cId="1532523401" sldId="274"/>
+            <ac:spMk id="2" creationId="{037C1162-A1A0-A00F-1918-CC64E63C88DD}"/>
+          </ac:spMkLst>
+        </pc:spChg>
+        <pc:spChg chg="mod">
+          <ac:chgData name="Cristian Ortega" userId="2a50f1d0-4ddc-42dc-9923-99e733694a02" providerId="ADAL" clId="{24A7C3EE-F5CC-4B45-944A-0582F4FF2121}" dt="2023-06-08T19:02:29.236" v="2488" actId="108"/>
+          <ac:spMkLst>
+            <pc:docMk/>
+            <pc:sldMk cId="1532523401" sldId="274"/>
+            <ac:spMk id="3" creationId="{9FFED2A2-8162-BAE7-28B9-5C179CF8717A}"/>
+          </ac:spMkLst>
+        </pc:spChg>
+      </pc:sldChg>
+      <pc:sldChg chg="delSp modSp new mod">
+        <pc:chgData name="Cristian Ortega" userId="2a50f1d0-4ddc-42dc-9923-99e733694a02" providerId="ADAL" clId="{24A7C3EE-F5CC-4B45-944A-0582F4FF2121}" dt="2023-06-08T19:03:10.215" v="2493" actId="108"/>
+        <pc:sldMkLst>
+          <pc:docMk/>
+          <pc:sldMk cId="1288633055" sldId="275"/>
+        </pc:sldMkLst>
+        <pc:spChg chg="del">
+          <ac:chgData name="Cristian Ortega" userId="2a50f1d0-4ddc-42dc-9923-99e733694a02" providerId="ADAL" clId="{24A7C3EE-F5CC-4B45-944A-0582F4FF2121}" dt="2023-06-08T18:05:25.989" v="1947" actId="478"/>
+          <ac:spMkLst>
+            <pc:docMk/>
+            <pc:sldMk cId="1288633055" sldId="275"/>
+            <ac:spMk id="2" creationId="{F7659897-1CAD-0B08-548E-128A344F9BD3}"/>
+          </ac:spMkLst>
+        </pc:spChg>
+        <pc:spChg chg="mod">
+          <ac:chgData name="Cristian Ortega" userId="2a50f1d0-4ddc-42dc-9923-99e733694a02" providerId="ADAL" clId="{24A7C3EE-F5CC-4B45-944A-0582F4FF2121}" dt="2023-06-08T19:03:10.215" v="2493" actId="108"/>
+          <ac:spMkLst>
+            <pc:docMk/>
+            <pc:sldMk cId="1288633055" sldId="275"/>
+            <ac:spMk id="3" creationId="{CF6D704F-6C1A-12D8-12D1-B6A71D01B21A}"/>
+          </ac:spMkLst>
+        </pc:spChg>
+      </pc:sldChg>
+      <pc:sldChg chg="delSp modSp new mod ord">
+        <pc:chgData name="Cristian Ortega" userId="2a50f1d0-4ddc-42dc-9923-99e733694a02" providerId="ADAL" clId="{24A7C3EE-F5CC-4B45-944A-0582F4FF2121}" dt="2023-06-08T19:03:02.674" v="2492" actId="108"/>
+        <pc:sldMkLst>
+          <pc:docMk/>
+          <pc:sldMk cId="1342604050" sldId="276"/>
+        </pc:sldMkLst>
+        <pc:spChg chg="del">
+          <ac:chgData name="Cristian Ortega" userId="2a50f1d0-4ddc-42dc-9923-99e733694a02" providerId="ADAL" clId="{24A7C3EE-F5CC-4B45-944A-0582F4FF2121}" dt="2023-06-08T18:06:42.307" v="1955" actId="478"/>
+          <ac:spMkLst>
+            <pc:docMk/>
+            <pc:sldMk cId="1342604050" sldId="276"/>
+            <ac:spMk id="2" creationId="{D30E98AB-33BB-834D-49A8-EDE96044A98A}"/>
+          </ac:spMkLst>
+        </pc:spChg>
+        <pc:spChg chg="mod">
+          <ac:chgData name="Cristian Ortega" userId="2a50f1d0-4ddc-42dc-9923-99e733694a02" providerId="ADAL" clId="{24A7C3EE-F5CC-4B45-944A-0582F4FF2121}" dt="2023-06-08T19:03:02.674" v="2492" actId="108"/>
+          <ac:spMkLst>
+            <pc:docMk/>
+            <pc:sldMk cId="1342604050" sldId="276"/>
+            <ac:spMk id="3" creationId="{9D953A90-AA43-21CE-43F6-AB96A3A112CC}"/>
+          </ac:spMkLst>
+        </pc:spChg>
+      </pc:sldChg>
+      <pc:sldChg chg="modSp new mod">
+        <pc:chgData name="Cristian Ortega" userId="2a50f1d0-4ddc-42dc-9923-99e733694a02" providerId="ADAL" clId="{24A7C3EE-F5CC-4B45-944A-0582F4FF2121}" dt="2023-06-08T18:38:08.217" v="2135" actId="1076"/>
+        <pc:sldMkLst>
+          <pc:docMk/>
+          <pc:sldMk cId="2507199906" sldId="277"/>
+        </pc:sldMkLst>
+        <pc:spChg chg="mod">
+          <ac:chgData name="Cristian Ortega" userId="2a50f1d0-4ddc-42dc-9923-99e733694a02" providerId="ADAL" clId="{24A7C3EE-F5CC-4B45-944A-0582F4FF2121}" dt="2023-06-08T18:18:42.922" v="1987" actId="1076"/>
+          <ac:spMkLst>
+            <pc:docMk/>
+            <pc:sldMk cId="2507199906" sldId="277"/>
+            <ac:spMk id="2" creationId="{54225EA2-34D3-D552-E0A7-649B64270A35}"/>
+          </ac:spMkLst>
+        </pc:spChg>
+        <pc:spChg chg="mod">
+          <ac:chgData name="Cristian Ortega" userId="2a50f1d0-4ddc-42dc-9923-99e733694a02" providerId="ADAL" clId="{24A7C3EE-F5CC-4B45-944A-0582F4FF2121}" dt="2023-06-08T18:38:08.217" v="2135" actId="1076"/>
+          <ac:spMkLst>
+            <pc:docMk/>
+            <pc:sldMk cId="2507199906" sldId="277"/>
+            <ac:spMk id="3" creationId="{168DE43E-B4CF-7B34-030F-BBD3C6EB1EDB}"/>
+          </ac:spMkLst>
+        </pc:spChg>
+      </pc:sldChg>
+      <pc:sldChg chg="delSp modSp new mod">
+        <pc:chgData name="Cristian Ortega" userId="2a50f1d0-4ddc-42dc-9923-99e733694a02" providerId="ADAL" clId="{24A7C3EE-F5CC-4B45-944A-0582F4FF2121}" dt="2023-06-08T18:37:48.377" v="2133" actId="1076"/>
+        <pc:sldMkLst>
+          <pc:docMk/>
+          <pc:sldMk cId="1437400785" sldId="278"/>
+        </pc:sldMkLst>
+        <pc:spChg chg="del">
+          <ac:chgData name="Cristian Ortega" userId="2a50f1d0-4ddc-42dc-9923-99e733694a02" providerId="ADAL" clId="{24A7C3EE-F5CC-4B45-944A-0582F4FF2121}" dt="2023-06-08T18:31:56.787" v="2054" actId="478"/>
+          <ac:spMkLst>
+            <pc:docMk/>
+            <pc:sldMk cId="1437400785" sldId="278"/>
+            <ac:spMk id="2" creationId="{BBB48C75-78C7-7F1F-1732-3D9299F88844}"/>
+          </ac:spMkLst>
+        </pc:spChg>
+        <pc:spChg chg="mod">
+          <ac:chgData name="Cristian Ortega" userId="2a50f1d0-4ddc-42dc-9923-99e733694a02" providerId="ADAL" clId="{24A7C3EE-F5CC-4B45-944A-0582F4FF2121}" dt="2023-06-08T18:37:48.377" v="2133" actId="1076"/>
+          <ac:spMkLst>
+            <pc:docMk/>
+            <pc:sldMk cId="1437400785" sldId="278"/>
+            <ac:spMk id="3" creationId="{25C649AE-DB05-AA5E-AC0A-2A2D78F9FCE3}"/>
+          </ac:spMkLst>
+        </pc:spChg>
+      </pc:sldChg>
+      <pc:sldChg chg="modSp new mod">
+        <pc:chgData name="Cristian Ortega" userId="2a50f1d0-4ddc-42dc-9923-99e733694a02" providerId="ADAL" clId="{24A7C3EE-F5CC-4B45-944A-0582F4FF2121}" dt="2023-06-08T18:38:55.297" v="2174" actId="1076"/>
+        <pc:sldMkLst>
+          <pc:docMk/>
+          <pc:sldMk cId="2161885422" sldId="279"/>
+        </pc:sldMkLst>
+        <pc:spChg chg="mod">
+          <ac:chgData name="Cristian Ortega" userId="2a50f1d0-4ddc-42dc-9923-99e733694a02" providerId="ADAL" clId="{24A7C3EE-F5CC-4B45-944A-0582F4FF2121}" dt="2023-06-08T18:38:55.297" v="2174" actId="1076"/>
+          <ac:spMkLst>
+            <pc:docMk/>
+            <pc:sldMk cId="2161885422" sldId="279"/>
+            <ac:spMk id="2" creationId="{44067241-97B0-2211-A20F-169E909458FD}"/>
+          </ac:spMkLst>
+        </pc:spChg>
+        <pc:spChg chg="mod">
+          <ac:chgData name="Cristian Ortega" userId="2a50f1d0-4ddc-42dc-9923-99e733694a02" providerId="ADAL" clId="{24A7C3EE-F5CC-4B45-944A-0582F4FF2121}" dt="2023-06-08T18:35:18.372" v="2101" actId="20577"/>
+          <ac:spMkLst>
+            <pc:docMk/>
+            <pc:sldMk cId="2161885422" sldId="279"/>
+            <ac:spMk id="3" creationId="{B938824B-A6E8-4961-841E-43440FD12B08}"/>
+          </ac:spMkLst>
+        </pc:spChg>
+      </pc:sldChg>
+      <pc:sldChg chg="modSp new mod">
+        <pc:chgData name="Cristian Ortega" userId="2a50f1d0-4ddc-42dc-9923-99e733694a02" providerId="ADAL" clId="{24A7C3EE-F5CC-4B45-944A-0582F4FF2121}" dt="2023-06-08T18:36:26.169" v="2124" actId="1076"/>
+        <pc:sldMkLst>
+          <pc:docMk/>
+          <pc:sldMk cId="2509152568" sldId="280"/>
+        </pc:sldMkLst>
+        <pc:spChg chg="mod">
+          <ac:chgData name="Cristian Ortega" userId="2a50f1d0-4ddc-42dc-9923-99e733694a02" providerId="ADAL" clId="{24A7C3EE-F5CC-4B45-944A-0582F4FF2121}" dt="2023-06-08T18:36:26.169" v="2124" actId="1076"/>
+          <ac:spMkLst>
+            <pc:docMk/>
+            <pc:sldMk cId="2509152568" sldId="280"/>
+            <ac:spMk id="2" creationId="{0ED4E8CA-2F0B-1616-3DF6-1D80F1CF5902}"/>
+          </ac:spMkLst>
+        </pc:spChg>
+      </pc:sldChg>
+      <pc:sldChg chg="delSp modSp new mod">
+        <pc:chgData name="Cristian Ortega" userId="2a50f1d0-4ddc-42dc-9923-99e733694a02" providerId="ADAL" clId="{24A7C3EE-F5CC-4B45-944A-0582F4FF2121}" dt="2023-06-08T18:37:24.369" v="2131" actId="1076"/>
+        <pc:sldMkLst>
+          <pc:docMk/>
+          <pc:sldMk cId="122543160" sldId="281"/>
+        </pc:sldMkLst>
+        <pc:spChg chg="del">
+          <ac:chgData name="Cristian Ortega" userId="2a50f1d0-4ddc-42dc-9923-99e733694a02" providerId="ADAL" clId="{24A7C3EE-F5CC-4B45-944A-0582F4FF2121}" dt="2023-06-08T18:37:00.097" v="2128" actId="478"/>
+          <ac:spMkLst>
+            <pc:docMk/>
+            <pc:sldMk cId="122543160" sldId="281"/>
+            <ac:spMk id="2" creationId="{3877070C-F357-07C4-646E-950705543AA3}"/>
+          </ac:spMkLst>
+        </pc:spChg>
+        <pc:spChg chg="mod">
+          <ac:chgData name="Cristian Ortega" userId="2a50f1d0-4ddc-42dc-9923-99e733694a02" providerId="ADAL" clId="{24A7C3EE-F5CC-4B45-944A-0582F4FF2121}" dt="2023-06-08T18:37:24.369" v="2131" actId="1076"/>
+          <ac:spMkLst>
+            <pc:docMk/>
+            <pc:sldMk cId="122543160" sldId="281"/>
+            <ac:spMk id="3" creationId="{B53C70F8-E5AF-31FA-2281-D3F94AAF0C1A}"/>
+          </ac:spMkLst>
+        </pc:spChg>
+      </pc:sldChg>
+      <pc:sldChg chg="modSp new mod">
+        <pc:chgData name="Cristian Ortega" userId="2a50f1d0-4ddc-42dc-9923-99e733694a02" providerId="ADAL" clId="{24A7C3EE-F5CC-4B45-944A-0582F4FF2121}" dt="2023-06-08T18:43:33.740" v="2368" actId="404"/>
+        <pc:sldMkLst>
+          <pc:docMk/>
+          <pc:sldMk cId="4285390058" sldId="282"/>
+        </pc:sldMkLst>
+        <pc:spChg chg="mod">
+          <ac:chgData name="Cristian Ortega" userId="2a50f1d0-4ddc-42dc-9923-99e733694a02" providerId="ADAL" clId="{24A7C3EE-F5CC-4B45-944A-0582F4FF2121}" dt="2023-06-08T18:40:06.721" v="2192" actId="1076"/>
+          <ac:spMkLst>
+            <pc:docMk/>
+            <pc:sldMk cId="4285390058" sldId="282"/>
+            <ac:spMk id="2" creationId="{9BEFB44A-9008-1E2C-DAC9-22BA7891BC37}"/>
+          </ac:spMkLst>
+        </pc:spChg>
+        <pc:spChg chg="mod">
+          <ac:chgData name="Cristian Ortega" userId="2a50f1d0-4ddc-42dc-9923-99e733694a02" providerId="ADAL" clId="{24A7C3EE-F5CC-4B45-944A-0582F4FF2121}" dt="2023-06-08T18:43:33.740" v="2368" actId="404"/>
+          <ac:spMkLst>
+            <pc:docMk/>
+            <pc:sldMk cId="4285390058" sldId="282"/>
+            <ac:spMk id="3" creationId="{0BF3C654-86FB-E55E-B0A7-F4E7CE39F8E0}"/>
+          </ac:spMkLst>
+        </pc:spChg>
+      </pc:sldChg>
+      <pc:sldChg chg="addSp delSp modSp new mod">
+        <pc:chgData name="Cristian Ortega" userId="2a50f1d0-4ddc-42dc-9923-99e733694a02" providerId="ADAL" clId="{24A7C3EE-F5CC-4B45-944A-0582F4FF2121}" dt="2023-06-08T19:00:07.923" v="2482" actId="113"/>
+        <pc:sldMkLst>
+          <pc:docMk/>
+          <pc:sldMk cId="3067647196" sldId="283"/>
+        </pc:sldMkLst>
+        <pc:spChg chg="mod">
+          <ac:chgData name="Cristian Ortega" userId="2a50f1d0-4ddc-42dc-9923-99e733694a02" providerId="ADAL" clId="{24A7C3EE-F5CC-4B45-944A-0582F4FF2121}" dt="2023-06-08T18:47:35.682" v="2444" actId="404"/>
+          <ac:spMkLst>
+            <pc:docMk/>
+            <pc:sldMk cId="3067647196" sldId="283"/>
+            <ac:spMk id="2" creationId="{A8B6F035-EE2E-9117-268D-B49E3D9035F2}"/>
+          </ac:spMkLst>
+        </pc:spChg>
+        <pc:spChg chg="add del">
+          <ac:chgData name="Cristian Ortega" userId="2a50f1d0-4ddc-42dc-9923-99e733694a02" providerId="ADAL" clId="{24A7C3EE-F5CC-4B45-944A-0582F4FF2121}" dt="2023-06-08T18:48:14.722" v="2447" actId="478"/>
+          <ac:spMkLst>
+            <pc:docMk/>
+            <pc:sldMk cId="3067647196" sldId="283"/>
+            <ac:spMk id="3" creationId="{35C70F69-C7A4-4463-8015-752EFE2C8914}"/>
+          </ac:spMkLst>
+        </pc:spChg>
+        <pc:spChg chg="add mod">
+          <ac:chgData name="Cristian Ortega" userId="2a50f1d0-4ddc-42dc-9923-99e733694a02" providerId="ADAL" clId="{24A7C3EE-F5CC-4B45-944A-0582F4FF2121}" dt="2023-06-08T18:59:58.131" v="2478" actId="113"/>
+          <ac:spMkLst>
+            <pc:docMk/>
+            <pc:sldMk cId="3067647196" sldId="283"/>
+            <ac:spMk id="8" creationId="{FD63448F-A760-9749-14FB-0D8EEED6F3FE}"/>
+          </ac:spMkLst>
+        </pc:spChg>
+        <pc:spChg chg="add mod">
+          <ac:chgData name="Cristian Ortega" userId="2a50f1d0-4ddc-42dc-9923-99e733694a02" providerId="ADAL" clId="{24A7C3EE-F5CC-4B45-944A-0582F4FF2121}" dt="2023-06-08T19:00:00.586" v="2479" actId="113"/>
+          <ac:spMkLst>
+            <pc:docMk/>
+            <pc:sldMk cId="3067647196" sldId="283"/>
+            <ac:spMk id="10" creationId="{A0E70832-1104-5B40-7774-8C344BDC3F2A}"/>
+          </ac:spMkLst>
+        </pc:spChg>
+        <pc:spChg chg="add mod">
+          <ac:chgData name="Cristian Ortega" userId="2a50f1d0-4ddc-42dc-9923-99e733694a02" providerId="ADAL" clId="{24A7C3EE-F5CC-4B45-944A-0582F4FF2121}" dt="2023-06-08T19:00:03.003" v="2480" actId="113"/>
+          <ac:spMkLst>
+            <pc:docMk/>
+            <pc:sldMk cId="3067647196" sldId="283"/>
+            <ac:spMk id="12" creationId="{BA7443BE-6B39-A03F-8C51-A082470CFA3C}"/>
+          </ac:spMkLst>
+        </pc:spChg>
+        <pc:spChg chg="add mod">
+          <ac:chgData name="Cristian Ortega" userId="2a50f1d0-4ddc-42dc-9923-99e733694a02" providerId="ADAL" clId="{24A7C3EE-F5CC-4B45-944A-0582F4FF2121}" dt="2023-06-08T19:00:05.346" v="2481" actId="113"/>
+          <ac:spMkLst>
+            <pc:docMk/>
+            <pc:sldMk cId="3067647196" sldId="283"/>
+            <ac:spMk id="14" creationId="{01DF6D89-4781-85EC-21E0-72D43AE297D6}"/>
+          </ac:spMkLst>
+        </pc:spChg>
+        <pc:spChg chg="add mod">
+          <ac:chgData name="Cristian Ortega" userId="2a50f1d0-4ddc-42dc-9923-99e733694a02" providerId="ADAL" clId="{24A7C3EE-F5CC-4B45-944A-0582F4FF2121}" dt="2023-06-08T19:00:07.923" v="2482" actId="113"/>
+          <ac:spMkLst>
+            <pc:docMk/>
+            <pc:sldMk cId="3067647196" sldId="283"/>
+            <ac:spMk id="16" creationId="{B58E9061-E7FA-ECF8-E624-728B872500E6}"/>
+          </ac:spMkLst>
+        </pc:spChg>
+        <pc:picChg chg="add mod">
+          <ac:chgData name="Cristian Ortega" userId="2a50f1d0-4ddc-42dc-9923-99e733694a02" providerId="ADAL" clId="{24A7C3EE-F5CC-4B45-944A-0582F4FF2121}" dt="2023-06-08T18:47:16.801" v="2442" actId="1076"/>
+          <ac:picMkLst>
+            <pc:docMk/>
+            <pc:sldMk cId="3067647196" sldId="283"/>
+            <ac:picMk id="4" creationId="{2C4AD5DC-E446-0579-A262-36A45DB09697}"/>
+          </ac:picMkLst>
+        </pc:picChg>
+        <pc:picChg chg="add mod">
+          <ac:chgData name="Cristian Ortega" userId="2a50f1d0-4ddc-42dc-9923-99e733694a02" providerId="ADAL" clId="{24A7C3EE-F5CC-4B45-944A-0582F4FF2121}" dt="2023-06-08T18:47:14.184" v="2441" actId="1076"/>
+          <ac:picMkLst>
+            <pc:docMk/>
+            <pc:sldMk cId="3067647196" sldId="283"/>
+            <ac:picMk id="6" creationId="{F7CF2C9E-B6BA-6D55-3098-881AC9AF4320}"/>
+          </ac:picMkLst>
+        </pc:picChg>
+      </pc:sldChg>
+    </pc:docChg>
+  </pc:docChgLst>
+</pc:chgInfo>
+</file>
+
+<file path=ppt/notesMasters/notesMaster1.xml><?xml version="1.0" encoding="utf-8"?>
+<p:notesMaster xmlns:a="http://schemas.openxmlformats.org/drawingml/2006/main" xmlns:r="http://schemas.openxmlformats.org/officeDocument/2006/relationships" xmlns:p="http://schemas.openxmlformats.org/presentationml/2006/main">
+  <p:cSld>
+    <p:bg>
+      <p:bgRef idx="1001">
+        <a:schemeClr val="bg1"/>
+      </p:bgRef>
+    </p:bg>
+    <p:spTree>
+      <p:nvGrpSpPr>
+        <p:cNvPr id="1" name=""/>
+        <p:cNvGrpSpPr/>
+        <p:nvPr/>
+      </p:nvGrpSpPr>
+      <p:grpSpPr>
+        <a:xfrm>
+          <a:off x="0" y="0"/>
+          <a:ext cx="0" cy="0"/>
+          <a:chOff x="0" y="0"/>
+          <a:chExt cx="0" cy="0"/>
+        </a:xfrm>
+      </p:grpSpPr>
+      <p:sp>
+        <p:nvSpPr>
+          <p:cNvPr id="2" name="Marcador de encabezado 1"/>
+          <p:cNvSpPr>
+            <a:spLocks noGrp="1"/>
+          </p:cNvSpPr>
+          <p:nvPr>
+            <p:ph type="hdr" sz="quarter"/>
+          </p:nvPr>
+        </p:nvSpPr>
+        <p:spPr>
+          <a:xfrm>
+            <a:off x="0" y="0"/>
+            <a:ext cx="3368675" cy="504825"/>
+          </a:xfrm>
+          <a:prstGeom prst="rect">
+            <a:avLst/>
+          </a:prstGeom>
+        </p:spPr>
+        <p:txBody>
+          <a:bodyPr vert="horz" lIns="91440" tIns="45720" rIns="91440" bIns="45720" rtlCol="0"/>
+          <a:lstStyle>
+            <a:lvl1pPr algn="l">
+              <a:defRPr sz="1200"/>
+            </a:lvl1pPr>
+          </a:lstStyle>
+          <a:p>
+            <a:endParaRPr lang="es-CO"/>
+          </a:p>
+        </p:txBody>
+      </p:sp>
+      <p:sp>
+        <p:nvSpPr>
+          <p:cNvPr id="3" name="Marcador de fecha 2"/>
+          <p:cNvSpPr>
+            <a:spLocks noGrp="1"/>
+          </p:cNvSpPr>
+          <p:nvPr>
+            <p:ph type="dt" idx="1"/>
+          </p:nvPr>
+        </p:nvSpPr>
+        <p:spPr>
+          <a:xfrm>
+            <a:off x="4402138" y="0"/>
+            <a:ext cx="3368675" cy="504825"/>
+          </a:xfrm>
+          <a:prstGeom prst="rect">
+            <a:avLst/>
+          </a:prstGeom>
+        </p:spPr>
+        <p:txBody>
+          <a:bodyPr vert="horz" lIns="91440" tIns="45720" rIns="91440" bIns="45720" rtlCol="0"/>
+          <a:lstStyle>
+            <a:lvl1pPr algn="r">
+              <a:defRPr sz="1200"/>
+            </a:lvl1pPr>
+          </a:lstStyle>
+          <a:p>
+            <a:fld id="{70EDEB02-61A1-4224-94FF-B9B78471593B}" type="datetimeFigureOut">
+              <a:rPr lang="es-CO" smtClean="0"/>
+              <a:t>8/06/2023</a:t>
+            </a:fld>
+            <a:endParaRPr lang="es-CO"/>
+          </a:p>
+        </p:txBody>
+      </p:sp>
+      <p:sp>
+        <p:nvSpPr>
+          <p:cNvPr id="4" name="Marcador de imagen de diapositiva 3"/>
+          <p:cNvSpPr>
+            <a:spLocks noGrp="1" noRot="1" noChangeAspect="1"/>
+          </p:cNvSpPr>
+          <p:nvPr>
+            <p:ph type="sldImg" idx="2"/>
+          </p:nvPr>
+        </p:nvSpPr>
+        <p:spPr>
+          <a:xfrm>
+            <a:off x="869950" y="1257300"/>
+            <a:ext cx="6032500" cy="3394075"/>
+          </a:xfrm>
+          <a:prstGeom prst="rect">
+            <a:avLst/>
+          </a:prstGeom>
+          <a:noFill/>
+          <a:ln w="12700">
+            <a:solidFill>
+              <a:prstClr val="black"/>
+            </a:solidFill>
+          </a:ln>
+        </p:spPr>
+        <p:txBody>
+          <a:bodyPr vert="horz" lIns="91440" tIns="45720" rIns="91440" bIns="45720" rtlCol="0" anchor="ctr"/>
+          <a:lstStyle/>
+          <a:p>
+            <a:endParaRPr lang="es-CO"/>
+          </a:p>
+        </p:txBody>
+      </p:sp>
+      <p:sp>
+        <p:nvSpPr>
+          <p:cNvPr id="5" name="Marcador de notas 4"/>
+          <p:cNvSpPr>
+            <a:spLocks noGrp="1"/>
+          </p:cNvSpPr>
+          <p:nvPr>
+            <p:ph type="body" sz="quarter" idx="3"/>
+          </p:nvPr>
+        </p:nvSpPr>
+        <p:spPr>
+          <a:xfrm>
+            <a:off x="777875" y="4840288"/>
+            <a:ext cx="6216650" cy="3960812"/>
+          </a:xfrm>
+          <a:prstGeom prst="rect">
+            <a:avLst/>
+          </a:prstGeom>
+        </p:spPr>
+        <p:txBody>
+          <a:bodyPr vert="horz" lIns="91440" tIns="45720" rIns="91440" bIns="45720" rtlCol="0"/>
+          <a:lstStyle/>
+          <a:p>
+            <a:pPr lvl="0"/>
+            <a:r>
+              <a:rPr lang="es-ES"/>
+              <a:t>Haga clic para modificar los estilos de texto del patrón</a:t>
+            </a:r>
+          </a:p>
+          <a:p>
+            <a:pPr lvl="1"/>
+            <a:r>
+              <a:rPr lang="es-ES"/>
+              <a:t>Segundo nivel</a:t>
+            </a:r>
+          </a:p>
+          <a:p>
+            <a:pPr lvl="2"/>
+            <a:r>
+              <a:rPr lang="es-ES"/>
+              <a:t>Tercer nivel</a:t>
+            </a:r>
+          </a:p>
+          <a:p>
+            <a:pPr lvl="3"/>
+            <a:r>
+              <a:rPr lang="es-ES"/>
+              <a:t>Cuarto nivel</a:t>
+            </a:r>
+          </a:p>
+          <a:p>
+            <a:pPr lvl="4"/>
+            <a:r>
+              <a:rPr lang="es-ES"/>
+              <a:t>Quinto nivel</a:t>
+            </a:r>
+            <a:endParaRPr lang="es-CO"/>
+          </a:p>
+        </p:txBody>
+      </p:sp>
+      <p:sp>
+        <p:nvSpPr>
+          <p:cNvPr id="6" name="Marcador de pie de página 5"/>
+          <p:cNvSpPr>
+            <a:spLocks noGrp="1"/>
+          </p:cNvSpPr>
+          <p:nvPr>
+            <p:ph type="ftr" sz="quarter" idx="4"/>
+          </p:nvPr>
+        </p:nvSpPr>
+        <p:spPr>
+          <a:xfrm>
+            <a:off x="0" y="9553575"/>
+            <a:ext cx="3368675" cy="504825"/>
+          </a:xfrm>
+          <a:prstGeom prst="rect">
+            <a:avLst/>
+          </a:prstGeom>
+        </p:spPr>
+        <p:txBody>
+          <a:bodyPr vert="horz" lIns="91440" tIns="45720" rIns="91440" bIns="45720" rtlCol="0" anchor="b"/>
+          <a:lstStyle>
+            <a:lvl1pPr algn="l">
+              <a:defRPr sz="1200"/>
+            </a:lvl1pPr>
+          </a:lstStyle>
+          <a:p>
+            <a:endParaRPr lang="es-CO"/>
+          </a:p>
+        </p:txBody>
+      </p:sp>
+      <p:sp>
+        <p:nvSpPr>
+          <p:cNvPr id="7" name="Marcador de número de diapositiva 6"/>
+          <p:cNvSpPr>
+            <a:spLocks noGrp="1"/>
+          </p:cNvSpPr>
+          <p:nvPr>
+            <p:ph type="sldNum" sz="quarter" idx="5"/>
+          </p:nvPr>
+        </p:nvSpPr>
+        <p:spPr>
+          <a:xfrm>
+            <a:off x="4402138" y="9553575"/>
+            <a:ext cx="3368675" cy="504825"/>
+          </a:xfrm>
+          <a:prstGeom prst="rect">
+            <a:avLst/>
+          </a:prstGeom>
+        </p:spPr>
+        <p:txBody>
+          <a:bodyPr vert="horz" lIns="91440" tIns="45720" rIns="91440" bIns="45720" rtlCol="0" anchor="b"/>
+          <a:lstStyle>
+            <a:lvl1pPr algn="r">
+              <a:defRPr sz="1200"/>
+            </a:lvl1pPr>
+          </a:lstStyle>
+          <a:p>
+            <a:fld id="{09738819-A8CB-4471-BE7D-5B5BE54F03D2}" type="slidenum">
+              <a:rPr lang="es-CO" smtClean="0"/>
+              <a:t>‹Nº›</a:t>
+            </a:fld>
+            <a:endParaRPr lang="es-CO"/>
+          </a:p>
+        </p:txBody>
+      </p:sp>
+    </p:spTree>
+    <p:extLst>
+      <p:ext uri="{BB962C8B-B14F-4D97-AF65-F5344CB8AC3E}">
+        <p14:creationId xmlns:p14="http://schemas.microsoft.com/office/powerpoint/2010/main" val="797812114"/>
+      </p:ext>
+    </p:extLst>
+  </p:cSld>
+  <p:clrMap bg1="lt1" tx1="dk1" bg2="lt2" tx2="dk2" accent1="accent1" accent2="accent2" accent3="accent3" accent4="accent4" accent5="accent5" accent6="accent6" hlink="hlink" folHlink="folHlink"/>
+  <p:notesStyle>
+    <a:lvl1pPr marL="0" algn="l" defTabSz="914400" rtl="0" eaLnBrk="1" latinLnBrk="0" hangingPunct="1">
+      <a:defRPr sz="1200" kern="1200">
+        <a:solidFill>
+          <a:schemeClr val="tx1"/>
+        </a:solidFill>
+        <a:latin typeface="+mn-lt"/>
+        <a:ea typeface="+mn-ea"/>
+        <a:cs typeface="+mn-cs"/>
+      </a:defRPr>
+    </a:lvl1pPr>
+    <a:lvl2pPr marL="457200" algn="l" defTabSz="914400" rtl="0" eaLnBrk="1" latinLnBrk="0" hangingPunct="1">
+      <a:defRPr sz="1200" kern="1200">
+        <a:solidFill>
+          <a:schemeClr val="tx1"/>
+        </a:solidFill>
+        <a:latin typeface="+mn-lt"/>
+        <a:ea typeface="+mn-ea"/>
+        <a:cs typeface="+mn-cs"/>
+      </a:defRPr>
+    </a:lvl2pPr>
+    <a:lvl3pPr marL="914400" algn="l" defTabSz="914400" rtl="0" eaLnBrk="1" latinLnBrk="0" hangingPunct="1">
+      <a:defRPr sz="1200" kern="1200">
+        <a:solidFill>
+          <a:schemeClr val="tx1"/>
+        </a:solidFill>
+        <a:latin typeface="+mn-lt"/>
+        <a:ea typeface="+mn-ea"/>
+        <a:cs typeface="+mn-cs"/>
+      </a:defRPr>
+    </a:lvl3pPr>
+    <a:lvl4pPr marL="1371600" algn="l" defTabSz="914400" rtl="0" eaLnBrk="1" latinLnBrk="0" hangingPunct="1">
+      <a:defRPr sz="1200" kern="1200">
+        <a:solidFill>
+          <a:schemeClr val="tx1"/>
+        </a:solidFill>
+        <a:latin typeface="+mn-lt"/>
+        <a:ea typeface="+mn-ea"/>
+        <a:cs typeface="+mn-cs"/>
+      </a:defRPr>
+    </a:lvl4pPr>
+    <a:lvl5pPr marL="1828800" algn="l" defTabSz="914400" rtl="0" eaLnBrk="1" latinLnBrk="0" hangingPunct="1">
+      <a:defRPr sz="1200" kern="1200">
+        <a:solidFill>
+          <a:schemeClr val="tx1"/>
+        </a:solidFill>
+        <a:latin typeface="+mn-lt"/>
+        <a:ea typeface="+mn-ea"/>
+        <a:cs typeface="+mn-cs"/>
+      </a:defRPr>
+    </a:lvl5pPr>
+    <a:lvl6pPr marL="2286000" algn="l" defTabSz="914400" rtl="0" eaLnBrk="1" latinLnBrk="0" hangingPunct="1">
+      <a:defRPr sz="1200" kern="1200">
+        <a:solidFill>
+          <a:schemeClr val="tx1"/>
+        </a:solidFill>
+        <a:latin typeface="+mn-lt"/>
+        <a:ea typeface="+mn-ea"/>
+        <a:cs typeface="+mn-cs"/>
+      </a:defRPr>
+    </a:lvl6pPr>
+    <a:lvl7pPr marL="2743200" algn="l" defTabSz="914400" rtl="0" eaLnBrk="1" latinLnBrk="0" hangingPunct="1">
+      <a:defRPr sz="1200" kern="1200">
+        <a:solidFill>
+          <a:schemeClr val="tx1"/>
+        </a:solidFill>
+        <a:latin typeface="+mn-lt"/>
+        <a:ea typeface="+mn-ea"/>
+        <a:cs typeface="+mn-cs"/>
+      </a:defRPr>
+    </a:lvl7pPr>
+    <a:lvl8pPr marL="3200400" algn="l" defTabSz="914400" rtl="0" eaLnBrk="1" latinLnBrk="0" hangingPunct="1">
+      <a:defRPr sz="1200" kern="1200">
+        <a:solidFill>
+          <a:schemeClr val="tx1"/>
+        </a:solidFill>
+        <a:latin typeface="+mn-lt"/>
+        <a:ea typeface="+mn-ea"/>
+        <a:cs typeface="+mn-cs"/>
+      </a:defRPr>
+    </a:lvl8pPr>
+    <a:lvl9pPr marL="3657600" algn="l" defTabSz="914400" rtl="0" eaLnBrk="1" latinLnBrk="0" hangingPunct="1">
+      <a:defRPr sz="1200" kern="1200">
+        <a:solidFill>
+          <a:schemeClr val="tx1"/>
+        </a:solidFill>
+        <a:latin typeface="+mn-lt"/>
+        <a:ea typeface="+mn-ea"/>
+        <a:cs typeface="+mn-cs"/>
+      </a:defRPr>
+    </a:lvl9pPr>
+  </p:notesStyle>
+</p:notesMaster>
+</file>
+
+<file path=ppt/notesSlides/notesSlide1.xml><?xml version="1.0" encoding="utf-8"?>
+<p:notes xmlns:a="http://schemas.openxmlformats.org/drawingml/2006/main" xmlns:r="http://schemas.openxmlformats.org/officeDocument/2006/relationships" xmlns:p="http://schemas.openxmlformats.org/presentationml/2006/main">
+  <p:cSld>
+    <p:spTree>
+      <p:nvGrpSpPr>
+        <p:cNvPr id="1" name=""/>
+        <p:cNvGrpSpPr/>
+        <p:nvPr/>
+      </p:nvGrpSpPr>
+      <p:grpSpPr>
+        <a:xfrm>
+          <a:off x="0" y="0"/>
+          <a:ext cx="0" cy="0"/>
+          <a:chOff x="0" y="0"/>
+          <a:chExt cx="0" cy="0"/>
+        </a:xfrm>
+      </p:grpSpPr>
+      <p:sp>
+        <p:nvSpPr>
+          <p:cNvPr id="2" name="Marcador de imagen de diapositiva 1"/>
+          <p:cNvSpPr>
+            <a:spLocks noGrp="1" noRot="1" noChangeAspect="1"/>
+          </p:cNvSpPr>
+          <p:nvPr>
+            <p:ph type="sldImg"/>
+          </p:nvPr>
+        </p:nvSpPr>
+        <p:spPr/>
+      </p:sp>
+      <p:sp>
+        <p:nvSpPr>
+          <p:cNvPr id="3" name="Marcador de notas 2"/>
+          <p:cNvSpPr>
+            <a:spLocks noGrp="1"/>
+          </p:cNvSpPr>
+          <p:nvPr>
+            <p:ph type="body" idx="1"/>
+          </p:nvPr>
+        </p:nvSpPr>
+        <p:spPr/>
+        <p:txBody>
+          <a:bodyPr/>
+          <a:lstStyle/>
+          <a:p>
+            <a:endParaRPr lang="es-CO"/>
+          </a:p>
+        </p:txBody>
+      </p:sp>
+      <p:sp>
+        <p:nvSpPr>
+          <p:cNvPr id="4" name="Marcador de número de diapositiva 3"/>
+          <p:cNvSpPr>
+            <a:spLocks noGrp="1"/>
+          </p:cNvSpPr>
+          <p:nvPr>
+            <p:ph type="sldNum" sz="quarter" idx="5"/>
+          </p:nvPr>
+        </p:nvSpPr>
+        <p:spPr/>
+        <p:txBody>
+          <a:bodyPr/>
+          <a:lstStyle/>
+          <a:p>
+            <a:fld id="{09738819-A8CB-4471-BE7D-5B5BE54F03D2}" type="slidenum">
+              <a:rPr lang="es-CO" smtClean="0"/>
+              <a:t>4</a:t>
+            </a:fld>
+            <a:endParaRPr lang="es-CO"/>
+          </a:p>
+        </p:txBody>
+      </p:sp>
+    </p:spTree>
+    <p:extLst>
+      <p:ext uri="{BB962C8B-B14F-4D97-AF65-F5344CB8AC3E}">
+        <p14:creationId xmlns:p14="http://schemas.microsoft.com/office/powerpoint/2010/main" val="2793462364"/>
+      </p:ext>
+    </p:extLst>
+  </p:cSld>
+  <p:clrMapOvr>
+    <a:masterClrMapping/>
+  </p:clrMapOvr>
+</p:notes>
 </file>
 
 <file path=ppt/slideLayouts/slideLayout1.xml><?xml version="1.0" encoding="utf-8"?>
@@ -6576,225 +7901,161 @@
           <a:chExt cx="0" cy="0"/>
         </a:xfrm>
       </p:grpSpPr>
-      <p:sp>
-        <p:nvSpPr>
-          <p:cNvPr id="117" name="CuadroTexto 6"/>
-          <p:cNvSpPr/>
+      <p:pic>
+        <p:nvPicPr>
+          <p:cNvPr id="1026" name="Picture 2" descr="Logo EntryMC">
+            <a:extLst>
+              <a:ext uri="{FF2B5EF4-FFF2-40B4-BE49-F238E27FC236}">
+                <a16:creationId xmlns:a16="http://schemas.microsoft.com/office/drawing/2014/main" id="{47163CD8-1C54-1733-6305-752BF9AF5E09}"/>
+              </a:ext>
+            </a:extLst>
+          </p:cNvPr>
+          <p:cNvPicPr>
+            <a:picLocks noChangeAspect="1" noChangeArrowheads="1"/>
+          </p:cNvPicPr>
           <p:nvPr/>
-        </p:nvSpPr>
-        <p:spPr>
-          <a:xfrm>
-            <a:off x="5463720" y="1019520"/>
-            <a:ext cx="2755800" cy="1186920"/>
-          </a:xfrm>
-          <a:prstGeom prst="rect">
-            <a:avLst/>
-          </a:prstGeom>
-          <a:noFill/>
-          <a:ln w="0">
-            <a:noFill/>
-          </a:ln>
-        </p:spPr>
-        <p:style>
-          <a:lnRef idx="0">
-            <a:scrgbClr r="0" g="0" b="0"/>
-          </a:lnRef>
-          <a:fillRef idx="0">
-            <a:scrgbClr r="0" g="0" b="0"/>
-          </a:fillRef>
-          <a:effectRef idx="0">
-            <a:scrgbClr r="0" g="0" b="0"/>
-          </a:effectRef>
-          <a:fontRef idx="minor"/>
-        </p:style>
-        <p:txBody>
-          <a:bodyPr lIns="90000" tIns="45000" rIns="90000" bIns="45000" anchor="t">
-            <a:spAutoFit/>
-          </a:bodyPr>
-          <a:lstStyle/>
-          <a:p>
-            <a:pPr algn="r">
+        </p:nvPicPr>
+        <p:blipFill>
+          <a:blip r:embed="rId2">
+            <a:extLst>
+              <a:ext uri="{28A0092B-C50C-407E-A947-70E740481C1C}">
+                <a14:useLocalDpi xmlns:a14="http://schemas.microsoft.com/office/drawing/2010/main" val="0"/>
+              </a:ext>
+            </a:extLst>
+          </a:blip>
+          <a:srcRect/>
+          <a:stretch>
+            <a:fillRect/>
+          </a:stretch>
+        </p:blipFill>
+        <p:spPr bwMode="auto">
+          <a:xfrm>
+            <a:off x="3382465" y="2114987"/>
+            <a:ext cx="1650225" cy="843852"/>
+          </a:xfrm>
+          <a:prstGeom prst="rect">
+            <a:avLst/>
+          </a:prstGeom>
+          <a:noFill/>
+          <a:extLst>
+            <a:ext uri="{909E8E84-426E-40DD-AFC4-6F175D3DCCD1}">
+              <a14:hiddenFill xmlns:a14="http://schemas.microsoft.com/office/drawing/2010/main">
+                <a:solidFill>
+                  <a:srgbClr val="FFFFFF"/>
+                </a:solidFill>
+              </a14:hiddenFill>
+            </a:ext>
+          </a:extLst>
+        </p:spPr>
+      </p:pic>
+      <p:pic>
+        <p:nvPicPr>
+          <p:cNvPr id="1028" name="Picture 4" descr="Genera tu certificado laboral o tu desprendible de nómina">
+            <a:extLst>
+              <a:ext uri="{FF2B5EF4-FFF2-40B4-BE49-F238E27FC236}">
+                <a16:creationId xmlns:a16="http://schemas.microsoft.com/office/drawing/2014/main" id="{C1F31997-431D-1765-353B-0E24CCE52533}"/>
+              </a:ext>
+            </a:extLst>
+          </p:cNvPr>
+          <p:cNvPicPr>
+            <a:picLocks noChangeAspect="1" noChangeArrowheads="1"/>
+          </p:cNvPicPr>
+          <p:nvPr/>
+        </p:nvPicPr>
+        <p:blipFill>
+          <a:blip r:embed="rId3">
+            <a:extLst>
+              <a:ext uri="{28A0092B-C50C-407E-A947-70E740481C1C}">
+                <a14:useLocalDpi xmlns:a14="http://schemas.microsoft.com/office/drawing/2010/main" val="0"/>
+              </a:ext>
+            </a:extLst>
+          </a:blip>
+          <a:srcRect/>
+          <a:stretch>
+            <a:fillRect/>
+          </a:stretch>
+        </p:blipFill>
+        <p:spPr bwMode="auto">
+          <a:xfrm>
+            <a:off x="5422051" y="2114986"/>
+            <a:ext cx="1243996" cy="843852"/>
+          </a:xfrm>
+          <a:prstGeom prst="rect">
+            <a:avLst/>
+          </a:prstGeom>
+          <a:noFill/>
+          <a:extLst>
+            <a:ext uri="{909E8E84-426E-40DD-AFC4-6F175D3DCCD1}">
+              <a14:hiddenFill xmlns:a14="http://schemas.microsoft.com/office/drawing/2010/main">
+                <a:solidFill>
+                  <a:srgbClr val="FFFFFF"/>
+                </a:solidFill>
+              </a14:hiddenFill>
+            </a:ext>
+          </a:extLst>
+        </p:spPr>
+      </p:pic>
+      <p:sp>
+        <p:nvSpPr>
+          <p:cNvPr id="2" name="Título 1">
+            <a:extLst>
+              <a:ext uri="{FF2B5EF4-FFF2-40B4-BE49-F238E27FC236}">
+                <a16:creationId xmlns:a16="http://schemas.microsoft.com/office/drawing/2014/main" id="{7F288BA4-C1ED-F65C-AD14-E0ADC516D868}"/>
+              </a:ext>
+            </a:extLst>
+          </p:cNvPr>
+          <p:cNvSpPr>
+            <a:spLocks noGrp="1"/>
+          </p:cNvSpPr>
+          <p:nvPr>
+            <p:ph type="title" idx="4294967295"/>
+          </p:nvPr>
+        </p:nvSpPr>
+        <p:spPr>
+          <a:xfrm>
+            <a:off x="696045" y="2114986"/>
+            <a:ext cx="2491740" cy="843852"/>
+          </a:xfrm>
+        </p:spPr>
+        <p:txBody>
+          <a:bodyPr/>
+          <a:lstStyle/>
+          <a:p>
+            <a:pPr marL="0" marR="0" lvl="0" indent="0" algn="l" defTabSz="914400" rtl="0" eaLnBrk="1" fontAlgn="auto" latinLnBrk="0" hangingPunct="1">
               <a:lnSpc>
-                <a:spcPct val="100000"/>
+                <a:spcPct val="90000"/>
               </a:lnSpc>
+              <a:spcBef>
+                <a:spcPct val="0"/>
+              </a:spcBef>
+              <a:spcAft>
+                <a:spcPts val="0"/>
+              </a:spcAft>
+              <a:buClrTx/>
+              <a:buSzTx/>
+              <a:buFontTx/>
               <a:buNone/>
+              <a:tabLst/>
+              <a:defRPr/>
             </a:pPr>
             <a:r>
-              <a:rPr lang="es-ES" sz="2400" b="1" strike="noStrike" spc="-1">
+              <a:rPr lang="es-ES" sz="4000" b="1" spc="-1" dirty="0">
                 <a:solidFill>
                   <a:srgbClr val="404040"/>
                 </a:solidFill>
                 <a:latin typeface="Roboto"/>
                 <a:ea typeface="Roboto"/>
+                <a:cs typeface="+mn-cs"/>
               </a:rPr>
-              <a:t>Proyecto SENA</a:t>
-            </a:r>
-            <a:endParaRPr lang="es-MX" sz="2400" b="0" strike="noStrike" spc="-1">
-              <a:latin typeface="Arial"/>
-            </a:endParaRPr>
-          </a:p>
-          <a:p>
-            <a:pPr algn="r">
-              <a:lnSpc>
-                <a:spcPct val="100000"/>
-              </a:lnSpc>
-              <a:buNone/>
-            </a:pPr>
-            <a:r>
-              <a:rPr lang="es-ES" sz="2400" b="1" strike="noStrike" spc="-1">
-                <a:solidFill>
-                  <a:srgbClr val="404040"/>
-                </a:solidFill>
-                <a:latin typeface="Roboto"/>
-                <a:ea typeface="Roboto"/>
-              </a:rPr>
-              <a:t>ADSI - 2338321 </a:t>
-            </a:r>
-            <a:endParaRPr lang="es-MX" sz="2400" b="0" strike="noStrike" spc="-1">
-              <a:latin typeface="Arial"/>
-            </a:endParaRPr>
-          </a:p>
-          <a:p>
-            <a:pPr algn="r">
-              <a:lnSpc>
-                <a:spcPct val="100000"/>
-              </a:lnSpc>
-              <a:buNone/>
-            </a:pPr>
-            <a:r>
-              <a:rPr lang="es-ES" sz="2400" b="1" strike="noStrike" spc="-1">
-                <a:solidFill>
-                  <a:srgbClr val="404040"/>
-                </a:solidFill>
-                <a:latin typeface="Roboto"/>
-                <a:ea typeface="Roboto"/>
-              </a:rPr>
-              <a:t>Entry.MC</a:t>
-            </a:r>
-            <a:endParaRPr lang="es-MX" sz="2400" b="0" strike="noStrike" spc="-1">
-              <a:latin typeface="Arial"/>
-            </a:endParaRPr>
-          </a:p>
-        </p:txBody>
-      </p:sp>
-      <p:sp>
-        <p:nvSpPr>
-          <p:cNvPr id="118" name="CuadroTexto 2"/>
-          <p:cNvSpPr/>
-          <p:nvPr/>
-        </p:nvSpPr>
-        <p:spPr>
-          <a:xfrm>
-            <a:off x="185040" y="3403440"/>
-            <a:ext cx="7466400" cy="942120"/>
-          </a:xfrm>
-          <a:prstGeom prst="rect">
-            <a:avLst/>
-          </a:prstGeom>
-          <a:noFill/>
-          <a:ln w="0">
-            <a:noFill/>
-          </a:ln>
-        </p:spPr>
-        <p:style>
-          <a:lnRef idx="0">
-            <a:scrgbClr r="0" g="0" b="0"/>
-          </a:lnRef>
-          <a:fillRef idx="0">
-            <a:scrgbClr r="0" g="0" b="0"/>
-          </a:fillRef>
-          <a:effectRef idx="0">
-            <a:scrgbClr r="0" g="0" b="0"/>
-          </a:effectRef>
-          <a:fontRef idx="minor"/>
-        </p:style>
-        <p:txBody>
-          <a:bodyPr lIns="90000" tIns="45000" rIns="90000" bIns="45000" anchor="t">
-            <a:spAutoFit/>
-          </a:bodyPr>
-          <a:lstStyle/>
-          <a:p>
-            <a:pPr marL="457200">
-              <a:lnSpc>
-                <a:spcPct val="100000"/>
-              </a:lnSpc>
-              <a:buNone/>
-            </a:pPr>
-            <a:r>
-              <a:rPr lang="es-ES" sz="1400" b="1" strike="noStrike" spc="-1">
-                <a:solidFill>
-                  <a:srgbClr val="404040"/>
-                </a:solidFill>
-                <a:latin typeface="Roboto"/>
-                <a:ea typeface="Roboto"/>
-              </a:rPr>
-              <a:t>Carlos Andrés Olaya Pulido</a:t>
-            </a:r>
-            <a:endParaRPr lang="es-MX" sz="1400" b="0" strike="noStrike" spc="-1">
-              <a:latin typeface="Arial"/>
-            </a:endParaRPr>
-          </a:p>
-          <a:p>
-            <a:pPr marL="457200">
-              <a:lnSpc>
-                <a:spcPct val="100000"/>
-              </a:lnSpc>
-              <a:buNone/>
-            </a:pPr>
-            <a:r>
-              <a:rPr lang="es-ES" sz="1400" b="1" strike="noStrike" spc="-1">
-                <a:solidFill>
-                  <a:srgbClr val="404040"/>
-                </a:solidFill>
-                <a:latin typeface="Roboto"/>
-                <a:ea typeface="Roboto"/>
-              </a:rPr>
-              <a:t>Cristian Andrés Ortega Rangel</a:t>
-            </a:r>
-            <a:endParaRPr lang="es-MX" sz="1400" b="0" strike="noStrike" spc="-1">
-              <a:latin typeface="Arial"/>
-            </a:endParaRPr>
-          </a:p>
-          <a:p>
-            <a:pPr marL="457200">
-              <a:lnSpc>
-                <a:spcPct val="100000"/>
-              </a:lnSpc>
-              <a:buNone/>
-            </a:pPr>
-            <a:r>
-              <a:rPr lang="es-ES" sz="1400" b="1" strike="noStrike" spc="-1">
-                <a:solidFill>
-                  <a:srgbClr val="404040"/>
-                </a:solidFill>
-                <a:latin typeface="Roboto"/>
-                <a:ea typeface="Roboto"/>
-              </a:rPr>
-              <a:t>Marlon Martínez Ibarra</a:t>
-            </a:r>
-            <a:endParaRPr lang="es-MX" sz="1400" b="0" strike="noStrike" spc="-1">
-              <a:latin typeface="Arial"/>
-            </a:endParaRPr>
-          </a:p>
-          <a:p>
-            <a:pPr marL="457200">
-              <a:lnSpc>
-                <a:spcPct val="100000"/>
-              </a:lnSpc>
-              <a:buNone/>
-            </a:pPr>
-            <a:r>
-              <a:rPr lang="es-ES" sz="1400" b="1" strike="noStrike" spc="-1">
-                <a:solidFill>
-                  <a:srgbClr val="404040"/>
-                </a:solidFill>
-                <a:latin typeface="Roboto"/>
-                <a:ea typeface="Roboto"/>
-              </a:rPr>
-              <a:t>William Arvey Álvarez Bolaños</a:t>
-            </a:r>
-            <a:endParaRPr lang="es-MX" sz="1400" b="0" strike="noStrike" spc="-1">
-              <a:latin typeface="Arial"/>
+              <a:t>Entry_MC</a:t>
+            </a:r>
+            <a:endParaRPr lang="es-CO" sz="4000" b="1" spc="-1" dirty="0">
+              <a:solidFill>
+                <a:srgbClr val="404040"/>
+              </a:solidFill>
+              <a:latin typeface="Roboto"/>
+              <a:ea typeface="Roboto"/>
+              <a:cs typeface="+mn-cs"/>
             </a:endParaRPr>
           </a:p>
         </p:txBody>
@@ -6824,7 +8085,1658 @@
           <a:chExt cx="0" cy="0"/>
         </a:xfrm>
       </p:grpSpPr>
+      <p:sp>
+        <p:nvSpPr>
+          <p:cNvPr id="119" name="CuadroTexto 1"/>
+          <p:cNvSpPr/>
+          <p:nvPr/>
+        </p:nvSpPr>
+        <p:spPr>
+          <a:xfrm>
+            <a:off x="794880" y="555120"/>
+            <a:ext cx="2388240" cy="368280"/>
+          </a:xfrm>
+          <a:prstGeom prst="rect">
+            <a:avLst/>
+          </a:prstGeom>
+          <a:noFill/>
+          <a:ln w="0">
+            <a:noFill/>
+          </a:ln>
+        </p:spPr>
+        <p:style>
+          <a:lnRef idx="0">
+            <a:scrgbClr r="0" g="0" b="0"/>
+          </a:lnRef>
+          <a:fillRef idx="0">
+            <a:scrgbClr r="0" g="0" b="0"/>
+          </a:fillRef>
+          <a:effectRef idx="0">
+            <a:scrgbClr r="0" g="0" b="0"/>
+          </a:effectRef>
+          <a:fontRef idx="minor"/>
+        </p:style>
+      </p:sp>
+      <p:sp>
+        <p:nvSpPr>
+          <p:cNvPr id="121" name="Rectángulo 5"/>
+          <p:cNvSpPr/>
+          <p:nvPr/>
+        </p:nvSpPr>
+        <p:spPr>
+          <a:xfrm>
+            <a:off x="0" y="942840"/>
+            <a:ext cx="4570920" cy="564480"/>
+          </a:xfrm>
+          <a:prstGeom prst="rect">
+            <a:avLst/>
+          </a:prstGeom>
+          <a:noFill/>
+          <a:ln w="0">
+            <a:noFill/>
+          </a:ln>
+        </p:spPr>
+        <p:style>
+          <a:lnRef idx="0">
+            <a:scrgbClr r="0" g="0" b="0"/>
+          </a:lnRef>
+          <a:fillRef idx="0">
+            <a:scrgbClr r="0" g="0" b="0"/>
+          </a:fillRef>
+          <a:effectRef idx="0">
+            <a:scrgbClr r="0" g="0" b="0"/>
+          </a:effectRef>
+          <a:fontRef idx="minor"/>
+        </p:style>
+      </p:sp>
+      <p:sp>
+        <p:nvSpPr>
+          <p:cNvPr id="123" name="Rectángulo 122"/>
+          <p:cNvSpPr/>
+          <p:nvPr/>
+        </p:nvSpPr>
+        <p:spPr>
+          <a:xfrm>
+            <a:off x="1001806" y="1821960"/>
+            <a:ext cx="5398994" cy="2137320"/>
+          </a:xfrm>
+          <a:prstGeom prst="rect">
+            <a:avLst/>
+          </a:prstGeom>
+          <a:noFill/>
+          <a:ln w="0">
+            <a:noFill/>
+          </a:ln>
+        </p:spPr>
+        <p:style>
+          <a:lnRef idx="0">
+            <a:scrgbClr r="0" g="0" b="0"/>
+          </a:lnRef>
+          <a:fillRef idx="0">
+            <a:scrgbClr r="0" g="0" b="0"/>
+          </a:fillRef>
+          <a:effectRef idx="0">
+            <a:scrgbClr r="0" g="0" b="0"/>
+          </a:effectRef>
+          <a:fontRef idx="minor"/>
+        </p:style>
+        <p:txBody>
+          <a:bodyPr lIns="90000" tIns="45000" rIns="90000" bIns="45000" anchor="t">
+            <a:noAutofit/>
+          </a:bodyPr>
+          <a:lstStyle/>
+          <a:p>
+            <a:pPr algn="just">
+              <a:spcBef>
+                <a:spcPts val="1000"/>
+              </a:spcBef>
+            </a:pPr>
+            <a:r>
+              <a:rPr lang="es-MX" spc="-1" dirty="0">
+                <a:solidFill>
+                  <a:srgbClr val="000000"/>
+                </a:solidFill>
+                <a:latin typeface="Roboto"/>
+              </a:rPr>
+              <a:t>Desarrollar un sistema de información web que permita normalizar el control y seguimiento en la  entrada, estadía  y  salida del vehículo del patio  taller Bosa Brasil perteneciente al consorcio Masivo Capital </a:t>
+            </a:r>
+          </a:p>
+        </p:txBody>
+      </p:sp>
+      <p:sp>
+        <p:nvSpPr>
+          <p:cNvPr id="2" name="Título 1">
+            <a:extLst>
+              <a:ext uri="{FF2B5EF4-FFF2-40B4-BE49-F238E27FC236}">
+                <a16:creationId xmlns:a16="http://schemas.microsoft.com/office/drawing/2014/main" id="{864EE73D-F685-F556-DC14-4C3B729EA478}"/>
+              </a:ext>
+            </a:extLst>
+          </p:cNvPr>
+          <p:cNvSpPr>
+            <a:spLocks noGrp="1"/>
+          </p:cNvSpPr>
+          <p:nvPr>
+            <p:ph type="title" idx="4294967295"/>
+          </p:nvPr>
+        </p:nvSpPr>
+        <p:spPr>
+          <a:xfrm>
+            <a:off x="2063183" y="513540"/>
+            <a:ext cx="3276240" cy="858600"/>
+          </a:xfrm>
+        </p:spPr>
+        <p:txBody>
+          <a:bodyPr/>
+          <a:lstStyle/>
+          <a:p>
+            <a:pPr rtl="0" eaLnBrk="1" latinLnBrk="0" hangingPunct="1"/>
+            <a:r>
+              <a:rPr lang="es-ES" sz="3000" b="1" kern="1200" spc="-1" dirty="0">
+                <a:solidFill>
+                  <a:srgbClr val="404040"/>
+                </a:solidFill>
+                <a:effectLst/>
+                <a:latin typeface="Roboto" panose="02000000000000000000" pitchFamily="2" charset="0"/>
+                <a:ea typeface="Roboto" panose="02000000000000000000" pitchFamily="2" charset="0"/>
+                <a:cs typeface="DejaVu Sans"/>
+              </a:rPr>
+              <a:t>Objetivo General</a:t>
+            </a:r>
+            <a:endParaRPr lang="es-CO" dirty="0"/>
+          </a:p>
+        </p:txBody>
+      </p:sp>
+      <p:sp>
+        <p:nvSpPr>
+          <p:cNvPr id="3" name="Botón de acción: ir a inicio 2">
+            <a:hlinkClick r:id="rId2" action="ppaction://hlinksldjump"/>
+            <a:extLst>
+              <a:ext uri="{FF2B5EF4-FFF2-40B4-BE49-F238E27FC236}">
+                <a16:creationId xmlns:a16="http://schemas.microsoft.com/office/drawing/2014/main" id="{F2F11E5C-AA0C-FA33-198C-89EC4B1A3A79}"/>
+              </a:ext>
+            </a:extLst>
+          </p:cNvPr>
+          <p:cNvSpPr/>
+          <p:nvPr/>
+        </p:nvSpPr>
+        <p:spPr>
+          <a:xfrm>
+            <a:off x="8377518" y="4639235"/>
+            <a:ext cx="470647" cy="349624"/>
+          </a:xfrm>
+          <a:prstGeom prst="actionButtonHome">
+            <a:avLst/>
+          </a:prstGeom>
+        </p:spPr>
+        <p:style>
+          <a:lnRef idx="2">
+            <a:schemeClr val="accent1">
+              <a:shade val="15000"/>
+            </a:schemeClr>
+          </a:lnRef>
+          <a:fillRef idx="1">
+            <a:schemeClr val="accent1"/>
+          </a:fillRef>
+          <a:effectRef idx="0">
+            <a:schemeClr val="accent1"/>
+          </a:effectRef>
+          <a:fontRef idx="minor">
+            <a:schemeClr val="lt1"/>
+          </a:fontRef>
+        </p:style>
+        <p:txBody>
+          <a:bodyPr rtlCol="0" anchor="ctr"/>
+          <a:lstStyle/>
+          <a:p>
+            <a:pPr algn="ctr"/>
+            <a:endParaRPr lang="es-CO"/>
+          </a:p>
+        </p:txBody>
+      </p:sp>
     </p:spTree>
+  </p:cSld>
+  <p:clrMapOvr>
+    <a:masterClrMapping/>
+  </p:clrMapOvr>
+</p:sld>
+</file>
+
+<file path=ppt/slides/slide11.xml><?xml version="1.0" encoding="utf-8"?>
+<p:sld xmlns:a="http://schemas.openxmlformats.org/drawingml/2006/main" xmlns:r="http://schemas.openxmlformats.org/officeDocument/2006/relationships" xmlns:p="http://schemas.openxmlformats.org/presentationml/2006/main">
+  <p:cSld>
+    <p:spTree>
+      <p:nvGrpSpPr>
+        <p:cNvPr id="1" name=""/>
+        <p:cNvGrpSpPr/>
+        <p:nvPr/>
+      </p:nvGrpSpPr>
+      <p:grpSpPr>
+        <a:xfrm>
+          <a:off x="0" y="0"/>
+          <a:ext cx="0" cy="0"/>
+          <a:chOff x="0" y="0"/>
+          <a:chExt cx="0" cy="0"/>
+        </a:xfrm>
+      </p:grpSpPr>
+      <p:sp>
+        <p:nvSpPr>
+          <p:cNvPr id="124" name="CuadroTexto 1"/>
+          <p:cNvSpPr/>
+          <p:nvPr/>
+        </p:nvSpPr>
+        <p:spPr>
+          <a:xfrm>
+            <a:off x="509400" y="555120"/>
+            <a:ext cx="2388240" cy="368280"/>
+          </a:xfrm>
+          <a:prstGeom prst="rect">
+            <a:avLst/>
+          </a:prstGeom>
+          <a:noFill/>
+          <a:ln w="0">
+            <a:noFill/>
+          </a:ln>
+        </p:spPr>
+        <p:style>
+          <a:lnRef idx="0">
+            <a:scrgbClr r="0" g="0" b="0"/>
+          </a:lnRef>
+          <a:fillRef idx="0">
+            <a:scrgbClr r="0" g="0" b="0"/>
+          </a:fillRef>
+          <a:effectRef idx="0">
+            <a:scrgbClr r="0" g="0" b="0"/>
+          </a:effectRef>
+          <a:fontRef idx="minor"/>
+        </p:style>
+      </p:sp>
+      <p:sp>
+        <p:nvSpPr>
+          <p:cNvPr id="126" name="Rectángulo 5"/>
+          <p:cNvSpPr/>
+          <p:nvPr/>
+        </p:nvSpPr>
+        <p:spPr>
+          <a:xfrm>
+            <a:off x="324000" y="1409760"/>
+            <a:ext cx="3818520" cy="713520"/>
+          </a:xfrm>
+          <a:prstGeom prst="rect">
+            <a:avLst/>
+          </a:prstGeom>
+          <a:noFill/>
+          <a:ln w="0">
+            <a:noFill/>
+          </a:ln>
+        </p:spPr>
+        <p:style>
+          <a:lnRef idx="0">
+            <a:scrgbClr r="0" g="0" b="0"/>
+          </a:lnRef>
+          <a:fillRef idx="0">
+            <a:scrgbClr r="0" g="0" b="0"/>
+          </a:fillRef>
+          <a:effectRef idx="0">
+            <a:scrgbClr r="0" g="0" b="0"/>
+          </a:effectRef>
+          <a:fontRef idx="minor"/>
+        </p:style>
+      </p:sp>
+      <p:sp>
+        <p:nvSpPr>
+          <p:cNvPr id="127" name="Rectángulo 7"/>
+          <p:cNvSpPr/>
+          <p:nvPr/>
+        </p:nvSpPr>
+        <p:spPr>
+          <a:xfrm>
+            <a:off x="4381560" y="1409760"/>
+            <a:ext cx="4570920" cy="1155960"/>
+          </a:xfrm>
+          <a:prstGeom prst="rect">
+            <a:avLst/>
+          </a:prstGeom>
+          <a:noFill/>
+          <a:ln w="0">
+            <a:noFill/>
+          </a:ln>
+        </p:spPr>
+        <p:style>
+          <a:lnRef idx="0">
+            <a:scrgbClr r="0" g="0" b="0"/>
+          </a:lnRef>
+          <a:fillRef idx="0">
+            <a:scrgbClr r="0" g="0" b="0"/>
+          </a:fillRef>
+          <a:effectRef idx="0">
+            <a:scrgbClr r="0" g="0" b="0"/>
+          </a:effectRef>
+          <a:fontRef idx="minor"/>
+        </p:style>
+      </p:sp>
+      <p:sp>
+        <p:nvSpPr>
+          <p:cNvPr id="128" name="Rectángulo 8"/>
+          <p:cNvSpPr/>
+          <p:nvPr/>
+        </p:nvSpPr>
+        <p:spPr>
+          <a:xfrm>
+            <a:off x="4381560" y="2847240"/>
+            <a:ext cx="4570920" cy="1353240"/>
+          </a:xfrm>
+          <a:prstGeom prst="rect">
+            <a:avLst/>
+          </a:prstGeom>
+          <a:noFill/>
+          <a:ln w="0">
+            <a:noFill/>
+          </a:ln>
+        </p:spPr>
+        <p:style>
+          <a:lnRef idx="0">
+            <a:scrgbClr r="0" g="0" b="0"/>
+          </a:lnRef>
+          <a:fillRef idx="0">
+            <a:scrgbClr r="0" g="0" b="0"/>
+          </a:fillRef>
+          <a:effectRef idx="0">
+            <a:scrgbClr r="0" g="0" b="0"/>
+          </a:effectRef>
+          <a:fontRef idx="minor"/>
+        </p:style>
+      </p:sp>
+      <p:sp>
+        <p:nvSpPr>
+          <p:cNvPr id="129" name="Rectángulo 128"/>
+          <p:cNvSpPr/>
+          <p:nvPr/>
+        </p:nvSpPr>
+        <p:spPr>
+          <a:xfrm>
+            <a:off x="712430" y="1591491"/>
+            <a:ext cx="7338260" cy="2511498"/>
+          </a:xfrm>
+          <a:prstGeom prst="rect">
+            <a:avLst/>
+          </a:prstGeom>
+          <a:noFill/>
+          <a:ln w="0">
+            <a:noFill/>
+          </a:ln>
+        </p:spPr>
+        <p:style>
+          <a:lnRef idx="0">
+            <a:scrgbClr r="0" g="0" b="0"/>
+          </a:lnRef>
+          <a:fillRef idx="0">
+            <a:scrgbClr r="0" g="0" b="0"/>
+          </a:fillRef>
+          <a:effectRef idx="0">
+            <a:scrgbClr r="0" g="0" b="0"/>
+          </a:effectRef>
+          <a:fontRef idx="minor"/>
+        </p:style>
+        <p:txBody>
+          <a:bodyPr lIns="90000" tIns="45000" rIns="90000" bIns="45000" anchor="t">
+            <a:noAutofit/>
+          </a:bodyPr>
+          <a:lstStyle/>
+          <a:p>
+            <a:pPr indent="-228600" algn="just">
+              <a:lnSpc>
+                <a:spcPct val="100000"/>
+              </a:lnSpc>
+              <a:spcBef>
+                <a:spcPts val="1000"/>
+              </a:spcBef>
+              <a:buClr>
+                <a:srgbClr val="000000"/>
+              </a:buClr>
+              <a:buSzPct val="45000"/>
+              <a:buFont typeface="Wingdings" charset="2"/>
+              <a:buChar char=""/>
+            </a:pPr>
+            <a:r>
+              <a:rPr lang="es-MX" spc="-1" dirty="0">
+                <a:solidFill>
+                  <a:srgbClr val="000000"/>
+                </a:solidFill>
+                <a:latin typeface="Roboto"/>
+              </a:rPr>
+              <a:t>Gestionar el control y seguimiento de los alimentadores que hacen uso de los servicios de mantenimiento en el patio taller Masivo Capital</a:t>
+            </a:r>
+          </a:p>
+          <a:p>
+            <a:pPr indent="-228600" algn="just">
+              <a:lnSpc>
+                <a:spcPct val="100000"/>
+              </a:lnSpc>
+              <a:spcBef>
+                <a:spcPts val="1000"/>
+              </a:spcBef>
+              <a:buClr>
+                <a:srgbClr val="000000"/>
+              </a:buClr>
+              <a:buSzPct val="45000"/>
+              <a:buFont typeface="Wingdings" charset="2"/>
+              <a:buChar char=""/>
+            </a:pPr>
+            <a:r>
+              <a:rPr lang="es-MX" spc="-1" dirty="0">
+                <a:solidFill>
+                  <a:srgbClr val="000000"/>
+                </a:solidFill>
+                <a:latin typeface="Roboto"/>
+              </a:rPr>
+              <a:t>Gestionar los usuarios</a:t>
+            </a:r>
+          </a:p>
+          <a:p>
+            <a:pPr indent="-228600" algn="just">
+              <a:lnSpc>
+                <a:spcPct val="100000"/>
+              </a:lnSpc>
+              <a:spcBef>
+                <a:spcPts val="1000"/>
+              </a:spcBef>
+              <a:buClr>
+                <a:srgbClr val="000000"/>
+              </a:buClr>
+              <a:buSzPct val="45000"/>
+              <a:buFont typeface="Wingdings" charset="2"/>
+              <a:buChar char=""/>
+            </a:pPr>
+            <a:r>
+              <a:rPr lang="es-MX" spc="-1" dirty="0">
+                <a:solidFill>
+                  <a:srgbClr val="000000"/>
+                </a:solidFill>
+                <a:latin typeface="Roboto"/>
+              </a:rPr>
+              <a:t>Gestionar la entrada y salida de los vehículos</a:t>
+            </a:r>
+          </a:p>
+          <a:p>
+            <a:pPr indent="-228600" algn="just">
+              <a:lnSpc>
+                <a:spcPct val="100000"/>
+              </a:lnSpc>
+              <a:spcBef>
+                <a:spcPts val="1000"/>
+              </a:spcBef>
+              <a:buClr>
+                <a:srgbClr val="000000"/>
+              </a:buClr>
+              <a:buSzPct val="45000"/>
+              <a:buFont typeface="Wingdings" charset="2"/>
+              <a:buChar char=""/>
+            </a:pPr>
+            <a:r>
+              <a:rPr lang="es-MX" spc="-1" dirty="0">
+                <a:solidFill>
+                  <a:srgbClr val="000000"/>
+                </a:solidFill>
+                <a:latin typeface="Roboto"/>
+              </a:rPr>
+              <a:t>Gestionar ordenes de trabajo </a:t>
+            </a:r>
+          </a:p>
+          <a:p>
+            <a:pPr indent="-228600" algn="just">
+              <a:lnSpc>
+                <a:spcPct val="100000"/>
+              </a:lnSpc>
+              <a:spcBef>
+                <a:spcPts val="1000"/>
+              </a:spcBef>
+              <a:buClr>
+                <a:srgbClr val="000000"/>
+              </a:buClr>
+              <a:buSzPct val="45000"/>
+              <a:buFont typeface="Wingdings" charset="2"/>
+              <a:buChar char=""/>
+            </a:pPr>
+            <a:r>
+              <a:rPr lang="es-MX" spc="-1" dirty="0">
+                <a:solidFill>
+                  <a:srgbClr val="000000"/>
+                </a:solidFill>
+                <a:latin typeface="Roboto"/>
+              </a:rPr>
+              <a:t>Gestionar reportes</a:t>
+            </a:r>
+          </a:p>
+          <a:p>
+            <a:pPr>
+              <a:lnSpc>
+                <a:spcPct val="100000"/>
+              </a:lnSpc>
+              <a:buNone/>
+            </a:pPr>
+            <a:endParaRPr lang="es-MX" sz="1800" b="0" strike="noStrike" spc="-1" dirty="0">
+              <a:latin typeface="Arial"/>
+            </a:endParaRPr>
+          </a:p>
+        </p:txBody>
+      </p:sp>
+      <p:sp>
+        <p:nvSpPr>
+          <p:cNvPr id="2" name="Título 1">
+            <a:extLst>
+              <a:ext uri="{FF2B5EF4-FFF2-40B4-BE49-F238E27FC236}">
+                <a16:creationId xmlns:a16="http://schemas.microsoft.com/office/drawing/2014/main" id="{EA0B586A-B6D3-4567-6A58-E578E8CFA1A8}"/>
+              </a:ext>
+            </a:extLst>
+          </p:cNvPr>
+          <p:cNvSpPr>
+            <a:spLocks noGrp="1"/>
+          </p:cNvSpPr>
+          <p:nvPr>
+            <p:ph type="title" idx="4294967295"/>
+          </p:nvPr>
+        </p:nvSpPr>
+        <p:spPr>
+          <a:xfrm>
+            <a:off x="2195610" y="494100"/>
+            <a:ext cx="3893820" cy="858600"/>
+          </a:xfrm>
+        </p:spPr>
+        <p:txBody>
+          <a:bodyPr/>
+          <a:lstStyle/>
+          <a:p>
+            <a:pPr rtl="0" eaLnBrk="1" latinLnBrk="0" hangingPunct="1"/>
+            <a:r>
+              <a:rPr lang="es-ES" sz="3000" b="1" kern="1200" spc="-1" dirty="0">
+                <a:solidFill>
+                  <a:srgbClr val="404040"/>
+                </a:solidFill>
+                <a:effectLst/>
+                <a:latin typeface="Roboto" panose="02000000000000000000" pitchFamily="2" charset="0"/>
+                <a:ea typeface="Roboto" panose="02000000000000000000" pitchFamily="2" charset="0"/>
+                <a:cs typeface="DejaVu Sans"/>
+              </a:rPr>
+              <a:t>Objetivos Específicos</a:t>
+            </a:r>
+            <a:endParaRPr lang="es-CO" dirty="0"/>
+          </a:p>
+        </p:txBody>
+      </p:sp>
+      <p:sp>
+        <p:nvSpPr>
+          <p:cNvPr id="3" name="Botón de acción: ir a inicio 2">
+            <a:hlinkClick r:id="rId2" action="ppaction://hlinksldjump"/>
+            <a:extLst>
+              <a:ext uri="{FF2B5EF4-FFF2-40B4-BE49-F238E27FC236}">
+                <a16:creationId xmlns:a16="http://schemas.microsoft.com/office/drawing/2014/main" id="{7D9C1CD7-7201-28A4-5670-EDF52E12ABEA}"/>
+              </a:ext>
+            </a:extLst>
+          </p:cNvPr>
+          <p:cNvSpPr/>
+          <p:nvPr/>
+        </p:nvSpPr>
+        <p:spPr>
+          <a:xfrm>
+            <a:off x="8377518" y="4639235"/>
+            <a:ext cx="470647" cy="349624"/>
+          </a:xfrm>
+          <a:prstGeom prst="actionButtonHome">
+            <a:avLst/>
+          </a:prstGeom>
+        </p:spPr>
+        <p:style>
+          <a:lnRef idx="2">
+            <a:schemeClr val="accent1">
+              <a:shade val="15000"/>
+            </a:schemeClr>
+          </a:lnRef>
+          <a:fillRef idx="1">
+            <a:schemeClr val="accent1"/>
+          </a:fillRef>
+          <a:effectRef idx="0">
+            <a:schemeClr val="accent1"/>
+          </a:effectRef>
+          <a:fontRef idx="minor">
+            <a:schemeClr val="lt1"/>
+          </a:fontRef>
+        </p:style>
+        <p:txBody>
+          <a:bodyPr rtlCol="0" anchor="ctr"/>
+          <a:lstStyle/>
+          <a:p>
+            <a:pPr algn="ctr"/>
+            <a:endParaRPr lang="es-CO"/>
+          </a:p>
+        </p:txBody>
+      </p:sp>
+    </p:spTree>
+  </p:cSld>
+  <p:clrMapOvr>
+    <a:masterClrMapping/>
+  </p:clrMapOvr>
+</p:sld>
+</file>
+
+<file path=ppt/slides/slide12.xml><?xml version="1.0" encoding="utf-8"?>
+<p:sld xmlns:a="http://schemas.openxmlformats.org/drawingml/2006/main" xmlns:r="http://schemas.openxmlformats.org/officeDocument/2006/relationships" xmlns:p="http://schemas.openxmlformats.org/presentationml/2006/main">
+  <p:cSld>
+    <p:spTree>
+      <p:nvGrpSpPr>
+        <p:cNvPr id="1" name=""/>
+        <p:cNvGrpSpPr/>
+        <p:nvPr/>
+      </p:nvGrpSpPr>
+      <p:grpSpPr>
+        <a:xfrm>
+          <a:off x="0" y="0"/>
+          <a:ext cx="0" cy="0"/>
+          <a:chOff x="0" y="0"/>
+          <a:chExt cx="0" cy="0"/>
+        </a:xfrm>
+      </p:grpSpPr>
+      <p:sp>
+        <p:nvSpPr>
+          <p:cNvPr id="138" name="CuadroTexto 18"/>
+          <p:cNvSpPr/>
+          <p:nvPr/>
+        </p:nvSpPr>
+        <p:spPr>
+          <a:xfrm>
+            <a:off x="509400" y="555120"/>
+            <a:ext cx="2388240" cy="368280"/>
+          </a:xfrm>
+          <a:prstGeom prst="rect">
+            <a:avLst/>
+          </a:prstGeom>
+          <a:noFill/>
+          <a:ln w="0">
+            <a:noFill/>
+          </a:ln>
+        </p:spPr>
+        <p:style>
+          <a:lnRef idx="0">
+            <a:scrgbClr r="0" g="0" b="0"/>
+          </a:lnRef>
+          <a:fillRef idx="0">
+            <a:scrgbClr r="0" g="0" b="0"/>
+          </a:fillRef>
+          <a:effectRef idx="0">
+            <a:scrgbClr r="0" g="0" b="0"/>
+          </a:effectRef>
+          <a:fontRef idx="minor"/>
+        </p:style>
+      </p:sp>
+      <p:sp>
+        <p:nvSpPr>
+          <p:cNvPr id="140" name="CuadroTexto 20"/>
+          <p:cNvSpPr/>
+          <p:nvPr/>
+        </p:nvSpPr>
+        <p:spPr>
+          <a:xfrm>
+            <a:off x="632880" y="1440000"/>
+            <a:ext cx="6206400" cy="638280"/>
+          </a:xfrm>
+          <a:prstGeom prst="rect">
+            <a:avLst/>
+          </a:prstGeom>
+          <a:noFill/>
+          <a:ln w="0">
+            <a:noFill/>
+          </a:ln>
+        </p:spPr>
+        <p:style>
+          <a:lnRef idx="0">
+            <a:scrgbClr r="0" g="0" b="0"/>
+          </a:lnRef>
+          <a:fillRef idx="0">
+            <a:scrgbClr r="0" g="0" b="0"/>
+          </a:fillRef>
+          <a:effectRef idx="0">
+            <a:scrgbClr r="0" g="0" b="0"/>
+          </a:effectRef>
+          <a:fontRef idx="minor"/>
+        </p:style>
+        <p:txBody>
+          <a:bodyPr lIns="90000" tIns="45000" rIns="90000" bIns="45000" anchor="t">
+            <a:spAutoFit/>
+          </a:bodyPr>
+          <a:lstStyle/>
+          <a:p>
+            <a:pPr>
+              <a:lnSpc>
+                <a:spcPct val="100000"/>
+              </a:lnSpc>
+              <a:buNone/>
+            </a:pPr>
+            <a:endParaRPr lang="es-MX" sz="1800" b="0" strike="noStrike" spc="-1">
+              <a:latin typeface="Arial"/>
+            </a:endParaRPr>
+          </a:p>
+          <a:p>
+            <a:pPr>
+              <a:lnSpc>
+                <a:spcPct val="100000"/>
+              </a:lnSpc>
+              <a:buNone/>
+            </a:pPr>
+            <a:endParaRPr lang="es-MX" sz="1800" b="0" strike="noStrike" spc="-1">
+              <a:latin typeface="Arial"/>
+            </a:endParaRPr>
+          </a:p>
+        </p:txBody>
+      </p:sp>
+      <p:sp>
+        <p:nvSpPr>
+          <p:cNvPr id="141" name="Rectángulo 140"/>
+          <p:cNvSpPr/>
+          <p:nvPr/>
+        </p:nvSpPr>
+        <p:spPr>
+          <a:xfrm>
+            <a:off x="184860" y="1168560"/>
+            <a:ext cx="8774280" cy="2361293"/>
+          </a:xfrm>
+          <a:prstGeom prst="rect">
+            <a:avLst/>
+          </a:prstGeom>
+          <a:noFill/>
+          <a:ln w="0">
+            <a:noFill/>
+          </a:ln>
+        </p:spPr>
+        <p:style>
+          <a:lnRef idx="0">
+            <a:scrgbClr r="0" g="0" b="0"/>
+          </a:lnRef>
+          <a:fillRef idx="0">
+            <a:scrgbClr r="0" g="0" b="0"/>
+          </a:fillRef>
+          <a:effectRef idx="0">
+            <a:scrgbClr r="0" g="0" b="0"/>
+          </a:effectRef>
+          <a:fontRef idx="minor"/>
+        </p:style>
+        <p:txBody>
+          <a:bodyPr lIns="90000" tIns="45000" rIns="90000" bIns="45000" anchor="t">
+            <a:noAutofit/>
+          </a:bodyPr>
+          <a:lstStyle/>
+          <a:p>
+            <a:pPr indent="-228600" algn="just">
+              <a:spcBef>
+                <a:spcPts val="1000"/>
+              </a:spcBef>
+              <a:buClr>
+                <a:srgbClr val="000000"/>
+              </a:buClr>
+              <a:buSzPct val="45000"/>
+              <a:buFont typeface="Wingdings" charset="2"/>
+              <a:buChar char=""/>
+            </a:pPr>
+            <a:r>
+              <a:rPr lang="es-CO" spc="-1" dirty="0">
+                <a:solidFill>
+                  <a:srgbClr val="000000"/>
+                </a:solidFill>
+                <a:latin typeface="Roboto"/>
+              </a:rPr>
+              <a:t>La solución propuesta consiste en el desarrollo de un sistema de información web llamado "Entry_MC" que servirá como una herramienta de apoyo para el seguimiento de los procesos de la empresa Masivo Capital.</a:t>
+            </a:r>
+          </a:p>
+          <a:p>
+            <a:pPr indent="-228600" algn="just">
+              <a:spcBef>
+                <a:spcPts val="1000"/>
+              </a:spcBef>
+              <a:buClr>
+                <a:srgbClr val="000000"/>
+              </a:buClr>
+              <a:buSzPct val="45000"/>
+              <a:buFont typeface="Wingdings" charset="2"/>
+              <a:buChar char=""/>
+            </a:pPr>
+            <a:endParaRPr lang="es-CO" spc="-1" dirty="0">
+              <a:solidFill>
+                <a:srgbClr val="000000"/>
+              </a:solidFill>
+              <a:latin typeface="Roboto"/>
+            </a:endParaRPr>
+          </a:p>
+          <a:p>
+            <a:pPr indent="-228600" algn="just">
+              <a:spcBef>
+                <a:spcPts val="1000"/>
+              </a:spcBef>
+              <a:buClr>
+                <a:srgbClr val="000000"/>
+              </a:buClr>
+              <a:buSzPct val="45000"/>
+              <a:buFont typeface="Wingdings" charset="2"/>
+              <a:buChar char=""/>
+            </a:pPr>
+            <a:r>
+              <a:rPr lang="es-CO" spc="-1" dirty="0">
+                <a:solidFill>
+                  <a:srgbClr val="000000"/>
+                </a:solidFill>
+                <a:latin typeface="Roboto"/>
+              </a:rPr>
+              <a:t>La importancia de este sistema radica en que permitirá la gestión eficiente de los usuarios administradores, supervisores, inspectores y mecánicos en Masivo Capital. En el módulo de administrador, los usuarios podrán realizar tareas como la asignación de recursos, generación de informes y seguimiento de indicadores clave. </a:t>
+            </a:r>
+            <a:endParaRPr lang="es-MX" spc="-1" dirty="0">
+              <a:solidFill>
+                <a:srgbClr val="000000"/>
+              </a:solidFill>
+              <a:latin typeface="Roboto"/>
+            </a:endParaRPr>
+          </a:p>
+        </p:txBody>
+      </p:sp>
+      <p:sp>
+        <p:nvSpPr>
+          <p:cNvPr id="2" name="Título 1">
+            <a:extLst>
+              <a:ext uri="{FF2B5EF4-FFF2-40B4-BE49-F238E27FC236}">
+                <a16:creationId xmlns:a16="http://schemas.microsoft.com/office/drawing/2014/main" id="{30B895EF-9D68-DCB9-3F71-8029FB2E7DF4}"/>
+              </a:ext>
+            </a:extLst>
+          </p:cNvPr>
+          <p:cNvSpPr>
+            <a:spLocks noGrp="1"/>
+          </p:cNvSpPr>
+          <p:nvPr>
+            <p:ph type="title" idx="4294967295"/>
+          </p:nvPr>
+        </p:nvSpPr>
+        <p:spPr>
+          <a:xfrm>
+            <a:off x="3143250" y="125820"/>
+            <a:ext cx="2857500" cy="858600"/>
+          </a:xfrm>
+        </p:spPr>
+        <p:txBody>
+          <a:bodyPr/>
+          <a:lstStyle/>
+          <a:p>
+            <a:pPr rtl="0" eaLnBrk="1" latinLnBrk="0" hangingPunct="1"/>
+            <a:r>
+              <a:rPr lang="es-ES" sz="3000" b="1" kern="1200" spc="-1" dirty="0">
+                <a:solidFill>
+                  <a:srgbClr val="404040"/>
+                </a:solidFill>
+                <a:effectLst/>
+                <a:latin typeface="Roboto" panose="02000000000000000000" pitchFamily="2" charset="0"/>
+                <a:ea typeface="Roboto" panose="02000000000000000000" pitchFamily="2" charset="0"/>
+                <a:cs typeface="DejaVu Sans"/>
+              </a:rPr>
+              <a:t>Justificación</a:t>
+            </a:r>
+            <a:endParaRPr lang="es-CO" dirty="0"/>
+          </a:p>
+        </p:txBody>
+      </p:sp>
+      <p:sp>
+        <p:nvSpPr>
+          <p:cNvPr id="3" name="Botón de acción: ir a inicio 2">
+            <a:hlinkClick r:id="rId2" action="ppaction://hlinksldjump"/>
+            <a:extLst>
+              <a:ext uri="{FF2B5EF4-FFF2-40B4-BE49-F238E27FC236}">
+                <a16:creationId xmlns:a16="http://schemas.microsoft.com/office/drawing/2014/main" id="{7CB0E7C7-31AE-51E2-D07E-45D01DABAB0F}"/>
+              </a:ext>
+            </a:extLst>
+          </p:cNvPr>
+          <p:cNvSpPr/>
+          <p:nvPr/>
+        </p:nvSpPr>
+        <p:spPr>
+          <a:xfrm>
+            <a:off x="8377518" y="4639235"/>
+            <a:ext cx="470647" cy="349624"/>
+          </a:xfrm>
+          <a:prstGeom prst="actionButtonHome">
+            <a:avLst/>
+          </a:prstGeom>
+        </p:spPr>
+        <p:style>
+          <a:lnRef idx="2">
+            <a:schemeClr val="accent1">
+              <a:shade val="15000"/>
+            </a:schemeClr>
+          </a:lnRef>
+          <a:fillRef idx="1">
+            <a:schemeClr val="accent1"/>
+          </a:fillRef>
+          <a:effectRef idx="0">
+            <a:schemeClr val="accent1"/>
+          </a:effectRef>
+          <a:fontRef idx="minor">
+            <a:schemeClr val="lt1"/>
+          </a:fontRef>
+        </p:style>
+        <p:txBody>
+          <a:bodyPr rtlCol="0" anchor="ctr"/>
+          <a:lstStyle/>
+          <a:p>
+            <a:pPr algn="ctr"/>
+            <a:endParaRPr lang="es-CO"/>
+          </a:p>
+        </p:txBody>
+      </p:sp>
+    </p:spTree>
+  </p:cSld>
+  <p:clrMapOvr>
+    <a:masterClrMapping/>
+  </p:clrMapOvr>
+</p:sld>
+</file>
+
+<file path=ppt/slides/slide13.xml><?xml version="1.0" encoding="utf-8"?>
+<p:sld xmlns:a="http://schemas.openxmlformats.org/drawingml/2006/main" xmlns:r="http://schemas.openxmlformats.org/officeDocument/2006/relationships" xmlns:p="http://schemas.openxmlformats.org/presentationml/2006/main">
+  <p:cSld>
+    <p:spTree>
+      <p:nvGrpSpPr>
+        <p:cNvPr id="1" name=""/>
+        <p:cNvGrpSpPr/>
+        <p:nvPr/>
+      </p:nvGrpSpPr>
+      <p:grpSpPr>
+        <a:xfrm>
+          <a:off x="0" y="0"/>
+          <a:ext cx="0" cy="0"/>
+          <a:chOff x="0" y="0"/>
+          <a:chExt cx="0" cy="0"/>
+        </a:xfrm>
+      </p:grpSpPr>
+      <p:sp>
+        <p:nvSpPr>
+          <p:cNvPr id="3" name="Subtítulo 2">
+            <a:extLst>
+              <a:ext uri="{FF2B5EF4-FFF2-40B4-BE49-F238E27FC236}">
+                <a16:creationId xmlns:a16="http://schemas.microsoft.com/office/drawing/2014/main" id="{9D953A90-AA43-21CE-43F6-AB96A3A112CC}"/>
+              </a:ext>
+            </a:extLst>
+          </p:cNvPr>
+          <p:cNvSpPr>
+            <a:spLocks noGrp="1"/>
+          </p:cNvSpPr>
+          <p:nvPr>
+            <p:ph type="subTitle"/>
+          </p:nvPr>
+        </p:nvSpPr>
+        <p:spPr>
+          <a:xfrm>
+            <a:off x="914400" y="1080270"/>
+            <a:ext cx="7315200" cy="2982960"/>
+          </a:xfrm>
+        </p:spPr>
+        <p:txBody>
+          <a:bodyPr/>
+          <a:lstStyle/>
+          <a:p>
+            <a:pPr marL="0" algn="just">
+              <a:lnSpc>
+                <a:spcPct val="100000"/>
+              </a:lnSpc>
+              <a:buClr>
+                <a:srgbClr val="000000"/>
+              </a:buClr>
+              <a:buSzPct val="45000"/>
+              <a:buFont typeface="Wingdings" charset="2"/>
+              <a:buChar char=""/>
+            </a:pPr>
+            <a:r>
+              <a:rPr lang="es-CO" sz="1800" spc="-1" dirty="0">
+                <a:solidFill>
+                  <a:srgbClr val="000000"/>
+                </a:solidFill>
+                <a:latin typeface="Roboto"/>
+              </a:rPr>
+              <a:t>En el módulo de supervisor, los usuarios podrán monitorear en tiempo real la operación del transporte público, identificar posibles inconvenientes y tomar decisiones para optimizar la eficiencia del servicio. En el módulo de inspector, se podrán registrar y verificar el estado de los vehículos, garantizando la seguridad y calidad del transporte. Por último, en el módulo de mecánico, se podrán gestionar las órdenes de trabajo y el mantenimiento de la flota de vehículos, reduciendo tiempos de inactividad y mejorando la disponibilidad del servicio.</a:t>
+            </a:r>
+          </a:p>
+        </p:txBody>
+      </p:sp>
+    </p:spTree>
+    <p:extLst>
+      <p:ext uri="{BB962C8B-B14F-4D97-AF65-F5344CB8AC3E}">
+        <p14:creationId xmlns:p14="http://schemas.microsoft.com/office/powerpoint/2010/main" val="1342604050"/>
+      </p:ext>
+    </p:extLst>
+  </p:cSld>
+  <p:clrMapOvr>
+    <a:masterClrMapping/>
+  </p:clrMapOvr>
+</p:sld>
+</file>
+
+<file path=ppt/slides/slide14.xml><?xml version="1.0" encoding="utf-8"?>
+<p:sld xmlns:a="http://schemas.openxmlformats.org/drawingml/2006/main" xmlns:r="http://schemas.openxmlformats.org/officeDocument/2006/relationships" xmlns:p="http://schemas.openxmlformats.org/presentationml/2006/main">
+  <p:cSld>
+    <p:spTree>
+      <p:nvGrpSpPr>
+        <p:cNvPr id="1" name=""/>
+        <p:cNvGrpSpPr/>
+        <p:nvPr/>
+      </p:nvGrpSpPr>
+      <p:grpSpPr>
+        <a:xfrm>
+          <a:off x="0" y="0"/>
+          <a:ext cx="0" cy="0"/>
+          <a:chOff x="0" y="0"/>
+          <a:chExt cx="0" cy="0"/>
+        </a:xfrm>
+      </p:grpSpPr>
+      <p:sp>
+        <p:nvSpPr>
+          <p:cNvPr id="3" name="Subtítulo 2">
+            <a:extLst>
+              <a:ext uri="{FF2B5EF4-FFF2-40B4-BE49-F238E27FC236}">
+                <a16:creationId xmlns:a16="http://schemas.microsoft.com/office/drawing/2014/main" id="{CF6D704F-6C1A-12D8-12D1-B6A71D01B21A}"/>
+              </a:ext>
+            </a:extLst>
+          </p:cNvPr>
+          <p:cNvSpPr>
+            <a:spLocks noGrp="1"/>
+          </p:cNvSpPr>
+          <p:nvPr>
+            <p:ph type="subTitle"/>
+          </p:nvPr>
+        </p:nvSpPr>
+        <p:spPr>
+          <a:xfrm>
+            <a:off x="457380" y="1524039"/>
+            <a:ext cx="8229240" cy="2095422"/>
+          </a:xfrm>
+        </p:spPr>
+        <p:txBody>
+          <a:bodyPr/>
+          <a:lstStyle/>
+          <a:p>
+            <a:pPr marL="0" algn="just">
+              <a:lnSpc>
+                <a:spcPct val="100000"/>
+              </a:lnSpc>
+              <a:buClr>
+                <a:srgbClr val="000000"/>
+              </a:buClr>
+              <a:buSzPct val="45000"/>
+              <a:buFont typeface="Wingdings" charset="2"/>
+              <a:buChar char=""/>
+            </a:pPr>
+            <a:r>
+              <a:rPr lang="es-CO" sz="1800" spc="-1" dirty="0">
+                <a:solidFill>
+                  <a:srgbClr val="000000"/>
+                </a:solidFill>
+                <a:latin typeface="Roboto"/>
+              </a:rPr>
+              <a:t>Este sistema proporcionará beneficios significativos para la empresa Masivo Capital, ya que agilizará los procesos internos, mejorará la toma de decisiones y facilitará la generación de informes gráficos e impresos necesarios para la gestión administrativa. Asimismo, el sistema contribuirá al sector de transporte público, brindando una solución tecnológica avanzada que impulsará la eficiencia y calidad de los servicios de transporte en la ciudad.</a:t>
+            </a:r>
+          </a:p>
+        </p:txBody>
+      </p:sp>
+    </p:spTree>
+    <p:extLst>
+      <p:ext uri="{BB962C8B-B14F-4D97-AF65-F5344CB8AC3E}">
+        <p14:creationId xmlns:p14="http://schemas.microsoft.com/office/powerpoint/2010/main" val="1288633055"/>
+      </p:ext>
+    </p:extLst>
+  </p:cSld>
+  <p:clrMapOvr>
+    <a:masterClrMapping/>
+  </p:clrMapOvr>
+</p:sld>
+</file>
+
+<file path=ppt/slides/slide15.xml><?xml version="1.0" encoding="utf-8"?>
+<p:sld xmlns:a="http://schemas.openxmlformats.org/drawingml/2006/main" xmlns:r="http://schemas.openxmlformats.org/officeDocument/2006/relationships" xmlns:p="http://schemas.openxmlformats.org/presentationml/2006/main">
+  <p:cSld>
+    <p:spTree>
+      <p:nvGrpSpPr>
+        <p:cNvPr id="1" name=""/>
+        <p:cNvGrpSpPr/>
+        <p:nvPr/>
+      </p:nvGrpSpPr>
+      <p:grpSpPr>
+        <a:xfrm>
+          <a:off x="0" y="0"/>
+          <a:ext cx="0" cy="0"/>
+          <a:chOff x="0" y="0"/>
+          <a:chExt cx="0" cy="0"/>
+        </a:xfrm>
+      </p:grpSpPr>
+      <p:sp>
+        <p:nvSpPr>
+          <p:cNvPr id="2" name="Título 1">
+            <a:extLst>
+              <a:ext uri="{FF2B5EF4-FFF2-40B4-BE49-F238E27FC236}">
+                <a16:creationId xmlns:a16="http://schemas.microsoft.com/office/drawing/2014/main" id="{54225EA2-34D3-D552-E0A7-649B64270A35}"/>
+              </a:ext>
+            </a:extLst>
+          </p:cNvPr>
+          <p:cNvSpPr>
+            <a:spLocks noGrp="1"/>
+          </p:cNvSpPr>
+          <p:nvPr>
+            <p:ph type="title"/>
+          </p:nvPr>
+        </p:nvSpPr>
+        <p:spPr>
+          <a:xfrm>
+            <a:off x="3684494" y="362160"/>
+            <a:ext cx="1775012" cy="594900"/>
+          </a:xfrm>
+        </p:spPr>
+        <p:txBody>
+          <a:bodyPr/>
+          <a:lstStyle/>
+          <a:p>
+            <a:r>
+              <a:rPr lang="es-419" sz="3000" b="1" spc="-1" dirty="0">
+                <a:solidFill>
+                  <a:srgbClr val="404040"/>
+                </a:solidFill>
+                <a:latin typeface="Roboto" panose="02000000000000000000" pitchFamily="2" charset="0"/>
+                <a:ea typeface="Roboto" panose="02000000000000000000" pitchFamily="2" charset="0"/>
+              </a:rPr>
+              <a:t>Alcance</a:t>
+            </a:r>
+            <a:endParaRPr lang="es-CO" sz="3000" b="1" spc="-1" dirty="0">
+              <a:solidFill>
+                <a:srgbClr val="404040"/>
+              </a:solidFill>
+              <a:latin typeface="Roboto" panose="02000000000000000000" pitchFamily="2" charset="0"/>
+              <a:ea typeface="Roboto" panose="02000000000000000000" pitchFamily="2" charset="0"/>
+            </a:endParaRPr>
+          </a:p>
+        </p:txBody>
+      </p:sp>
+      <p:sp>
+        <p:nvSpPr>
+          <p:cNvPr id="3" name="Subtítulo 2">
+            <a:extLst>
+              <a:ext uri="{FF2B5EF4-FFF2-40B4-BE49-F238E27FC236}">
+                <a16:creationId xmlns:a16="http://schemas.microsoft.com/office/drawing/2014/main" id="{168DE43E-B4CF-7B34-030F-BBD3C6EB1EDB}"/>
+              </a:ext>
+            </a:extLst>
+          </p:cNvPr>
+          <p:cNvSpPr>
+            <a:spLocks noGrp="1"/>
+          </p:cNvSpPr>
+          <p:nvPr>
+            <p:ph type="subTitle"/>
+          </p:nvPr>
+        </p:nvSpPr>
+        <p:spPr>
+          <a:xfrm>
+            <a:off x="433757" y="1080270"/>
+            <a:ext cx="8276485" cy="2982960"/>
+          </a:xfrm>
+        </p:spPr>
+        <p:txBody>
+          <a:bodyPr/>
+          <a:lstStyle/>
+          <a:p>
+            <a:pPr marL="0" indent="0" algn="just">
+              <a:lnSpc>
+                <a:spcPct val="100000"/>
+              </a:lnSpc>
+              <a:buNone/>
+            </a:pPr>
+            <a:r>
+              <a:rPr lang="es-CO" sz="1800" spc="-1" dirty="0">
+                <a:solidFill>
+                  <a:srgbClr val="000000"/>
+                </a:solidFill>
+                <a:latin typeface="Roboto"/>
+              </a:rPr>
+              <a:t>El sistema Entry_MC tiene como objetivo principal facilitar y optimizar los procesos de la empresa Masivo Capital. A continuación, se describen las operaciones que los diferentes perfiles de usuarios podrán realizar en el sistema:</a:t>
+            </a:r>
+          </a:p>
+          <a:p>
+            <a:pPr marL="0" indent="0" algn="just">
+              <a:lnSpc>
+                <a:spcPct val="100000"/>
+              </a:lnSpc>
+              <a:buNone/>
+            </a:pPr>
+            <a:r>
+              <a:rPr lang="es-CO" sz="1800" spc="-1" dirty="0">
+                <a:solidFill>
+                  <a:srgbClr val="000000"/>
+                </a:solidFill>
+                <a:latin typeface="Roboto"/>
+              </a:rPr>
+              <a:t>En el módulo de administrador, los usuarios podrán gestionar la asignación de recursos, realizar seguimiento y generación de informes, así como administrar los perfiles de usuarios y configuraciones del sistema.</a:t>
+            </a:r>
+          </a:p>
+          <a:p>
+            <a:endParaRPr lang="es-CO" dirty="0"/>
+          </a:p>
+        </p:txBody>
+      </p:sp>
+    </p:spTree>
+    <p:extLst>
+      <p:ext uri="{BB962C8B-B14F-4D97-AF65-F5344CB8AC3E}">
+        <p14:creationId xmlns:p14="http://schemas.microsoft.com/office/powerpoint/2010/main" val="2507199906"/>
+      </p:ext>
+    </p:extLst>
+  </p:cSld>
+  <p:clrMapOvr>
+    <a:masterClrMapping/>
+  </p:clrMapOvr>
+</p:sld>
+</file>
+
+<file path=ppt/slides/slide16.xml><?xml version="1.0" encoding="utf-8"?>
+<p:sld xmlns:a="http://schemas.openxmlformats.org/drawingml/2006/main" xmlns:r="http://schemas.openxmlformats.org/officeDocument/2006/relationships" xmlns:p="http://schemas.openxmlformats.org/presentationml/2006/main">
+  <p:cSld>
+    <p:spTree>
+      <p:nvGrpSpPr>
+        <p:cNvPr id="1" name=""/>
+        <p:cNvGrpSpPr/>
+        <p:nvPr/>
+      </p:nvGrpSpPr>
+      <p:grpSpPr>
+        <a:xfrm>
+          <a:off x="0" y="0"/>
+          <a:ext cx="0" cy="0"/>
+          <a:chOff x="0" y="0"/>
+          <a:chExt cx="0" cy="0"/>
+        </a:xfrm>
+      </p:grpSpPr>
+      <p:sp>
+        <p:nvSpPr>
+          <p:cNvPr id="3" name="Subtítulo 2">
+            <a:extLst>
+              <a:ext uri="{FF2B5EF4-FFF2-40B4-BE49-F238E27FC236}">
+                <a16:creationId xmlns:a16="http://schemas.microsoft.com/office/drawing/2014/main" id="{25C649AE-DB05-AA5E-AC0A-2A2D78F9FCE3}"/>
+              </a:ext>
+            </a:extLst>
+          </p:cNvPr>
+          <p:cNvSpPr>
+            <a:spLocks noGrp="1"/>
+          </p:cNvSpPr>
+          <p:nvPr>
+            <p:ph type="subTitle"/>
+          </p:nvPr>
+        </p:nvSpPr>
+        <p:spPr>
+          <a:xfrm>
+            <a:off x="741314" y="698145"/>
+            <a:ext cx="7661372" cy="3747209"/>
+          </a:xfrm>
+        </p:spPr>
+        <p:txBody>
+          <a:bodyPr/>
+          <a:lstStyle/>
+          <a:p>
+            <a:pPr marL="0" indent="0" algn="just">
+              <a:lnSpc>
+                <a:spcPct val="100000"/>
+              </a:lnSpc>
+              <a:buNone/>
+            </a:pPr>
+            <a:r>
+              <a:rPr lang="es-CO" sz="1800" spc="-1" dirty="0">
+                <a:solidFill>
+                  <a:srgbClr val="000000"/>
+                </a:solidFill>
+                <a:latin typeface="Roboto"/>
+              </a:rPr>
+              <a:t>En el módulo de supervisor, los usuarios podrán monitorear en tiempo real la operación del transporte público, visualizar indicadores clave, gestionar horarios y rutas, y recibir alertas y notificaciones relevantes.</a:t>
+            </a:r>
+          </a:p>
+          <a:p>
+            <a:pPr marL="0" indent="0" algn="just">
+              <a:lnSpc>
+                <a:spcPct val="100000"/>
+              </a:lnSpc>
+              <a:buNone/>
+            </a:pPr>
+            <a:r>
+              <a:rPr lang="es-CO" sz="1800" spc="-1" dirty="0">
+                <a:solidFill>
+                  <a:srgbClr val="000000"/>
+                </a:solidFill>
+                <a:latin typeface="Roboto"/>
+              </a:rPr>
+              <a:t>En el módulo de inspector, los usuarios podrán realizar registros y verificaciones del estado de los vehículos, gestionar mantenimientos preventivos y correctivos, y generar reportes de inspección.</a:t>
+            </a:r>
+          </a:p>
+        </p:txBody>
+      </p:sp>
+    </p:spTree>
+    <p:extLst>
+      <p:ext uri="{BB962C8B-B14F-4D97-AF65-F5344CB8AC3E}">
+        <p14:creationId xmlns:p14="http://schemas.microsoft.com/office/powerpoint/2010/main" val="1437400785"/>
+      </p:ext>
+    </p:extLst>
+  </p:cSld>
+  <p:clrMapOvr>
+    <a:masterClrMapping/>
+  </p:clrMapOvr>
+</p:sld>
+</file>
+
+<file path=ppt/slides/slide17.xml><?xml version="1.0" encoding="utf-8"?>
+<p:sld xmlns:a="http://schemas.openxmlformats.org/drawingml/2006/main" xmlns:r="http://schemas.openxmlformats.org/officeDocument/2006/relationships" xmlns:p="http://schemas.openxmlformats.org/presentationml/2006/main">
+  <p:cSld>
+    <p:spTree>
+      <p:nvGrpSpPr>
+        <p:cNvPr id="1" name=""/>
+        <p:cNvGrpSpPr/>
+        <p:nvPr/>
+      </p:nvGrpSpPr>
+      <p:grpSpPr>
+        <a:xfrm>
+          <a:off x="0" y="0"/>
+          <a:ext cx="0" cy="0"/>
+          <a:chOff x="0" y="0"/>
+          <a:chExt cx="0" cy="0"/>
+        </a:xfrm>
+      </p:grpSpPr>
+      <p:sp>
+        <p:nvSpPr>
+          <p:cNvPr id="3" name="Subtítulo 2">
+            <a:extLst>
+              <a:ext uri="{FF2B5EF4-FFF2-40B4-BE49-F238E27FC236}">
+                <a16:creationId xmlns:a16="http://schemas.microsoft.com/office/drawing/2014/main" id="{B53C70F8-E5AF-31FA-2281-D3F94AAF0C1A}"/>
+              </a:ext>
+            </a:extLst>
+          </p:cNvPr>
+          <p:cNvSpPr>
+            <a:spLocks noGrp="1"/>
+          </p:cNvSpPr>
+          <p:nvPr>
+            <p:ph type="subTitle"/>
+          </p:nvPr>
+        </p:nvSpPr>
+        <p:spPr>
+          <a:xfrm>
+            <a:off x="2208679" y="1469075"/>
+            <a:ext cx="4726641" cy="2205349"/>
+          </a:xfrm>
+        </p:spPr>
+        <p:txBody>
+          <a:bodyPr/>
+          <a:lstStyle/>
+          <a:p>
+            <a:pPr marL="0" indent="0" algn="just">
+              <a:lnSpc>
+                <a:spcPct val="100000"/>
+              </a:lnSpc>
+              <a:buNone/>
+            </a:pPr>
+            <a:r>
+              <a:rPr lang="es-CO" sz="1800" spc="-1" dirty="0">
+                <a:solidFill>
+                  <a:srgbClr val="000000"/>
+                </a:solidFill>
+                <a:latin typeface="Roboto"/>
+              </a:rPr>
+              <a:t>En el módulo de mecánico, los usuarios podrán gestionar las órdenes de trabajo, programar mantenimientos, administrar inventario de repuestos, y registrar historial de reparaciones.</a:t>
+            </a:r>
+          </a:p>
+          <a:p>
+            <a:endParaRPr lang="es-CO" dirty="0"/>
+          </a:p>
+        </p:txBody>
+      </p:sp>
+    </p:spTree>
+    <p:extLst>
+      <p:ext uri="{BB962C8B-B14F-4D97-AF65-F5344CB8AC3E}">
+        <p14:creationId xmlns:p14="http://schemas.microsoft.com/office/powerpoint/2010/main" val="122543160"/>
+      </p:ext>
+    </p:extLst>
+  </p:cSld>
+  <p:clrMapOvr>
+    <a:masterClrMapping/>
+  </p:clrMapOvr>
+</p:sld>
+</file>
+
+<file path=ppt/slides/slide18.xml><?xml version="1.0" encoding="utf-8"?>
+<p:sld xmlns:a="http://schemas.openxmlformats.org/drawingml/2006/main" xmlns:r="http://schemas.openxmlformats.org/officeDocument/2006/relationships" xmlns:p="http://schemas.openxmlformats.org/presentationml/2006/main">
+  <p:cSld>
+    <p:spTree>
+      <p:nvGrpSpPr>
+        <p:cNvPr id="1" name=""/>
+        <p:cNvGrpSpPr/>
+        <p:nvPr/>
+      </p:nvGrpSpPr>
+      <p:grpSpPr>
+        <a:xfrm>
+          <a:off x="0" y="0"/>
+          <a:ext cx="0" cy="0"/>
+          <a:chOff x="0" y="0"/>
+          <a:chExt cx="0" cy="0"/>
+        </a:xfrm>
+      </p:grpSpPr>
+      <p:sp>
+        <p:nvSpPr>
+          <p:cNvPr id="2" name="Título 1">
+            <a:extLst>
+              <a:ext uri="{FF2B5EF4-FFF2-40B4-BE49-F238E27FC236}">
+                <a16:creationId xmlns:a16="http://schemas.microsoft.com/office/drawing/2014/main" id="{44067241-97B0-2211-A20F-169E909458FD}"/>
+              </a:ext>
+            </a:extLst>
+          </p:cNvPr>
+          <p:cNvSpPr>
+            <a:spLocks noGrp="1"/>
+          </p:cNvSpPr>
+          <p:nvPr>
+            <p:ph type="title"/>
+          </p:nvPr>
+        </p:nvSpPr>
+        <p:spPr>
+          <a:xfrm>
+            <a:off x="2522734" y="221670"/>
+            <a:ext cx="4098171" cy="858600"/>
+          </a:xfrm>
+        </p:spPr>
+        <p:txBody>
+          <a:bodyPr/>
+          <a:lstStyle/>
+          <a:p>
+            <a:r>
+              <a:rPr lang="es-CO" sz="3000" b="1" spc="-1" dirty="0">
+                <a:solidFill>
+                  <a:srgbClr val="404040"/>
+                </a:solidFill>
+                <a:latin typeface="Roboto" panose="02000000000000000000" pitchFamily="2" charset="0"/>
+                <a:ea typeface="Roboto" panose="02000000000000000000" pitchFamily="2" charset="0"/>
+              </a:rPr>
+              <a:t>Que no hace el sistema</a:t>
+            </a:r>
+            <a:endParaRPr lang="es-CO" dirty="0"/>
+          </a:p>
+        </p:txBody>
+      </p:sp>
+      <p:sp>
+        <p:nvSpPr>
+          <p:cNvPr id="3" name="Subtítulo 2">
+            <a:extLst>
+              <a:ext uri="{FF2B5EF4-FFF2-40B4-BE49-F238E27FC236}">
+                <a16:creationId xmlns:a16="http://schemas.microsoft.com/office/drawing/2014/main" id="{B938824B-A6E8-4961-841E-43440FD12B08}"/>
+              </a:ext>
+            </a:extLst>
+          </p:cNvPr>
+          <p:cNvSpPr>
+            <a:spLocks noGrp="1"/>
+          </p:cNvSpPr>
+          <p:nvPr>
+            <p:ph type="subTitle"/>
+          </p:nvPr>
+        </p:nvSpPr>
+        <p:spPr>
+          <a:xfrm>
+            <a:off x="1798364" y="1080270"/>
+            <a:ext cx="5546912" cy="2982960"/>
+          </a:xfrm>
+        </p:spPr>
+        <p:txBody>
+          <a:bodyPr/>
+          <a:lstStyle/>
+          <a:p>
+            <a:pPr algn="just">
+              <a:lnSpc>
+                <a:spcPct val="100000"/>
+              </a:lnSpc>
+            </a:pPr>
+            <a:r>
+              <a:rPr lang="es-CO" sz="1800" spc="-1" dirty="0">
+                <a:solidFill>
+                  <a:srgbClr val="000000"/>
+                </a:solidFill>
+                <a:latin typeface="Roboto"/>
+              </a:rPr>
+              <a:t>El sistema no realizará la gestión de nómina y recursos humanos de la empresa.</a:t>
+            </a:r>
+          </a:p>
+          <a:p>
+            <a:pPr algn="just">
+              <a:lnSpc>
+                <a:spcPct val="100000"/>
+              </a:lnSpc>
+            </a:pPr>
+            <a:r>
+              <a:rPr lang="es-CO" sz="1800" spc="-1" dirty="0">
+                <a:solidFill>
+                  <a:srgbClr val="000000"/>
+                </a:solidFill>
+                <a:latin typeface="Roboto"/>
+              </a:rPr>
+              <a:t>No se encargará del registro y control de pasajeros y tarifas.</a:t>
+            </a:r>
+          </a:p>
+          <a:p>
+            <a:pPr algn="just">
+              <a:lnSpc>
+                <a:spcPct val="100000"/>
+              </a:lnSpc>
+            </a:pPr>
+            <a:r>
+              <a:rPr lang="es-CO" sz="1800" spc="-1" dirty="0">
+                <a:solidFill>
+                  <a:srgbClr val="000000"/>
+                </a:solidFill>
+                <a:latin typeface="Roboto"/>
+              </a:rPr>
+              <a:t>No incluirá funciones de venta de boletos o recargas de tarjetas de transporte</a:t>
+            </a:r>
+          </a:p>
+        </p:txBody>
+      </p:sp>
+    </p:spTree>
+    <p:extLst>
+      <p:ext uri="{BB962C8B-B14F-4D97-AF65-F5344CB8AC3E}">
+        <p14:creationId xmlns:p14="http://schemas.microsoft.com/office/powerpoint/2010/main" val="2161885422"/>
+      </p:ext>
+    </p:extLst>
+  </p:cSld>
+  <p:clrMapOvr>
+    <a:masterClrMapping/>
+  </p:clrMapOvr>
+</p:sld>
+</file>
+
+<file path=ppt/slides/slide19.xml><?xml version="1.0" encoding="utf-8"?>
+<p:sld xmlns:a="http://schemas.openxmlformats.org/drawingml/2006/main" xmlns:r="http://schemas.openxmlformats.org/officeDocument/2006/relationships" xmlns:p="http://schemas.openxmlformats.org/presentationml/2006/main">
+  <p:cSld>
+    <p:spTree>
+      <p:nvGrpSpPr>
+        <p:cNvPr id="1" name=""/>
+        <p:cNvGrpSpPr/>
+        <p:nvPr/>
+      </p:nvGrpSpPr>
+      <p:grpSpPr>
+        <a:xfrm>
+          <a:off x="0" y="0"/>
+          <a:ext cx="0" cy="0"/>
+          <a:chOff x="0" y="0"/>
+          <a:chExt cx="0" cy="0"/>
+        </a:xfrm>
+      </p:grpSpPr>
+      <p:sp>
+        <p:nvSpPr>
+          <p:cNvPr id="2" name="Título 1">
+            <a:extLst>
+              <a:ext uri="{FF2B5EF4-FFF2-40B4-BE49-F238E27FC236}">
+                <a16:creationId xmlns:a16="http://schemas.microsoft.com/office/drawing/2014/main" id="{0ED4E8CA-2F0B-1616-3DF6-1D80F1CF5902}"/>
+              </a:ext>
+            </a:extLst>
+          </p:cNvPr>
+          <p:cNvSpPr>
+            <a:spLocks noGrp="1"/>
+          </p:cNvSpPr>
+          <p:nvPr>
+            <p:ph type="title"/>
+          </p:nvPr>
+        </p:nvSpPr>
+        <p:spPr>
+          <a:xfrm>
+            <a:off x="3395382" y="299330"/>
+            <a:ext cx="2353235" cy="751860"/>
+          </a:xfrm>
+        </p:spPr>
+        <p:txBody>
+          <a:bodyPr/>
+          <a:lstStyle/>
+          <a:p>
+            <a:r>
+              <a:rPr lang="es-419" sz="3000" b="1" spc="-1" dirty="0">
+                <a:solidFill>
+                  <a:srgbClr val="404040"/>
+                </a:solidFill>
+                <a:latin typeface="Roboto" panose="02000000000000000000" pitchFamily="2" charset="0"/>
+                <a:ea typeface="Roboto" panose="02000000000000000000" pitchFamily="2" charset="0"/>
+              </a:rPr>
+              <a:t>Tecnologías</a:t>
+            </a:r>
+            <a:endParaRPr lang="es-CO" sz="3000" b="1" spc="-1" dirty="0">
+              <a:solidFill>
+                <a:srgbClr val="404040"/>
+              </a:solidFill>
+              <a:latin typeface="Roboto" panose="02000000000000000000" pitchFamily="2" charset="0"/>
+              <a:ea typeface="Roboto" panose="02000000000000000000" pitchFamily="2" charset="0"/>
+            </a:endParaRPr>
+          </a:p>
+        </p:txBody>
+      </p:sp>
+      <p:sp>
+        <p:nvSpPr>
+          <p:cNvPr id="3" name="Subtítulo 2">
+            <a:extLst>
+              <a:ext uri="{FF2B5EF4-FFF2-40B4-BE49-F238E27FC236}">
+                <a16:creationId xmlns:a16="http://schemas.microsoft.com/office/drawing/2014/main" id="{42B44666-F02F-015F-7BFA-C5B21483A0FD}"/>
+              </a:ext>
+            </a:extLst>
+          </p:cNvPr>
+          <p:cNvSpPr>
+            <a:spLocks noGrp="1"/>
+          </p:cNvSpPr>
+          <p:nvPr>
+            <p:ph type="subTitle"/>
+          </p:nvPr>
+        </p:nvSpPr>
+        <p:spPr/>
+        <p:txBody>
+          <a:bodyPr/>
+          <a:lstStyle/>
+          <a:p>
+            <a:endParaRPr lang="es-CO" dirty="0"/>
+          </a:p>
+        </p:txBody>
+      </p:sp>
+    </p:spTree>
+    <p:extLst>
+      <p:ext uri="{BB962C8B-B14F-4D97-AF65-F5344CB8AC3E}">
+        <p14:creationId xmlns:p14="http://schemas.microsoft.com/office/powerpoint/2010/main" val="2509152568"/>
+      </p:ext>
+    </p:extLst>
   </p:cSld>
   <p:clrMapOvr>
     <a:masterClrMapping/>
@@ -6851,13 +9763,807 @@
       </p:grpSpPr>
       <p:sp>
         <p:nvSpPr>
-          <p:cNvPr id="119" name="CuadroTexto 1"/>
+          <p:cNvPr id="3" name="Subtitle 2">
+            <a:extLst>
+              <a:ext uri="{FF2B5EF4-FFF2-40B4-BE49-F238E27FC236}">
+                <a16:creationId xmlns:a16="http://schemas.microsoft.com/office/drawing/2014/main" id="{20A7EE60-590D-8919-5E2D-228AE9722B34}"/>
+              </a:ext>
+            </a:extLst>
+          </p:cNvPr>
+          <p:cNvSpPr>
+            <a:spLocks noGrp="1"/>
+          </p:cNvSpPr>
+          <p:nvPr>
+            <p:ph type="subTitle"/>
+          </p:nvPr>
+        </p:nvSpPr>
+        <p:spPr>
+          <a:xfrm>
+            <a:off x="2336426" y="1252829"/>
+            <a:ext cx="4471147" cy="2637842"/>
+          </a:xfrm>
+        </p:spPr>
+        <p:txBody>
+          <a:bodyPr/>
+          <a:lstStyle/>
+          <a:p>
+            <a:pPr marL="0" indent="0" algn="ctr">
+              <a:lnSpc>
+                <a:spcPct val="100000"/>
+              </a:lnSpc>
+              <a:buNone/>
+            </a:pPr>
+            <a:r>
+              <a:rPr lang="es-ES" b="1" spc="-1" dirty="0">
+                <a:solidFill>
+                  <a:srgbClr val="404040"/>
+                </a:solidFill>
+                <a:latin typeface="Roboto"/>
+                <a:ea typeface="Roboto"/>
+              </a:rPr>
+              <a:t>Entry_MC</a:t>
+            </a:r>
+          </a:p>
+          <a:p>
+            <a:pPr algn="ctr">
+              <a:lnSpc>
+                <a:spcPct val="100000"/>
+              </a:lnSpc>
+              <a:buFont typeface="Wingdings" panose="05000000000000000000" pitchFamily="2" charset="2"/>
+              <a:buChar char="Ø"/>
+            </a:pPr>
+            <a:r>
+              <a:rPr lang="es-ES" sz="1600" b="1" spc="-1" dirty="0">
+                <a:solidFill>
+                  <a:srgbClr val="404040"/>
+                </a:solidFill>
+                <a:latin typeface="Roboto"/>
+                <a:ea typeface="Roboto"/>
+              </a:rPr>
+              <a:t>Marlon Martínez</a:t>
+            </a:r>
+          </a:p>
+          <a:p>
+            <a:pPr algn="ctr">
+              <a:lnSpc>
+                <a:spcPct val="100000"/>
+              </a:lnSpc>
+              <a:buFont typeface="Wingdings" panose="05000000000000000000" pitchFamily="2" charset="2"/>
+              <a:buChar char="Ø"/>
+            </a:pPr>
+            <a:r>
+              <a:rPr lang="es-ES" sz="1600" b="1" spc="-1" dirty="0">
+                <a:solidFill>
+                  <a:srgbClr val="404040"/>
+                </a:solidFill>
+                <a:latin typeface="Roboto"/>
+                <a:ea typeface="Roboto"/>
+              </a:rPr>
+              <a:t>William Álvarez</a:t>
+            </a:r>
+          </a:p>
+          <a:p>
+            <a:pPr algn="ctr">
+              <a:lnSpc>
+                <a:spcPct val="100000"/>
+              </a:lnSpc>
+              <a:buFont typeface="Wingdings" panose="05000000000000000000" pitchFamily="2" charset="2"/>
+              <a:buChar char="Ø"/>
+            </a:pPr>
+            <a:r>
+              <a:rPr lang="es-ES" sz="1600" b="1" spc="-1" dirty="0">
+                <a:solidFill>
+                  <a:srgbClr val="404040"/>
+                </a:solidFill>
+                <a:latin typeface="Roboto"/>
+                <a:ea typeface="Roboto"/>
+              </a:rPr>
+              <a:t>Cristian Ortega</a:t>
+            </a:r>
+            <a:endParaRPr lang="es-MX" sz="1600" b="0" strike="noStrike" spc="-1" dirty="0">
+              <a:latin typeface="Arial"/>
+            </a:endParaRPr>
+          </a:p>
+          <a:p>
+            <a:pPr algn="ctr">
+              <a:lnSpc>
+                <a:spcPct val="100000"/>
+              </a:lnSpc>
+              <a:buNone/>
+            </a:pPr>
+            <a:r>
+              <a:rPr lang="es-ES" sz="1600" b="1" strike="noStrike" spc="-1" dirty="0">
+                <a:solidFill>
+                  <a:srgbClr val="404040"/>
+                </a:solidFill>
+                <a:latin typeface="Roboto"/>
+                <a:ea typeface="Roboto"/>
+              </a:rPr>
+              <a:t>ADSI – 2338321</a:t>
+            </a:r>
+          </a:p>
+        </p:txBody>
+      </p:sp>
+    </p:spTree>
+    <p:extLst>
+      <p:ext uri="{BB962C8B-B14F-4D97-AF65-F5344CB8AC3E}">
+        <p14:creationId xmlns:p14="http://schemas.microsoft.com/office/powerpoint/2010/main" val="2719094941"/>
+      </p:ext>
+    </p:extLst>
+  </p:cSld>
+  <p:clrMapOvr>
+    <a:masterClrMapping/>
+  </p:clrMapOvr>
+</p:sld>
+</file>
+
+<file path=ppt/slides/slide20.xml><?xml version="1.0" encoding="utf-8"?>
+<p:sld xmlns:a="http://schemas.openxmlformats.org/drawingml/2006/main" xmlns:r="http://schemas.openxmlformats.org/officeDocument/2006/relationships" xmlns:p="http://schemas.openxmlformats.org/presentationml/2006/main">
+  <p:cSld>
+    <p:spTree>
+      <p:nvGrpSpPr>
+        <p:cNvPr id="1" name=""/>
+        <p:cNvGrpSpPr/>
+        <p:nvPr/>
+      </p:nvGrpSpPr>
+      <p:grpSpPr>
+        <a:xfrm>
+          <a:off x="0" y="0"/>
+          <a:ext cx="0" cy="0"/>
+          <a:chOff x="0" y="0"/>
+          <a:chExt cx="0" cy="0"/>
+        </a:xfrm>
+      </p:grpSpPr>
+      <p:sp>
+        <p:nvSpPr>
+          <p:cNvPr id="2" name="Título 1">
+            <a:extLst>
+              <a:ext uri="{FF2B5EF4-FFF2-40B4-BE49-F238E27FC236}">
+                <a16:creationId xmlns:a16="http://schemas.microsoft.com/office/drawing/2014/main" id="{9BEFB44A-9008-1E2C-DAC9-22BA7891BC37}"/>
+              </a:ext>
+            </a:extLst>
+          </p:cNvPr>
+          <p:cNvSpPr>
+            <a:spLocks noGrp="1"/>
+          </p:cNvSpPr>
+          <p:nvPr>
+            <p:ph type="title"/>
+          </p:nvPr>
+        </p:nvSpPr>
+        <p:spPr>
+          <a:xfrm>
+            <a:off x="3321243" y="328542"/>
+            <a:ext cx="2501153" cy="628518"/>
+          </a:xfrm>
+        </p:spPr>
+        <p:txBody>
+          <a:bodyPr/>
+          <a:lstStyle/>
+          <a:p>
+            <a:r>
+              <a:rPr lang="es-419" sz="3000" b="1" spc="-1" dirty="0">
+                <a:solidFill>
+                  <a:srgbClr val="404040"/>
+                </a:solidFill>
+                <a:latin typeface="Roboto" panose="02000000000000000000" pitchFamily="2" charset="0"/>
+                <a:ea typeface="Roboto" panose="02000000000000000000" pitchFamily="2" charset="0"/>
+              </a:rPr>
+              <a:t>Delimitación</a:t>
+            </a:r>
+            <a:endParaRPr lang="es-CO" sz="3000" b="1" spc="-1" dirty="0">
+              <a:solidFill>
+                <a:srgbClr val="404040"/>
+              </a:solidFill>
+              <a:latin typeface="Roboto" panose="02000000000000000000" pitchFamily="2" charset="0"/>
+              <a:ea typeface="Roboto" panose="02000000000000000000" pitchFamily="2" charset="0"/>
+            </a:endParaRPr>
+          </a:p>
+        </p:txBody>
+      </p:sp>
+      <p:sp>
+        <p:nvSpPr>
+          <p:cNvPr id="3" name="Subtítulo 2">
+            <a:extLst>
+              <a:ext uri="{FF2B5EF4-FFF2-40B4-BE49-F238E27FC236}">
+                <a16:creationId xmlns:a16="http://schemas.microsoft.com/office/drawing/2014/main" id="{0BF3C654-86FB-E55E-B0A7-F4E7CE39F8E0}"/>
+              </a:ext>
+            </a:extLst>
+          </p:cNvPr>
+          <p:cNvSpPr>
+            <a:spLocks noGrp="1"/>
+          </p:cNvSpPr>
+          <p:nvPr>
+            <p:ph type="subTitle"/>
+          </p:nvPr>
+        </p:nvSpPr>
+        <p:spPr>
+          <a:xfrm>
+            <a:off x="457199" y="1080270"/>
+            <a:ext cx="8229240" cy="2982960"/>
+          </a:xfrm>
+        </p:spPr>
+        <p:txBody>
+          <a:bodyPr/>
+          <a:lstStyle/>
+          <a:p>
+            <a:r>
+              <a:rPr lang="es-CO" sz="1050" b="0" i="0" dirty="0">
+                <a:effectLst/>
+                <a:latin typeface="Söhne"/>
+              </a:rPr>
+              <a:t>párrafo o separación por punto describiendo(máximo 6 líneas por párrafo):</a:t>
+            </a:r>
+            <a:br>
+              <a:rPr lang="es-CO" sz="1050" b="0" i="0" dirty="0">
+                <a:effectLst/>
+                <a:latin typeface="Söhne"/>
+              </a:rPr>
+            </a:br>
+            <a:br>
+              <a:rPr lang="es-CO" sz="1050" b="0" i="0" dirty="0">
+                <a:effectLst/>
+                <a:latin typeface="Söhne"/>
+              </a:rPr>
+            </a:br>
+            <a:r>
+              <a:rPr lang="es-CO" sz="1050" b="0" i="0" dirty="0">
+                <a:effectLst/>
+                <a:latin typeface="Söhne"/>
+              </a:rPr>
+              <a:t>- El cronograma: Hasta dónde va el proyecto en términos de tiempo, actividades y evidencias, responsables, entre otros (revisar concepto modelo Gantt)</a:t>
+            </a:r>
+            <a:br>
+              <a:rPr lang="es-CO" sz="1400" b="0" i="0" dirty="0">
+                <a:effectLst/>
+                <a:latin typeface="Söhne"/>
+              </a:rPr>
+            </a:br>
+            <a:br>
+              <a:rPr lang="es-CO" sz="1400" b="0" i="0" dirty="0">
+                <a:effectLst/>
+                <a:latin typeface="Söhne"/>
+              </a:rPr>
+            </a:br>
+            <a:r>
+              <a:rPr lang="es-CO" sz="1050" b="0" i="0" dirty="0">
+                <a:effectLst/>
+                <a:latin typeface="Söhne"/>
+              </a:rPr>
+              <a:t>nota: no se usan viñetas o numeración, a menos que sea para contar o describir una serie de pasos. se utilizan imágenes de apoyo.</a:t>
+            </a:r>
+            <a:endParaRPr lang="es-CO" sz="1400" dirty="0"/>
+          </a:p>
+        </p:txBody>
+      </p:sp>
+    </p:spTree>
+    <p:extLst>
+      <p:ext uri="{BB962C8B-B14F-4D97-AF65-F5344CB8AC3E}">
+        <p14:creationId xmlns:p14="http://schemas.microsoft.com/office/powerpoint/2010/main" val="4285390058"/>
+      </p:ext>
+    </p:extLst>
+  </p:cSld>
+  <p:clrMapOvr>
+    <a:masterClrMapping/>
+  </p:clrMapOvr>
+</p:sld>
+</file>
+
+<file path=ppt/slides/slide21.xml><?xml version="1.0" encoding="utf-8"?>
+<p:sld xmlns:a="http://schemas.openxmlformats.org/drawingml/2006/main" xmlns:r="http://schemas.openxmlformats.org/officeDocument/2006/relationships" xmlns:p="http://schemas.openxmlformats.org/presentationml/2006/main">
+  <p:cSld>
+    <p:spTree>
+      <p:nvGrpSpPr>
+        <p:cNvPr id="1" name=""/>
+        <p:cNvGrpSpPr/>
+        <p:nvPr/>
+      </p:nvGrpSpPr>
+      <p:grpSpPr>
+        <a:xfrm>
+          <a:off x="0" y="0"/>
+          <a:ext cx="0" cy="0"/>
+          <a:chOff x="0" y="0"/>
+          <a:chExt cx="0" cy="0"/>
+        </a:xfrm>
+      </p:grpSpPr>
+      <p:sp>
+        <p:nvSpPr>
+          <p:cNvPr id="2" name="Título 1">
+            <a:extLst>
+              <a:ext uri="{FF2B5EF4-FFF2-40B4-BE49-F238E27FC236}">
+                <a16:creationId xmlns:a16="http://schemas.microsoft.com/office/drawing/2014/main" id="{A8B6F035-EE2E-9117-268D-B49E3D9035F2}"/>
+              </a:ext>
+            </a:extLst>
+          </p:cNvPr>
+          <p:cNvSpPr>
+            <a:spLocks noGrp="1"/>
+          </p:cNvSpPr>
+          <p:nvPr>
+            <p:ph type="title"/>
+          </p:nvPr>
+        </p:nvSpPr>
+        <p:spPr>
+          <a:xfrm>
+            <a:off x="1129553" y="272435"/>
+            <a:ext cx="4424082" cy="858600"/>
+          </a:xfrm>
+        </p:spPr>
+        <p:txBody>
+          <a:bodyPr/>
+          <a:lstStyle/>
+          <a:p>
+            <a:r>
+              <a:rPr lang="es-419" sz="2400" b="1" spc="-1" dirty="0">
+                <a:solidFill>
+                  <a:srgbClr val="404040"/>
+                </a:solidFill>
+                <a:latin typeface="Roboto" panose="02000000000000000000" pitchFamily="2" charset="0"/>
+                <a:ea typeface="Roboto" panose="02000000000000000000" pitchFamily="2" charset="0"/>
+              </a:rPr>
+              <a:t>Entregables Proyecto Formativo por Trimestre</a:t>
+            </a:r>
+            <a:endParaRPr lang="es-CO" sz="2400" b="1" spc="-1" dirty="0">
+              <a:solidFill>
+                <a:srgbClr val="404040"/>
+              </a:solidFill>
+              <a:latin typeface="Roboto" panose="02000000000000000000" pitchFamily="2" charset="0"/>
+              <a:ea typeface="Roboto" panose="02000000000000000000" pitchFamily="2" charset="0"/>
+            </a:endParaRPr>
+          </a:p>
+        </p:txBody>
+      </p:sp>
+      <p:pic>
+        <p:nvPicPr>
+          <p:cNvPr id="4" name="Picture 4" descr="Genera tu certificado laboral o tu desprendible de nómina">
+            <a:extLst>
+              <a:ext uri="{FF2B5EF4-FFF2-40B4-BE49-F238E27FC236}">
+                <a16:creationId xmlns:a16="http://schemas.microsoft.com/office/drawing/2014/main" id="{2C4AD5DC-E446-0579-A262-36A45DB09697}"/>
+              </a:ext>
+            </a:extLst>
+          </p:cNvPr>
+          <p:cNvPicPr>
+            <a:picLocks noChangeAspect="1" noChangeArrowheads="1"/>
+          </p:cNvPicPr>
+          <p:nvPr/>
+        </p:nvPicPr>
+        <p:blipFill>
+          <a:blip r:embed="rId2">
+            <a:extLst>
+              <a:ext uri="{28A0092B-C50C-407E-A947-70E740481C1C}">
+                <a14:useLocalDpi xmlns:a14="http://schemas.microsoft.com/office/drawing/2010/main" val="0"/>
+              </a:ext>
+            </a:extLst>
+          </a:blip>
+          <a:srcRect/>
+          <a:stretch>
+            <a:fillRect/>
+          </a:stretch>
+        </p:blipFill>
+        <p:spPr bwMode="auto">
+          <a:xfrm>
+            <a:off x="7123104" y="272435"/>
+            <a:ext cx="891343" cy="604633"/>
+          </a:xfrm>
+          <a:prstGeom prst="rect">
+            <a:avLst/>
+          </a:prstGeom>
+          <a:noFill/>
+          <a:extLst>
+            <a:ext uri="{909E8E84-426E-40DD-AFC4-6F175D3DCCD1}">
+              <a14:hiddenFill xmlns:a14="http://schemas.microsoft.com/office/drawing/2010/main">
+                <a:solidFill>
+                  <a:srgbClr val="FFFFFF"/>
+                </a:solidFill>
+              </a14:hiddenFill>
+            </a:ext>
+          </a:extLst>
+        </p:spPr>
+      </p:pic>
+      <p:pic>
+        <p:nvPicPr>
+          <p:cNvPr id="6" name="Imagen 5">
+            <a:extLst>
+              <a:ext uri="{FF2B5EF4-FFF2-40B4-BE49-F238E27FC236}">
+                <a16:creationId xmlns:a16="http://schemas.microsoft.com/office/drawing/2014/main" id="{F7CF2C9E-B6BA-6D55-3098-881AC9AF4320}"/>
+              </a:ext>
+            </a:extLst>
+          </p:cNvPr>
+          <p:cNvPicPr>
+            <a:picLocks noChangeAspect="1"/>
+          </p:cNvPicPr>
+          <p:nvPr/>
+        </p:nvPicPr>
+        <p:blipFill>
+          <a:blip r:embed="rId3"/>
+          <a:stretch>
+            <a:fillRect/>
+          </a:stretch>
+        </p:blipFill>
+        <p:spPr>
+          <a:xfrm>
+            <a:off x="5930152" y="272435"/>
+            <a:ext cx="1131313" cy="604632"/>
+          </a:xfrm>
+          <a:prstGeom prst="rect">
+            <a:avLst/>
+          </a:prstGeom>
+        </p:spPr>
+      </p:pic>
+      <p:sp>
+        <p:nvSpPr>
+          <p:cNvPr id="8" name="CuadroTexto 7">
+            <a:extLst>
+              <a:ext uri="{FF2B5EF4-FFF2-40B4-BE49-F238E27FC236}">
+                <a16:creationId xmlns:a16="http://schemas.microsoft.com/office/drawing/2014/main" id="{FD63448F-A760-9749-14FB-0D8EEED6F3FE}"/>
+              </a:ext>
+            </a:extLst>
+          </p:cNvPr>
+          <p:cNvSpPr txBox="1"/>
+          <p:nvPr/>
+        </p:nvSpPr>
+        <p:spPr>
+          <a:xfrm>
+            <a:off x="221877" y="1131035"/>
+            <a:ext cx="1976718" cy="1615827"/>
+          </a:xfrm>
+          <a:prstGeom prst="rect">
+            <a:avLst/>
+          </a:prstGeom>
+          <a:noFill/>
+        </p:spPr>
+        <p:txBody>
+          <a:bodyPr wrap="square">
+            <a:spAutoFit/>
+          </a:bodyPr>
+          <a:lstStyle/>
+          <a:p>
+            <a:r>
+              <a:rPr lang="es-CO" sz="900" b="1" dirty="0"/>
+              <a:t>I Trimestre</a:t>
+            </a:r>
+          </a:p>
+          <a:p>
+            <a:r>
+              <a:rPr lang="es-CO" sz="900" dirty="0"/>
+              <a:t>- Plan de proyecto</a:t>
+            </a:r>
+          </a:p>
+          <a:p>
+            <a:r>
+              <a:rPr lang="es-CO" sz="900" dirty="0"/>
+              <a:t>- Levantamiento de información</a:t>
+            </a:r>
+          </a:p>
+          <a:p>
+            <a:r>
+              <a:rPr lang="es-CO" sz="900" dirty="0"/>
+              <a:t>- Diagramas de proceso</a:t>
+            </a:r>
+          </a:p>
+          <a:p>
+            <a:r>
+              <a:rPr lang="es-CO" sz="900" dirty="0"/>
+              <a:t>- IEEE-830 o Historias de usuarios</a:t>
+            </a:r>
+          </a:p>
+          <a:p>
+            <a:r>
+              <a:rPr lang="es-CO" sz="900" dirty="0"/>
+              <a:t>- Diagrama casos de usos</a:t>
+            </a:r>
+          </a:p>
+          <a:p>
+            <a:r>
+              <a:rPr lang="es-CO" sz="900" dirty="0"/>
+              <a:t>- Casos de uso extendido</a:t>
+            </a:r>
+          </a:p>
+          <a:p>
+            <a:r>
+              <a:rPr lang="es-CO" sz="900" dirty="0"/>
+              <a:t>- Diagrama de clases</a:t>
+            </a:r>
+          </a:p>
+          <a:p>
+            <a:r>
+              <a:rPr lang="es-CO" sz="900" dirty="0"/>
+              <a:t>- Prototipo no funcional</a:t>
+            </a:r>
+          </a:p>
+          <a:p>
+            <a:r>
+              <a:rPr lang="es-CO" sz="900" dirty="0"/>
+              <a:t>- Patrón de diseño</a:t>
+            </a:r>
+          </a:p>
+          <a:p>
+            <a:r>
+              <a:rPr lang="es-CO" sz="900" dirty="0"/>
+              <a:t>- Entregables</a:t>
+            </a:r>
+          </a:p>
+        </p:txBody>
+      </p:sp>
+      <p:sp>
+        <p:nvSpPr>
+          <p:cNvPr id="10" name="CuadroTexto 9">
+            <a:extLst>
+              <a:ext uri="{FF2B5EF4-FFF2-40B4-BE49-F238E27FC236}">
+                <a16:creationId xmlns:a16="http://schemas.microsoft.com/office/drawing/2014/main" id="{A0E70832-1104-5B40-7774-8C344BDC3F2A}"/>
+              </a:ext>
+            </a:extLst>
+          </p:cNvPr>
+          <p:cNvSpPr txBox="1"/>
+          <p:nvPr/>
+        </p:nvSpPr>
+        <p:spPr>
+          <a:xfrm>
+            <a:off x="2262468" y="1131035"/>
+            <a:ext cx="1687606" cy="1200329"/>
+          </a:xfrm>
+          <a:prstGeom prst="rect">
+            <a:avLst/>
+          </a:prstGeom>
+          <a:noFill/>
+        </p:spPr>
+        <p:txBody>
+          <a:bodyPr wrap="square">
+            <a:spAutoFit/>
+          </a:bodyPr>
+          <a:lstStyle/>
+          <a:p>
+            <a:r>
+              <a:rPr lang="es-CO" sz="900" b="1" dirty="0"/>
+              <a:t>II Trimestre</a:t>
+            </a:r>
+          </a:p>
+          <a:p>
+            <a:r>
+              <a:rPr lang="es-CO" sz="900" dirty="0"/>
+              <a:t>- Modelo Entidad Relación</a:t>
+            </a:r>
+          </a:p>
+          <a:p>
+            <a:r>
+              <a:rPr lang="es-CO" sz="900" dirty="0"/>
+              <a:t>- Modelo Relacional</a:t>
+            </a:r>
+          </a:p>
+          <a:p>
+            <a:r>
+              <a:rPr lang="es-CO" sz="900" dirty="0"/>
+              <a:t>- Diccionario de Datos</a:t>
+            </a:r>
+          </a:p>
+          <a:p>
+            <a:r>
+              <a:rPr lang="es-CO" sz="900" dirty="0"/>
+              <a:t>- Script de la BBDD</a:t>
+            </a:r>
+          </a:p>
+          <a:p>
+            <a:r>
+              <a:rPr lang="es-CO" sz="900" dirty="0"/>
+              <a:t>- Sentencias DDL</a:t>
+            </a:r>
+          </a:p>
+          <a:p>
+            <a:r>
+              <a:rPr lang="es-CO" sz="900" dirty="0"/>
+              <a:t>- Consultas DML</a:t>
+            </a:r>
+          </a:p>
+          <a:p>
+            <a:r>
+              <a:rPr lang="es-CO" sz="900" dirty="0"/>
+              <a:t>- Automatización de la BBDD</a:t>
+            </a:r>
+          </a:p>
+        </p:txBody>
+      </p:sp>
+      <p:sp>
+        <p:nvSpPr>
+          <p:cNvPr id="12" name="CuadroTexto 11">
+            <a:extLst>
+              <a:ext uri="{FF2B5EF4-FFF2-40B4-BE49-F238E27FC236}">
+                <a16:creationId xmlns:a16="http://schemas.microsoft.com/office/drawing/2014/main" id="{BA7443BE-6B39-A03F-8C51-A082470CFA3C}"/>
+              </a:ext>
+            </a:extLst>
+          </p:cNvPr>
+          <p:cNvSpPr txBox="1"/>
+          <p:nvPr/>
+        </p:nvSpPr>
+        <p:spPr>
+          <a:xfrm>
+            <a:off x="3950074" y="1131035"/>
+            <a:ext cx="1472453" cy="646331"/>
+          </a:xfrm>
+          <a:prstGeom prst="rect">
+            <a:avLst/>
+          </a:prstGeom>
+          <a:noFill/>
+        </p:spPr>
+        <p:txBody>
+          <a:bodyPr wrap="square">
+            <a:spAutoFit/>
+          </a:bodyPr>
+          <a:lstStyle/>
+          <a:p>
+            <a:r>
+              <a:rPr lang="es-CO" sz="900" b="1" dirty="0"/>
+              <a:t>III Trimestre</a:t>
+            </a:r>
+          </a:p>
+          <a:p>
+            <a:r>
+              <a:rPr lang="es-CO" sz="900" dirty="0"/>
+              <a:t>- Planeación de pruebas</a:t>
+            </a:r>
+          </a:p>
+          <a:p>
+            <a:r>
+              <a:rPr lang="es-CO" sz="900" dirty="0"/>
+              <a:t>- Ejecución de Pruebas</a:t>
+            </a:r>
+          </a:p>
+          <a:p>
+            <a:r>
+              <a:rPr lang="es-CO" sz="900" dirty="0"/>
+              <a:t>- Entregables</a:t>
+            </a:r>
+          </a:p>
+        </p:txBody>
+      </p:sp>
+      <p:sp>
+        <p:nvSpPr>
+          <p:cNvPr id="14" name="CuadroTexto 13">
+            <a:extLst>
+              <a:ext uri="{FF2B5EF4-FFF2-40B4-BE49-F238E27FC236}">
+                <a16:creationId xmlns:a16="http://schemas.microsoft.com/office/drawing/2014/main" id="{01DF6D89-4781-85EC-21E0-72D43AE297D6}"/>
+              </a:ext>
+            </a:extLst>
+          </p:cNvPr>
+          <p:cNvSpPr txBox="1"/>
+          <p:nvPr/>
+        </p:nvSpPr>
+        <p:spPr>
+          <a:xfrm>
+            <a:off x="5422527" y="1131035"/>
+            <a:ext cx="1758202" cy="1061829"/>
+          </a:xfrm>
+          <a:prstGeom prst="rect">
+            <a:avLst/>
+          </a:prstGeom>
+          <a:noFill/>
+        </p:spPr>
+        <p:txBody>
+          <a:bodyPr wrap="square">
+            <a:spAutoFit/>
+          </a:bodyPr>
+          <a:lstStyle/>
+          <a:p>
+            <a:r>
+              <a:rPr lang="es-CO" sz="900" b="1" dirty="0"/>
+              <a:t>IV Trimestre</a:t>
+            </a:r>
+          </a:p>
+          <a:p>
+            <a:r>
+              <a:rPr lang="es-CO" sz="900" dirty="0"/>
+              <a:t>- Manual de Instalación</a:t>
+            </a:r>
+          </a:p>
+          <a:p>
+            <a:r>
+              <a:rPr lang="es-CO" sz="900" dirty="0"/>
+              <a:t>- Configuración del Servidor de Aplicaciones</a:t>
+            </a:r>
+          </a:p>
+          <a:p>
+            <a:r>
+              <a:rPr lang="es-CO" sz="900" dirty="0"/>
+              <a:t>- Configuración del Servidor de BBDD</a:t>
+            </a:r>
+          </a:p>
+          <a:p>
+            <a:r>
+              <a:rPr lang="es-CO" sz="900" dirty="0"/>
+              <a:t>- Entregables</a:t>
+            </a:r>
+          </a:p>
+        </p:txBody>
+      </p:sp>
+      <p:sp>
+        <p:nvSpPr>
+          <p:cNvPr id="16" name="CuadroTexto 15">
+            <a:extLst>
+              <a:ext uri="{FF2B5EF4-FFF2-40B4-BE49-F238E27FC236}">
+                <a16:creationId xmlns:a16="http://schemas.microsoft.com/office/drawing/2014/main" id="{B58E9061-E7FA-ECF8-E624-728B872500E6}"/>
+              </a:ext>
+            </a:extLst>
+          </p:cNvPr>
+          <p:cNvSpPr txBox="1"/>
+          <p:nvPr/>
+        </p:nvSpPr>
+        <p:spPr>
+          <a:xfrm>
+            <a:off x="7241241" y="1131035"/>
+            <a:ext cx="1472453" cy="784830"/>
+          </a:xfrm>
+          <a:prstGeom prst="rect">
+            <a:avLst/>
+          </a:prstGeom>
+          <a:noFill/>
+        </p:spPr>
+        <p:txBody>
+          <a:bodyPr wrap="square">
+            <a:spAutoFit/>
+          </a:bodyPr>
+          <a:lstStyle/>
+          <a:p>
+            <a:r>
+              <a:rPr lang="es-CO" sz="900" b="1" dirty="0"/>
+              <a:t>V Trimestre</a:t>
+            </a:r>
+          </a:p>
+          <a:p>
+            <a:r>
+              <a:rPr lang="es-CO" sz="900" dirty="0"/>
+              <a:t>- Manual de Usuario</a:t>
+            </a:r>
+          </a:p>
+          <a:p>
+            <a:r>
+              <a:rPr lang="es-CO" sz="900" dirty="0"/>
+              <a:t>- Sistema de Información Web Remoto</a:t>
+            </a:r>
+          </a:p>
+          <a:p>
+            <a:r>
+              <a:rPr lang="es-CO" sz="900" dirty="0"/>
+              <a:t>- Entregables</a:t>
+            </a:r>
+          </a:p>
+        </p:txBody>
+      </p:sp>
+    </p:spTree>
+    <p:extLst>
+      <p:ext uri="{BB962C8B-B14F-4D97-AF65-F5344CB8AC3E}">
+        <p14:creationId xmlns:p14="http://schemas.microsoft.com/office/powerpoint/2010/main" val="3067647196"/>
+      </p:ext>
+    </p:extLst>
+  </p:cSld>
+  <p:clrMapOvr>
+    <a:masterClrMapping/>
+  </p:clrMapOvr>
+</p:sld>
+</file>
+
+<file path=ppt/slides/slide22.xml><?xml version="1.0" encoding="utf-8"?>
+<p:sld xmlns:a="http://schemas.openxmlformats.org/drawingml/2006/main" xmlns:r="http://schemas.openxmlformats.org/officeDocument/2006/relationships" xmlns:p="http://schemas.openxmlformats.org/presentationml/2006/main">
+  <p:cSld>
+    <p:spTree>
+      <p:nvGrpSpPr>
+        <p:cNvPr id="1" name=""/>
+        <p:cNvGrpSpPr/>
+        <p:nvPr/>
+      </p:nvGrpSpPr>
+      <p:grpSpPr>
+        <a:xfrm>
+          <a:off x="0" y="0"/>
+          <a:ext cx="0" cy="0"/>
+          <a:chOff x="0" y="0"/>
+          <a:chExt cx="0" cy="0"/>
+        </a:xfrm>
+      </p:grpSpPr>
+      <p:sp>
+        <p:nvSpPr>
+          <p:cNvPr id="146" name="CuadroTexto 9"/>
           <p:cNvSpPr/>
           <p:nvPr/>
         </p:nvSpPr>
         <p:spPr>
           <a:xfrm>
-            <a:off x="794880" y="555120"/>
+            <a:off x="509400" y="555120"/>
             <a:ext cx="2388240" cy="368280"/>
           </a:xfrm>
           <a:prstGeom prst="rect">
@@ -6883,14 +10589,14 @@
       </p:sp>
       <p:sp>
         <p:nvSpPr>
-          <p:cNvPr id="120" name="CuadroTexto 4"/>
+          <p:cNvPr id="148" name="CuadroTexto 11"/>
           <p:cNvSpPr/>
           <p:nvPr/>
         </p:nvSpPr>
         <p:spPr>
           <a:xfrm>
-            <a:off x="0" y="739800"/>
-            <a:ext cx="4859280" cy="546480"/>
+            <a:off x="504720" y="1469880"/>
+            <a:ext cx="6783586" cy="2794183"/>
           </a:xfrm>
           <a:prstGeom prst="rect">
             <a:avLst/>
@@ -6913,43 +10619,237 @@
           <a:fontRef idx="minor"/>
         </p:style>
         <p:txBody>
-          <a:bodyPr lIns="90000" tIns="45000" rIns="90000" bIns="45000" anchor="t">
+          <a:bodyPr wrap="square" lIns="90000" tIns="45000" rIns="90000" bIns="45000" anchor="t">
             <a:spAutoFit/>
           </a:bodyPr>
           <a:lstStyle/>
           <a:p>
-            <a:pPr marL="457200" algn="just">
+            <a:pPr algn="just">
+              <a:spcBef>
+                <a:spcPts val="1000"/>
+              </a:spcBef>
+            </a:pPr>
+            <a:r>
+              <a:rPr lang="es-CO" spc="-1" dirty="0">
+                <a:solidFill>
+                  <a:srgbClr val="000000"/>
+                </a:solidFill>
+                <a:latin typeface="Roboto"/>
+              </a:rPr>
+              <a:t>Para la realización entre las variables  hora de salida y congestión de tráfico  entre las salidas y el nivel de tráfico utilizamos dos tablas realizadas para el 2021</a:t>
+            </a:r>
+            <a:endParaRPr lang="es-MX" spc="-1" dirty="0">
+              <a:solidFill>
+                <a:srgbClr val="000000"/>
+              </a:solidFill>
+              <a:latin typeface="Roboto"/>
+            </a:endParaRPr>
+          </a:p>
+          <a:p>
+            <a:pPr algn="just">
+              <a:spcBef>
+                <a:spcPts val="1000"/>
+              </a:spcBef>
+            </a:pPr>
+            <a:r>
+              <a:rPr lang="es-CO" spc="-1" dirty="0">
+                <a:solidFill>
+                  <a:srgbClr val="000000"/>
+                </a:solidFill>
+                <a:latin typeface="Roboto"/>
+              </a:rPr>
+              <a:t>La primera tabla comportamiento seguridad vial </a:t>
+            </a:r>
+            <a:endParaRPr lang="es-MX" spc="-1" dirty="0">
+              <a:solidFill>
+                <a:srgbClr val="000000"/>
+              </a:solidFill>
+              <a:latin typeface="Roboto"/>
+            </a:endParaRPr>
+          </a:p>
+          <a:p>
+            <a:pPr algn="just">
+              <a:spcBef>
+                <a:spcPts val="1000"/>
+              </a:spcBef>
+            </a:pPr>
+            <a:r>
+              <a:rPr lang="es-CO" spc="-1" dirty="0">
+                <a:solidFill>
+                  <a:srgbClr val="000000"/>
+                </a:solidFill>
+                <a:latin typeface="Roboto"/>
+              </a:rPr>
+              <a:t> “encuesta territorial de comportamiento en seguridad vial”  (Aparicio, 2020a) utilizando la variable percepción accidentes de tránsito y la tabla  consolidada de salidas del sistema troncal por franja horaria, filtrando por la ruta 9-6  av. Villavicencio </a:t>
+            </a:r>
+            <a:endParaRPr lang="es-MX" spc="-1" dirty="0">
+              <a:solidFill>
+                <a:srgbClr val="000000"/>
+              </a:solidFill>
+              <a:latin typeface="Roboto"/>
+            </a:endParaRPr>
+          </a:p>
+          <a:p>
+            <a:pPr>
               <a:lnSpc>
                 <a:spcPct val="100000"/>
               </a:lnSpc>
               <a:buNone/>
             </a:pPr>
-            <a:r>
-              <a:rPr lang="es-ES" sz="3000" b="1" strike="noStrike" spc="-1">
+            <a:endParaRPr lang="es-MX" sz="1500" b="0" strike="noStrike" spc="-1" dirty="0">
+              <a:latin typeface="Arial"/>
+            </a:endParaRPr>
+          </a:p>
+        </p:txBody>
+      </p:sp>
+      <p:pic>
+        <p:nvPicPr>
+          <p:cNvPr id="149" name="Google Shape;46;p 1" descr="Un dibujo de un personaje de caricatura&#10;&#10;Descripción generada automáticamente con confianza baja"/>
+          <p:cNvPicPr/>
+          <p:nvPr/>
+        </p:nvPicPr>
+        <p:blipFill>
+          <a:blip r:embed="rId2"/>
+          <a:stretch/>
+        </p:blipFill>
+        <p:spPr>
+          <a:xfrm>
+            <a:off x="7156980" y="1570973"/>
+            <a:ext cx="1636920" cy="1584000"/>
+          </a:xfrm>
+          <a:prstGeom prst="rect">
+            <a:avLst/>
+          </a:prstGeom>
+          <a:ln w="0">
+            <a:noFill/>
+          </a:ln>
+        </p:spPr>
+      </p:pic>
+      <p:sp>
+        <p:nvSpPr>
+          <p:cNvPr id="2" name="Título 1">
+            <a:extLst>
+              <a:ext uri="{FF2B5EF4-FFF2-40B4-BE49-F238E27FC236}">
+                <a16:creationId xmlns:a16="http://schemas.microsoft.com/office/drawing/2014/main" id="{A16A5969-4887-32E9-1BF3-96BEDE8FE8AB}"/>
+              </a:ext>
+            </a:extLst>
+          </p:cNvPr>
+          <p:cNvSpPr>
+            <a:spLocks noGrp="1"/>
+          </p:cNvSpPr>
+          <p:nvPr>
+            <p:ph type="title" idx="4294967295"/>
+          </p:nvPr>
+        </p:nvSpPr>
+        <p:spPr>
+          <a:xfrm>
+            <a:off x="944730" y="494100"/>
+            <a:ext cx="5326380" cy="858600"/>
+          </a:xfrm>
+        </p:spPr>
+        <p:txBody>
+          <a:bodyPr/>
+          <a:lstStyle/>
+          <a:p>
+            <a:pPr rtl="0" eaLnBrk="1" latinLnBrk="0" hangingPunct="1"/>
+            <a:r>
+              <a:rPr lang="es-ES" sz="3000" b="1" kern="1200" spc="-1" dirty="0">
                 <a:solidFill>
                   <a:srgbClr val="404040"/>
                 </a:solidFill>
-                <a:latin typeface="Roboto"/>
-                <a:ea typeface="Roboto"/>
+                <a:effectLst/>
+                <a:latin typeface="Roboto" panose="02000000000000000000" pitchFamily="2" charset="0"/>
+                <a:ea typeface="Roboto" panose="02000000000000000000" pitchFamily="2" charset="0"/>
+                <a:cs typeface="DejaVu Sans"/>
               </a:rPr>
-              <a:t>Objetivo General</a:t>
-            </a:r>
-            <a:endParaRPr lang="es-MX" sz="3000" b="0" strike="noStrike" spc="-1">
-              <a:latin typeface="Arial"/>
-            </a:endParaRPr>
-          </a:p>
-        </p:txBody>
-      </p:sp>
-      <p:sp>
-        <p:nvSpPr>
-          <p:cNvPr id="121" name="Rectángulo 5"/>
+              <a:t>Recolección de la Información </a:t>
+            </a:r>
+            <a:endParaRPr lang="es-CO" dirty="0"/>
+          </a:p>
+        </p:txBody>
+      </p:sp>
+      <p:sp>
+        <p:nvSpPr>
+          <p:cNvPr id="3" name="Botón de acción: ir a inicio 2">
+            <a:hlinkClick r:id="rId3" action="ppaction://hlinksldjump"/>
+            <a:extLst>
+              <a:ext uri="{FF2B5EF4-FFF2-40B4-BE49-F238E27FC236}">
+                <a16:creationId xmlns:a16="http://schemas.microsoft.com/office/drawing/2014/main" id="{89012730-7F5C-C7D7-3DD6-B8D1D299C05D}"/>
+              </a:ext>
+            </a:extLst>
+          </p:cNvPr>
           <p:cNvSpPr/>
           <p:nvPr/>
         </p:nvSpPr>
         <p:spPr>
           <a:xfrm>
-            <a:off x="0" y="942840"/>
-            <a:ext cx="4570920" cy="564480"/>
+            <a:off x="8377518" y="4639235"/>
+            <a:ext cx="470647" cy="349624"/>
+          </a:xfrm>
+          <a:prstGeom prst="actionButtonHome">
+            <a:avLst/>
+          </a:prstGeom>
+        </p:spPr>
+        <p:style>
+          <a:lnRef idx="2">
+            <a:schemeClr val="accent1">
+              <a:shade val="15000"/>
+            </a:schemeClr>
+          </a:lnRef>
+          <a:fillRef idx="1">
+            <a:schemeClr val="accent1"/>
+          </a:fillRef>
+          <a:effectRef idx="0">
+            <a:schemeClr val="accent1"/>
+          </a:effectRef>
+          <a:fontRef idx="minor">
+            <a:schemeClr val="lt1"/>
+          </a:fontRef>
+        </p:style>
+        <p:txBody>
+          <a:bodyPr rtlCol="0" anchor="ctr"/>
+          <a:lstStyle/>
+          <a:p>
+            <a:pPr algn="ctr"/>
+            <a:endParaRPr lang="es-CO"/>
+          </a:p>
+        </p:txBody>
+      </p:sp>
+    </p:spTree>
+  </p:cSld>
+  <p:clrMapOvr>
+    <a:masterClrMapping/>
+  </p:clrMapOvr>
+</p:sld>
+</file>
+
+<file path=ppt/slides/slide23.xml><?xml version="1.0" encoding="utf-8"?>
+<p:sld xmlns:a="http://schemas.openxmlformats.org/drawingml/2006/main" xmlns:r="http://schemas.openxmlformats.org/officeDocument/2006/relationships" xmlns:p="http://schemas.openxmlformats.org/presentationml/2006/main">
+  <p:cSld>
+    <p:spTree>
+      <p:nvGrpSpPr>
+        <p:cNvPr id="1" name=""/>
+        <p:cNvGrpSpPr/>
+        <p:nvPr/>
+      </p:nvGrpSpPr>
+      <p:grpSpPr>
+        <a:xfrm>
+          <a:off x="0" y="0"/>
+          <a:ext cx="0" cy="0"/>
+          <a:chOff x="0" y="0"/>
+          <a:chExt cx="0" cy="0"/>
+        </a:xfrm>
+      </p:grpSpPr>
+      <p:sp>
+        <p:nvSpPr>
+          <p:cNvPr id="150" name="CuadroTexto 12"/>
+          <p:cNvSpPr/>
+          <p:nvPr/>
+        </p:nvSpPr>
+        <p:spPr>
+          <a:xfrm>
+            <a:off x="509400" y="555120"/>
+            <a:ext cx="2388240" cy="368280"/>
           </a:xfrm>
           <a:prstGeom prst="rect">
             <a:avLst/>
@@ -6972,39 +10872,16 @@
           <a:fontRef idx="minor"/>
         </p:style>
       </p:sp>
-      <p:pic>
-        <p:nvPicPr>
-          <p:cNvPr id="122" name="Imagen 6"/>
-          <p:cNvPicPr/>
-          <p:nvPr/>
-        </p:nvPicPr>
-        <p:blipFill>
-          <a:blip r:embed="rId2"/>
-          <a:stretch/>
-        </p:blipFill>
-        <p:spPr>
-          <a:xfrm>
-            <a:off x="5862960" y="315360"/>
-            <a:ext cx="1696320" cy="763920"/>
-          </a:xfrm>
-          <a:prstGeom prst="rect">
-            <a:avLst/>
-          </a:prstGeom>
-          <a:ln w="0">
-            <a:noFill/>
-          </a:ln>
-        </p:spPr>
-      </p:pic>
-      <p:sp>
-        <p:nvSpPr>
-          <p:cNvPr id="123" name="Rectángulo 122"/>
+      <p:sp>
+        <p:nvSpPr>
+          <p:cNvPr id="151" name="CuadroTexto 13"/>
           <p:cNvSpPr/>
           <p:nvPr/>
         </p:nvSpPr>
         <p:spPr>
           <a:xfrm>
-            <a:off x="180000" y="1821960"/>
-            <a:ext cx="7739280" cy="2137320"/>
+            <a:off x="-236160" y="740160"/>
+            <a:ext cx="7975440" cy="546480"/>
           </a:xfrm>
           <a:prstGeom prst="rect">
             <a:avLst/>
@@ -7028,49 +10905,529 @@
         </p:style>
         <p:txBody>
           <a:bodyPr lIns="90000" tIns="45000" rIns="90000" bIns="45000" anchor="t">
-            <a:noAutofit/>
+            <a:spAutoFit/>
           </a:bodyPr>
           <a:lstStyle/>
           <a:p>
-            <a:pPr>
+            <a:pPr marL="457200">
               <a:lnSpc>
                 <a:spcPct val="100000"/>
               </a:lnSpc>
               <a:buNone/>
             </a:pPr>
             <a:r>
-              <a:rPr lang="es-MX" sz="1800" b="0" strike="noStrike" spc="-1">
+              <a:rPr lang="es-ES" sz="3000" b="1" strike="noStrike" spc="-1">
                 <a:solidFill>
-                  <a:srgbClr val="000000"/>
+                  <a:srgbClr val="404040"/>
                 </a:solidFill>
-                <a:latin typeface="Arial"/>
-                <a:ea typeface="Source Han Sans CN"/>
-              </a:rPr>
-              <a:t>Establecer un sistema de información que permita normalizar   el control y seguimiento en la  entrada, estadia  y  salida del vehiculo del   patio  taller bosa brasil perteneciente al consorcio </a:t>
-            </a:r>
-            <a:r>
-              <a:rPr lang="es-MX" sz="1800" b="1" strike="noStrike" spc="-1">
-                <a:solidFill>
-                  <a:srgbClr val="000000"/>
-                </a:solidFill>
-                <a:latin typeface="Arial"/>
-                <a:ea typeface="Source Han Sans CN"/>
-              </a:rPr>
-              <a:t>masivo capital</a:t>
-            </a:r>
-            <a:r>
-              <a:rPr lang="es-MX" sz="1800" b="0" strike="noStrike" spc="-1">
-                <a:solidFill>
-                  <a:srgbClr val="000000"/>
-                </a:solidFill>
-                <a:latin typeface="Arial"/>
-                <a:ea typeface="Source Han Sans CN"/>
+                <a:latin typeface="Roboto"/>
+                <a:ea typeface="Roboto"/>
               </a:rPr>
               <a:t> </a:t>
             </a:r>
-            <a:endParaRPr lang="es-MX" sz="1800" b="0" strike="noStrike" spc="-1">
+            <a:endParaRPr lang="es-MX" sz="3000" b="0" strike="noStrike" spc="-1">
               <a:latin typeface="Arial"/>
             </a:endParaRPr>
+          </a:p>
+        </p:txBody>
+      </p:sp>
+      <p:pic>
+        <p:nvPicPr>
+          <p:cNvPr id="152" name="Imagen 151"/>
+          <p:cNvPicPr/>
+          <p:nvPr/>
+        </p:nvPicPr>
+        <p:blipFill>
+          <a:blip r:embed="rId2"/>
+          <a:stretch/>
+        </p:blipFill>
+        <p:spPr>
+          <a:xfrm>
+            <a:off x="32680" y="443753"/>
+            <a:ext cx="8190196" cy="4457700"/>
+          </a:xfrm>
+          <a:prstGeom prst="rect">
+            <a:avLst/>
+          </a:prstGeom>
+          <a:ln w="0">
+            <a:noFill/>
+          </a:ln>
+        </p:spPr>
+      </p:pic>
+      <p:sp>
+        <p:nvSpPr>
+          <p:cNvPr id="2" name="Botón de acción: ir a inicio 1">
+            <a:hlinkClick r:id="rId3" action="ppaction://hlinksldjump"/>
+            <a:extLst>
+              <a:ext uri="{FF2B5EF4-FFF2-40B4-BE49-F238E27FC236}">
+                <a16:creationId xmlns:a16="http://schemas.microsoft.com/office/drawing/2014/main" id="{58C564E6-C30B-13B3-DE33-5E7ABC1F8690}"/>
+              </a:ext>
+            </a:extLst>
+          </p:cNvPr>
+          <p:cNvSpPr/>
+          <p:nvPr/>
+        </p:nvSpPr>
+        <p:spPr>
+          <a:xfrm>
+            <a:off x="8377518" y="4639235"/>
+            <a:ext cx="470647" cy="349624"/>
+          </a:xfrm>
+          <a:prstGeom prst="actionButtonHome">
+            <a:avLst/>
+          </a:prstGeom>
+        </p:spPr>
+        <p:style>
+          <a:lnRef idx="2">
+            <a:schemeClr val="accent1">
+              <a:shade val="15000"/>
+            </a:schemeClr>
+          </a:lnRef>
+          <a:fillRef idx="1">
+            <a:schemeClr val="accent1"/>
+          </a:fillRef>
+          <a:effectRef idx="0">
+            <a:schemeClr val="accent1"/>
+          </a:effectRef>
+          <a:fontRef idx="minor">
+            <a:schemeClr val="lt1"/>
+          </a:fontRef>
+        </p:style>
+        <p:txBody>
+          <a:bodyPr rtlCol="0" anchor="ctr"/>
+          <a:lstStyle/>
+          <a:p>
+            <a:pPr algn="ctr"/>
+            <a:endParaRPr lang="es-CO"/>
+          </a:p>
+        </p:txBody>
+      </p:sp>
+    </p:spTree>
+  </p:cSld>
+  <p:clrMapOvr>
+    <a:masterClrMapping/>
+  </p:clrMapOvr>
+</p:sld>
+</file>
+
+<file path=ppt/slides/slide24.xml><?xml version="1.0" encoding="utf-8"?>
+<p:sld xmlns:a="http://schemas.openxmlformats.org/drawingml/2006/main" xmlns:r="http://schemas.openxmlformats.org/officeDocument/2006/relationships" xmlns:p="http://schemas.openxmlformats.org/presentationml/2006/main">
+  <p:cSld>
+    <p:spTree>
+      <p:nvGrpSpPr>
+        <p:cNvPr id="1" name=""/>
+        <p:cNvGrpSpPr/>
+        <p:nvPr/>
+      </p:nvGrpSpPr>
+      <p:grpSpPr>
+        <a:xfrm>
+          <a:off x="0" y="0"/>
+          <a:ext cx="0" cy="0"/>
+          <a:chOff x="0" y="0"/>
+          <a:chExt cx="0" cy="0"/>
+        </a:xfrm>
+      </p:grpSpPr>
+      <p:sp>
+        <p:nvSpPr>
+          <p:cNvPr id="153" name="CuadroTexto 14"/>
+          <p:cNvSpPr/>
+          <p:nvPr/>
+        </p:nvSpPr>
+        <p:spPr>
+          <a:xfrm>
+            <a:off x="509400" y="555120"/>
+            <a:ext cx="2388240" cy="368280"/>
+          </a:xfrm>
+          <a:prstGeom prst="rect">
+            <a:avLst/>
+          </a:prstGeom>
+          <a:noFill/>
+          <a:ln w="0">
+            <a:noFill/>
+          </a:ln>
+        </p:spPr>
+        <p:style>
+          <a:lnRef idx="0">
+            <a:scrgbClr r="0" g="0" b="0"/>
+          </a:lnRef>
+          <a:fillRef idx="0">
+            <a:scrgbClr r="0" g="0" b="0"/>
+          </a:fillRef>
+          <a:effectRef idx="0">
+            <a:scrgbClr r="0" g="0" b="0"/>
+          </a:effectRef>
+          <a:fontRef idx="minor"/>
+        </p:style>
+      </p:sp>
+      <p:sp>
+        <p:nvSpPr>
+          <p:cNvPr id="154" name="CuadroTexto 15"/>
+          <p:cNvSpPr/>
+          <p:nvPr/>
+        </p:nvSpPr>
+        <p:spPr>
+          <a:xfrm>
+            <a:off x="-236160" y="740160"/>
+            <a:ext cx="7975440" cy="546480"/>
+          </a:xfrm>
+          <a:prstGeom prst="rect">
+            <a:avLst/>
+          </a:prstGeom>
+          <a:noFill/>
+          <a:ln w="0">
+            <a:noFill/>
+          </a:ln>
+        </p:spPr>
+        <p:style>
+          <a:lnRef idx="0">
+            <a:scrgbClr r="0" g="0" b="0"/>
+          </a:lnRef>
+          <a:fillRef idx="0">
+            <a:scrgbClr r="0" g="0" b="0"/>
+          </a:fillRef>
+          <a:effectRef idx="0">
+            <a:scrgbClr r="0" g="0" b="0"/>
+          </a:effectRef>
+          <a:fontRef idx="minor"/>
+        </p:style>
+        <p:txBody>
+          <a:bodyPr lIns="90000" tIns="45000" rIns="90000" bIns="45000" anchor="t">
+            <a:spAutoFit/>
+          </a:bodyPr>
+          <a:lstStyle/>
+          <a:p>
+            <a:pPr marL="457200">
+              <a:lnSpc>
+                <a:spcPct val="100000"/>
+              </a:lnSpc>
+              <a:buNone/>
+            </a:pPr>
+            <a:r>
+              <a:rPr lang="es-ES" sz="3000" b="1" strike="noStrike" spc="-1">
+                <a:solidFill>
+                  <a:srgbClr val="404040"/>
+                </a:solidFill>
+                <a:latin typeface="Roboto"/>
+                <a:ea typeface="Roboto"/>
+              </a:rPr>
+              <a:t> </a:t>
+            </a:r>
+            <a:endParaRPr lang="es-MX" sz="3000" b="0" strike="noStrike" spc="-1">
+              <a:latin typeface="Arial"/>
+            </a:endParaRPr>
+          </a:p>
+        </p:txBody>
+      </p:sp>
+      <p:pic>
+        <p:nvPicPr>
+          <p:cNvPr id="155" name="Imagen 154"/>
+          <p:cNvPicPr/>
+          <p:nvPr/>
+        </p:nvPicPr>
+        <p:blipFill>
+          <a:blip r:embed="rId2"/>
+          <a:stretch/>
+        </p:blipFill>
+        <p:spPr>
+          <a:xfrm>
+            <a:off x="180000" y="291240"/>
+            <a:ext cx="8099280" cy="4568040"/>
+          </a:xfrm>
+          <a:prstGeom prst="rect">
+            <a:avLst/>
+          </a:prstGeom>
+          <a:ln w="0">
+            <a:noFill/>
+          </a:ln>
+        </p:spPr>
+      </p:pic>
+      <p:sp>
+        <p:nvSpPr>
+          <p:cNvPr id="2" name="Botón de acción: ir a inicio 1">
+            <a:hlinkClick r:id="rId3" action="ppaction://hlinksldjump"/>
+            <a:extLst>
+              <a:ext uri="{FF2B5EF4-FFF2-40B4-BE49-F238E27FC236}">
+                <a16:creationId xmlns:a16="http://schemas.microsoft.com/office/drawing/2014/main" id="{64C64963-9FB1-5676-703A-4164CE928F36}"/>
+              </a:ext>
+            </a:extLst>
+          </p:cNvPr>
+          <p:cNvSpPr/>
+          <p:nvPr/>
+        </p:nvSpPr>
+        <p:spPr>
+          <a:xfrm>
+            <a:off x="8377518" y="4639235"/>
+            <a:ext cx="470647" cy="349624"/>
+          </a:xfrm>
+          <a:prstGeom prst="actionButtonHome">
+            <a:avLst/>
+          </a:prstGeom>
+        </p:spPr>
+        <p:style>
+          <a:lnRef idx="2">
+            <a:schemeClr val="accent1">
+              <a:shade val="15000"/>
+            </a:schemeClr>
+          </a:lnRef>
+          <a:fillRef idx="1">
+            <a:schemeClr val="accent1"/>
+          </a:fillRef>
+          <a:effectRef idx="0">
+            <a:schemeClr val="accent1"/>
+          </a:effectRef>
+          <a:fontRef idx="minor">
+            <a:schemeClr val="lt1"/>
+          </a:fontRef>
+        </p:style>
+        <p:txBody>
+          <a:bodyPr rtlCol="0" anchor="ctr"/>
+          <a:lstStyle/>
+          <a:p>
+            <a:pPr algn="ctr"/>
+            <a:endParaRPr lang="es-CO"/>
+          </a:p>
+        </p:txBody>
+      </p:sp>
+    </p:spTree>
+  </p:cSld>
+  <p:clrMapOvr>
+    <a:masterClrMapping/>
+  </p:clrMapOvr>
+</p:sld>
+</file>
+
+<file path=ppt/slides/slide25.xml><?xml version="1.0" encoding="utf-8"?>
+<p:sld xmlns:a="http://schemas.openxmlformats.org/drawingml/2006/main" xmlns:r="http://schemas.openxmlformats.org/officeDocument/2006/relationships" xmlns:p="http://schemas.openxmlformats.org/presentationml/2006/main">
+  <p:cSld>
+    <p:spTree>
+      <p:nvGrpSpPr>
+        <p:cNvPr id="1" name=""/>
+        <p:cNvGrpSpPr/>
+        <p:nvPr/>
+      </p:nvGrpSpPr>
+      <p:grpSpPr>
+        <a:xfrm>
+          <a:off x="0" y="0"/>
+          <a:ext cx="0" cy="0"/>
+          <a:chOff x="0" y="0"/>
+          <a:chExt cx="0" cy="0"/>
+        </a:xfrm>
+      </p:grpSpPr>
+      <p:sp>
+        <p:nvSpPr>
+          <p:cNvPr id="156" name="CuadroTexto 1"/>
+          <p:cNvSpPr/>
+          <p:nvPr/>
+        </p:nvSpPr>
+        <p:spPr>
+          <a:xfrm>
+            <a:off x="509400" y="555120"/>
+            <a:ext cx="2388240" cy="368280"/>
+          </a:xfrm>
+          <a:prstGeom prst="rect">
+            <a:avLst/>
+          </a:prstGeom>
+          <a:noFill/>
+          <a:ln w="0">
+            <a:noFill/>
+          </a:ln>
+        </p:spPr>
+        <p:style>
+          <a:lnRef idx="0">
+            <a:scrgbClr r="0" g="0" b="0"/>
+          </a:lnRef>
+          <a:fillRef idx="0">
+            <a:scrgbClr r="0" g="0" b="0"/>
+          </a:fillRef>
+          <a:effectRef idx="0">
+            <a:scrgbClr r="0" g="0" b="0"/>
+          </a:effectRef>
+          <a:fontRef idx="minor"/>
+        </p:style>
+      </p:sp>
+      <p:pic>
+        <p:nvPicPr>
+          <p:cNvPr id="158" name="Google Shape;82;p6"/>
+          <p:cNvPicPr/>
+          <p:nvPr/>
+        </p:nvPicPr>
+        <p:blipFill>
+          <a:blip r:embed="rId2"/>
+          <a:stretch/>
+        </p:blipFill>
+        <p:spPr>
+          <a:xfrm>
+            <a:off x="1231200" y="924480"/>
+            <a:ext cx="6654240" cy="4033440"/>
+          </a:xfrm>
+          <a:prstGeom prst="rect">
+            <a:avLst/>
+          </a:prstGeom>
+          <a:ln w="0">
+            <a:noFill/>
+          </a:ln>
+        </p:spPr>
+      </p:pic>
+      <p:sp>
+        <p:nvSpPr>
+          <p:cNvPr id="2" name="Título 1">
+            <a:extLst>
+              <a:ext uri="{FF2B5EF4-FFF2-40B4-BE49-F238E27FC236}">
+                <a16:creationId xmlns:a16="http://schemas.microsoft.com/office/drawing/2014/main" id="{89DA3B41-3659-8DBF-2E4B-CFB7BBC303AB}"/>
+              </a:ext>
+            </a:extLst>
+          </p:cNvPr>
+          <p:cNvSpPr>
+            <a:spLocks noGrp="1"/>
+          </p:cNvSpPr>
+          <p:nvPr>
+            <p:ph type="title" idx="4294967295"/>
+          </p:nvPr>
+        </p:nvSpPr>
+        <p:spPr>
+          <a:xfrm>
+            <a:off x="2876550" y="294390"/>
+            <a:ext cx="3390900" cy="520380"/>
+          </a:xfrm>
+        </p:spPr>
+        <p:txBody>
+          <a:bodyPr/>
+          <a:lstStyle/>
+          <a:p>
+            <a:pPr rtl="0" eaLnBrk="1" latinLnBrk="0" hangingPunct="1"/>
+            <a:r>
+              <a:rPr lang="es-ES" sz="3000" b="1" kern="1200" spc="-1" dirty="0">
+                <a:solidFill>
+                  <a:srgbClr val="404040"/>
+                </a:solidFill>
+                <a:effectLst/>
+                <a:latin typeface="Roboto" panose="02000000000000000000" pitchFamily="2" charset="0"/>
+                <a:ea typeface="Roboto" panose="02000000000000000000" pitchFamily="2" charset="0"/>
+                <a:cs typeface="DejaVu Sans"/>
+              </a:rPr>
+              <a:t>Mapa de Procesos</a:t>
+            </a:r>
+            <a:endParaRPr lang="es-CO" dirty="0">
+              <a:effectLst/>
+            </a:endParaRPr>
+          </a:p>
+        </p:txBody>
+      </p:sp>
+      <p:sp>
+        <p:nvSpPr>
+          <p:cNvPr id="3" name="Botón de acción: ir a inicio 2">
+            <a:hlinkClick r:id="rId3" action="ppaction://hlinksldjump"/>
+            <a:extLst>
+              <a:ext uri="{FF2B5EF4-FFF2-40B4-BE49-F238E27FC236}">
+                <a16:creationId xmlns:a16="http://schemas.microsoft.com/office/drawing/2014/main" id="{592E6A5C-C5EC-7CFB-5D14-C37CF8D8322F}"/>
+              </a:ext>
+            </a:extLst>
+          </p:cNvPr>
+          <p:cNvSpPr/>
+          <p:nvPr/>
+        </p:nvSpPr>
+        <p:spPr>
+          <a:xfrm>
+            <a:off x="8377518" y="4639235"/>
+            <a:ext cx="470647" cy="349624"/>
+          </a:xfrm>
+          <a:prstGeom prst="actionButtonHome">
+            <a:avLst/>
+          </a:prstGeom>
+        </p:spPr>
+        <p:style>
+          <a:lnRef idx="2">
+            <a:schemeClr val="accent1">
+              <a:shade val="15000"/>
+            </a:schemeClr>
+          </a:lnRef>
+          <a:fillRef idx="1">
+            <a:schemeClr val="accent1"/>
+          </a:fillRef>
+          <a:effectRef idx="0">
+            <a:schemeClr val="accent1"/>
+          </a:effectRef>
+          <a:fontRef idx="minor">
+            <a:schemeClr val="lt1"/>
+          </a:fontRef>
+        </p:style>
+        <p:txBody>
+          <a:bodyPr rtlCol="0" anchor="ctr"/>
+          <a:lstStyle/>
+          <a:p>
+            <a:pPr algn="ctr"/>
+            <a:endParaRPr lang="es-CO"/>
+          </a:p>
+        </p:txBody>
+      </p:sp>
+    </p:spTree>
+  </p:cSld>
+  <p:clrMapOvr>
+    <a:masterClrMapping/>
+  </p:clrMapOvr>
+</p:sld>
+</file>
+
+<file path=ppt/slides/slide26.xml><?xml version="1.0" encoding="utf-8"?>
+<p:sld xmlns:a="http://schemas.openxmlformats.org/drawingml/2006/main" xmlns:r="http://schemas.openxmlformats.org/officeDocument/2006/relationships" xmlns:p="http://schemas.openxmlformats.org/presentationml/2006/main">
+  <p:cSld>
+    <p:spTree>
+      <p:nvGrpSpPr>
+        <p:cNvPr id="1" name=""/>
+        <p:cNvGrpSpPr/>
+        <p:nvPr/>
+      </p:nvGrpSpPr>
+      <p:grpSpPr>
+        <a:xfrm>
+          <a:off x="0" y="0"/>
+          <a:ext cx="0" cy="0"/>
+          <a:chOff x="0" y="0"/>
+          <a:chExt cx="0" cy="0"/>
+        </a:xfrm>
+      </p:grpSpPr>
+      <p:sp>
+        <p:nvSpPr>
+          <p:cNvPr id="2" name="Botón de acción: ir a inicio 1">
+            <a:hlinkClick r:id="rId2" action="ppaction://hlinksldjump"/>
+            <a:extLst>
+              <a:ext uri="{FF2B5EF4-FFF2-40B4-BE49-F238E27FC236}">
+                <a16:creationId xmlns:a16="http://schemas.microsoft.com/office/drawing/2014/main" id="{6F25CF80-89C0-DEE4-B249-360D7D9F3E75}"/>
+              </a:ext>
+            </a:extLst>
+          </p:cNvPr>
+          <p:cNvSpPr/>
+          <p:nvPr/>
+        </p:nvSpPr>
+        <p:spPr>
+          <a:xfrm>
+            <a:off x="8377518" y="4639235"/>
+            <a:ext cx="470647" cy="349624"/>
+          </a:xfrm>
+          <a:prstGeom prst="actionButtonHome">
+            <a:avLst/>
+          </a:prstGeom>
+        </p:spPr>
+        <p:style>
+          <a:lnRef idx="2">
+            <a:schemeClr val="accent1">
+              <a:shade val="15000"/>
+            </a:schemeClr>
+          </a:lnRef>
+          <a:fillRef idx="1">
+            <a:schemeClr val="accent1"/>
+          </a:fillRef>
+          <a:effectRef idx="0">
+            <a:schemeClr val="accent1"/>
+          </a:effectRef>
+          <a:fontRef idx="minor">
+            <a:schemeClr val="lt1"/>
+          </a:fontRef>
+        </p:style>
+        <p:txBody>
+          <a:bodyPr rtlCol="0" anchor="ctr"/>
+          <a:lstStyle/>
+          <a:p>
+            <a:pPr algn="ctr"/>
+            <a:endParaRPr lang="es-CO"/>
           </a:p>
         </p:txBody>
       </p:sp>
@@ -7101,329 +11458,161 @@
       </p:grpSpPr>
       <p:sp>
         <p:nvSpPr>
-          <p:cNvPr id="124" name="CuadroTexto 1"/>
-          <p:cNvSpPr/>
-          <p:nvPr/>
-        </p:nvSpPr>
-        <p:spPr>
-          <a:xfrm>
-            <a:off x="509400" y="555120"/>
-            <a:ext cx="2388240" cy="368280"/>
-          </a:xfrm>
-          <a:prstGeom prst="rect">
-            <a:avLst/>
-          </a:prstGeom>
-          <a:noFill/>
-          <a:ln w="0">
-            <a:noFill/>
-          </a:ln>
-        </p:spPr>
-        <p:style>
-          <a:lnRef idx="0">
-            <a:scrgbClr r="0" g="0" b="0"/>
-          </a:lnRef>
-          <a:fillRef idx="0">
-            <a:scrgbClr r="0" g="0" b="0"/>
-          </a:fillRef>
-          <a:effectRef idx="0">
-            <a:scrgbClr r="0" g="0" b="0"/>
-          </a:effectRef>
-          <a:fontRef idx="minor"/>
-        </p:style>
-      </p:sp>
-      <p:sp>
-        <p:nvSpPr>
-          <p:cNvPr id="125" name="CuadroTexto 3"/>
-          <p:cNvSpPr/>
-          <p:nvPr/>
-        </p:nvSpPr>
-        <p:spPr>
-          <a:xfrm>
-            <a:off x="0" y="887011"/>
-            <a:ext cx="6659280" cy="552544"/>
-          </a:xfrm>
-          <a:prstGeom prst="rect">
-            <a:avLst/>
-          </a:prstGeom>
-          <a:noFill/>
-          <a:ln w="0">
-            <a:noFill/>
-          </a:ln>
-        </p:spPr>
-        <p:style>
-          <a:lnRef idx="0">
-            <a:scrgbClr r="0" g="0" b="0"/>
-          </a:lnRef>
-          <a:fillRef idx="0">
-            <a:scrgbClr r="0" g="0" b="0"/>
-          </a:fillRef>
-          <a:effectRef idx="0">
-            <a:scrgbClr r="0" g="0" b="0"/>
-          </a:effectRef>
-          <a:fontRef idx="minor"/>
-        </p:style>
-        <p:txBody>
-          <a:bodyPr lIns="90000" tIns="45000" rIns="90000" bIns="45000" anchor="t">
-            <a:spAutoFit/>
-          </a:bodyPr>
-          <a:lstStyle/>
-          <a:p>
-            <a:pPr marL="457200">
-              <a:lnSpc>
-                <a:spcPct val="100000"/>
-              </a:lnSpc>
-              <a:buNone/>
-            </a:pPr>
-            <a:r>
-              <a:rPr lang="es-ES" sz="3000" b="1" strike="noStrike" spc="-1" dirty="0">
+          <p:cNvPr id="2" name="Title 1">
+            <a:extLst>
+              <a:ext uri="{FF2B5EF4-FFF2-40B4-BE49-F238E27FC236}">
+                <a16:creationId xmlns:a16="http://schemas.microsoft.com/office/drawing/2014/main" id="{C2515E7E-5613-C3F8-2A28-4E1A8ED107E7}"/>
+              </a:ext>
+            </a:extLst>
+          </p:cNvPr>
+          <p:cNvSpPr>
+            <a:spLocks noGrp="1"/>
+          </p:cNvSpPr>
+          <p:nvPr>
+            <p:ph type="title"/>
+          </p:nvPr>
+        </p:nvSpPr>
+        <p:spPr>
+          <a:xfrm>
+            <a:off x="3398741" y="674332"/>
+            <a:ext cx="2346514" cy="858600"/>
+          </a:xfrm>
+        </p:spPr>
+        <p:txBody>
+          <a:bodyPr/>
+          <a:lstStyle/>
+          <a:p>
+            <a:r>
+              <a:rPr lang="es-419" sz="3000" b="1" spc="-1" dirty="0">
                 <a:solidFill>
                   <a:srgbClr val="404040"/>
                 </a:solidFill>
                 <a:latin typeface="Roboto"/>
                 <a:ea typeface="Roboto"/>
+                <a:cs typeface="+mn-cs"/>
               </a:rPr>
-              <a:t>Objetivos Específicos</a:t>
-            </a:r>
-            <a:endParaRPr lang="es-MX" sz="3000" b="0" strike="noStrike" spc="-1" dirty="0">
-              <a:latin typeface="Arial"/>
+              <a:t>Introducción</a:t>
+            </a:r>
+            <a:endParaRPr lang="en-US" sz="3000" b="1" spc="-1" dirty="0">
+              <a:solidFill>
+                <a:srgbClr val="404040"/>
+              </a:solidFill>
+              <a:latin typeface="Roboto"/>
+              <a:ea typeface="Roboto"/>
+              <a:cs typeface="+mn-cs"/>
             </a:endParaRPr>
           </a:p>
         </p:txBody>
       </p:sp>
       <p:sp>
         <p:nvSpPr>
-          <p:cNvPr id="126" name="Rectángulo 5"/>
-          <p:cNvSpPr/>
-          <p:nvPr/>
-        </p:nvSpPr>
-        <p:spPr>
-          <a:xfrm>
-            <a:off x="324000" y="1409760"/>
-            <a:ext cx="3818520" cy="713520"/>
-          </a:xfrm>
-          <a:prstGeom prst="rect">
-            <a:avLst/>
-          </a:prstGeom>
-          <a:noFill/>
-          <a:ln w="0">
-            <a:noFill/>
-          </a:ln>
-        </p:spPr>
-        <p:style>
-          <a:lnRef idx="0">
-            <a:scrgbClr r="0" g="0" b="0"/>
-          </a:lnRef>
-          <a:fillRef idx="0">
-            <a:scrgbClr r="0" g="0" b="0"/>
-          </a:fillRef>
-          <a:effectRef idx="0">
-            <a:scrgbClr r="0" g="0" b="0"/>
-          </a:effectRef>
-          <a:fontRef idx="minor"/>
-        </p:style>
-      </p:sp>
-      <p:sp>
-        <p:nvSpPr>
-          <p:cNvPr id="127" name="Rectángulo 7"/>
-          <p:cNvSpPr/>
-          <p:nvPr/>
-        </p:nvSpPr>
-        <p:spPr>
-          <a:xfrm>
-            <a:off x="4381560" y="1409760"/>
-            <a:ext cx="4570920" cy="1155960"/>
-          </a:xfrm>
-          <a:prstGeom prst="rect">
-            <a:avLst/>
-          </a:prstGeom>
-          <a:noFill/>
-          <a:ln w="0">
-            <a:noFill/>
-          </a:ln>
-        </p:spPr>
-        <p:style>
-          <a:lnRef idx="0">
-            <a:scrgbClr r="0" g="0" b="0"/>
-          </a:lnRef>
-          <a:fillRef idx="0">
-            <a:scrgbClr r="0" g="0" b="0"/>
-          </a:fillRef>
-          <a:effectRef idx="0">
-            <a:scrgbClr r="0" g="0" b="0"/>
-          </a:effectRef>
-          <a:fontRef idx="minor"/>
-        </p:style>
-      </p:sp>
-      <p:sp>
-        <p:nvSpPr>
-          <p:cNvPr id="128" name="Rectángulo 8"/>
-          <p:cNvSpPr/>
-          <p:nvPr/>
-        </p:nvSpPr>
-        <p:spPr>
-          <a:xfrm>
-            <a:off x="4381560" y="2847240"/>
-            <a:ext cx="4570920" cy="1353240"/>
-          </a:xfrm>
-          <a:prstGeom prst="rect">
-            <a:avLst/>
-          </a:prstGeom>
-          <a:noFill/>
-          <a:ln w="0">
-            <a:noFill/>
-          </a:ln>
-        </p:spPr>
-        <p:style>
-          <a:lnRef idx="0">
-            <a:scrgbClr r="0" g="0" b="0"/>
-          </a:lnRef>
-          <a:fillRef idx="0">
-            <a:scrgbClr r="0" g="0" b="0"/>
-          </a:fillRef>
-          <a:effectRef idx="0">
-            <a:scrgbClr r="0" g="0" b="0"/>
-          </a:effectRef>
-          <a:fontRef idx="minor"/>
-        </p:style>
-      </p:sp>
-      <p:sp>
-        <p:nvSpPr>
-          <p:cNvPr id="129" name="Rectángulo 128"/>
-          <p:cNvSpPr/>
-          <p:nvPr/>
-        </p:nvSpPr>
-        <p:spPr>
-          <a:xfrm>
-            <a:off x="-258384" y="1551240"/>
-            <a:ext cx="6312047" cy="2649240"/>
-          </a:xfrm>
-          <a:prstGeom prst="rect">
-            <a:avLst/>
-          </a:prstGeom>
-          <a:noFill/>
-          <a:ln w="0">
-            <a:noFill/>
-          </a:ln>
-        </p:spPr>
-        <p:style>
-          <a:lnRef idx="0">
-            <a:scrgbClr r="0" g="0" b="0"/>
-          </a:lnRef>
-          <a:fillRef idx="0">
-            <a:scrgbClr r="0" g="0" b="0"/>
-          </a:fillRef>
-          <a:effectRef idx="0">
-            <a:scrgbClr r="0" g="0" b="0"/>
-          </a:effectRef>
-          <a:fontRef idx="minor"/>
-        </p:style>
-        <p:txBody>
-          <a:bodyPr lIns="90000" tIns="45000" rIns="90000" bIns="45000" anchor="t">
-            <a:noAutofit/>
-          </a:bodyPr>
-          <a:lstStyle/>
-          <a:p>
-            <a:pPr marL="996840" indent="-228600">
+          <p:cNvPr id="3" name="Subtitle 2">
+            <a:extLst>
+              <a:ext uri="{FF2B5EF4-FFF2-40B4-BE49-F238E27FC236}">
+                <a16:creationId xmlns:a16="http://schemas.microsoft.com/office/drawing/2014/main" id="{2251C363-3B0D-6EF5-0B43-6420C30145A0}"/>
+              </a:ext>
+            </a:extLst>
+          </p:cNvPr>
+          <p:cNvSpPr>
+            <a:spLocks noGrp="1"/>
+          </p:cNvSpPr>
+          <p:nvPr>
+            <p:ph type="subTitle"/>
+          </p:nvPr>
+        </p:nvSpPr>
+        <p:spPr>
+          <a:xfrm>
+            <a:off x="635372" y="1203480"/>
+            <a:ext cx="7873253" cy="2982960"/>
+          </a:xfrm>
+        </p:spPr>
+        <p:txBody>
+          <a:bodyPr/>
+          <a:lstStyle/>
+          <a:p>
+            <a:pPr algn="just">
               <a:lnSpc>
                 <a:spcPct val="100000"/>
               </a:lnSpc>
-              <a:buClr>
-                <a:srgbClr val="000000"/>
-              </a:buClr>
-              <a:buSzPct val="45000"/>
-              <a:buFont typeface="Wingdings" charset="2"/>
-              <a:buChar char=""/>
+              <a:spcBef>
+                <a:spcPts val="1000"/>
+              </a:spcBef>
             </a:pPr>
             <a:r>
-              <a:rPr lang="es-MX" sz="1800" b="0" strike="noStrike" spc="-1" dirty="0">
+              <a:rPr lang="es-ES" sz="1800" spc="-1" dirty="0">
                 <a:solidFill>
                   <a:srgbClr val="000000"/>
                 </a:solidFill>
-                <a:latin typeface="Arial"/>
-                <a:ea typeface="DejaVu Sans"/>
+                <a:latin typeface="Roboto"/>
+                <a:ea typeface="+mn-ea"/>
+                <a:cs typeface="+mn-cs"/>
               </a:rPr>
-              <a:t>Registrar datos  del vehículo en la entrada y salida del patio taller consorcio masivo capital</a:t>
-            </a:r>
-            <a:endParaRPr lang="es-MX" sz="1800" b="0" strike="noStrike" spc="-1" dirty="0">
-              <a:latin typeface="Arial"/>
+              <a:t>Nuestro objetivo es optimizar los procesos de entrada, estadía y salida de vehículos, normalizando su gestión y mejorando la eficiencia operativa. Con nuestra plataforma web, se podrán registrar y actualizar en tiempo real los movimientos de vehículos, asignar recursos y generar informes detallados. Nuestro enfoque es ofrecer soluciones tecnológicas avanzadas que mejoren la calidad del servicio y la toma de decisiones estratégicas.</a:t>
+            </a:r>
+            <a:endParaRPr lang="en-US" sz="1800" spc="-1" dirty="0">
+              <a:solidFill>
+                <a:srgbClr val="000000"/>
+              </a:solidFill>
+              <a:latin typeface="Roboto"/>
+              <a:ea typeface="+mn-ea"/>
+              <a:cs typeface="+mn-cs"/>
             </a:endParaRPr>
           </a:p>
-          <a:p>
-            <a:pPr marL="768240">
-              <a:lnSpc>
-                <a:spcPct val="100000"/>
-              </a:lnSpc>
-              <a:buClr>
-                <a:srgbClr val="000000"/>
-              </a:buClr>
-              <a:buSzPct val="45000"/>
-            </a:pPr>
-            <a:endParaRPr lang="es-MX" sz="1800" b="0" strike="noStrike" spc="-1" dirty="0">
-              <a:latin typeface="Arial"/>
-            </a:endParaRPr>
-          </a:p>
-          <a:p>
-            <a:pPr marL="996840" indent="-228600">
-              <a:lnSpc>
-                <a:spcPct val="100000"/>
-              </a:lnSpc>
-              <a:buClr>
-                <a:srgbClr val="000000"/>
-              </a:buClr>
-              <a:buSzPct val="45000"/>
-              <a:buFont typeface="Wingdings" charset="2"/>
-              <a:buChar char=""/>
-            </a:pPr>
-            <a:r>
-              <a:rPr lang="es-MX" sz="1800" b="0" strike="noStrike" spc="-1" dirty="0">
-                <a:solidFill>
-                  <a:srgbClr val="000000"/>
-                </a:solidFill>
-                <a:latin typeface="Arial"/>
-                <a:ea typeface="DejaVu Sans"/>
-              </a:rPr>
-              <a:t>establecer seguimiento y control de los alimentadores que hacen uso de los servicios de mantenimiento en el patio taller </a:t>
-            </a:r>
-            <a:endParaRPr lang="es-MX" sz="1800" b="0" strike="noStrike" spc="-1" dirty="0">
-              <a:latin typeface="Arial"/>
-            </a:endParaRPr>
-          </a:p>
-          <a:p>
-            <a:pPr>
-              <a:lnSpc>
-                <a:spcPct val="100000"/>
-              </a:lnSpc>
-              <a:buNone/>
-            </a:pPr>
-            <a:endParaRPr lang="es-MX" sz="1800" b="0" strike="noStrike" spc="-1" dirty="0">
-              <a:latin typeface="Arial"/>
-            </a:endParaRPr>
-          </a:p>
-          <a:p>
-            <a:pPr>
-              <a:lnSpc>
-                <a:spcPct val="100000"/>
-              </a:lnSpc>
-              <a:buNone/>
-            </a:pPr>
-            <a:endParaRPr lang="es-MX" sz="1800" b="0" strike="noStrike" spc="-1" dirty="0">
-              <a:latin typeface="Arial"/>
-            </a:endParaRPr>
-          </a:p>
-          <a:p>
-            <a:pPr>
-              <a:lnSpc>
-                <a:spcPct val="100000"/>
-              </a:lnSpc>
-              <a:buNone/>
-            </a:pPr>
-            <a:endParaRPr lang="es-MX" sz="1800" b="0" strike="noStrike" spc="-1" dirty="0">
-              <a:latin typeface="Arial"/>
-            </a:endParaRPr>
+        </p:txBody>
+      </p:sp>
+      <p:sp>
+        <p:nvSpPr>
+          <p:cNvPr id="4" name="Botón de acción: ir a inicio 3">
+            <a:hlinkClick r:id="rId2" action="ppaction://hlinksldjump"/>
+            <a:extLst>
+              <a:ext uri="{FF2B5EF4-FFF2-40B4-BE49-F238E27FC236}">
+                <a16:creationId xmlns:a16="http://schemas.microsoft.com/office/drawing/2014/main" id="{BBEFA0CF-DCB3-6945-CAE6-75BAFFA94029}"/>
+              </a:ext>
+            </a:extLst>
+          </p:cNvPr>
+          <p:cNvSpPr/>
+          <p:nvPr/>
+        </p:nvSpPr>
+        <p:spPr>
+          <a:xfrm>
+            <a:off x="8377518" y="4639235"/>
+            <a:ext cx="470647" cy="349624"/>
+          </a:xfrm>
+          <a:prstGeom prst="actionButtonHome">
+            <a:avLst/>
+          </a:prstGeom>
+        </p:spPr>
+        <p:style>
+          <a:lnRef idx="2">
+            <a:schemeClr val="accent1">
+              <a:shade val="15000"/>
+            </a:schemeClr>
+          </a:lnRef>
+          <a:fillRef idx="1">
+            <a:schemeClr val="accent1"/>
+          </a:fillRef>
+          <a:effectRef idx="0">
+            <a:schemeClr val="accent1"/>
+          </a:effectRef>
+          <a:fontRef idx="minor">
+            <a:schemeClr val="lt1"/>
+          </a:fontRef>
+        </p:style>
+        <p:txBody>
+          <a:bodyPr rtlCol="0" anchor="ctr"/>
+          <a:lstStyle/>
+          <a:p>
+            <a:pPr algn="ctr"/>
+            <a:endParaRPr lang="es-CO"/>
           </a:p>
         </p:txBody>
       </p:sp>
     </p:spTree>
+    <p:extLst>
+      <p:ext uri="{BB962C8B-B14F-4D97-AF65-F5344CB8AC3E}">
+        <p14:creationId xmlns:p14="http://schemas.microsoft.com/office/powerpoint/2010/main" val="2686530026"/>
+      </p:ext>
+    </p:extLst>
   </p:cSld>
   <p:clrMapOvr>
     <a:masterClrMapping/>
@@ -7450,204 +11639,463 @@
       </p:grpSpPr>
       <p:sp>
         <p:nvSpPr>
-          <p:cNvPr id="130" name="CuadroTexto 1"/>
+          <p:cNvPr id="2" name="Title 1">
+            <a:extLst>
+              <a:ext uri="{FF2B5EF4-FFF2-40B4-BE49-F238E27FC236}">
+                <a16:creationId xmlns:a16="http://schemas.microsoft.com/office/drawing/2014/main" id="{74E302C9-643D-3B90-A81D-D8C26795B005}"/>
+              </a:ext>
+            </a:extLst>
+          </p:cNvPr>
+          <p:cNvSpPr>
+            <a:spLocks noGrp="1"/>
+          </p:cNvSpPr>
+          <p:nvPr>
+            <p:ph type="title"/>
+          </p:nvPr>
+        </p:nvSpPr>
+        <p:spPr>
+          <a:xfrm>
+            <a:off x="457200" y="205200"/>
+            <a:ext cx="2729753" cy="843852"/>
+          </a:xfrm>
+        </p:spPr>
+        <p:txBody>
+          <a:bodyPr/>
+          <a:lstStyle/>
+          <a:p>
+            <a:r>
+              <a:rPr lang="es-419" dirty="0" err="1"/>
+              <a:t>Entry_MC</a:t>
+            </a:r>
+            <a:endParaRPr lang="en-US" dirty="0"/>
+          </a:p>
+        </p:txBody>
+      </p:sp>
+      <p:pic>
+        <p:nvPicPr>
+          <p:cNvPr id="4" name="Picture 2" descr="Logo EntryMC">
+            <a:extLst>
+              <a:ext uri="{FF2B5EF4-FFF2-40B4-BE49-F238E27FC236}">
+                <a16:creationId xmlns:a16="http://schemas.microsoft.com/office/drawing/2014/main" id="{153B9791-EC3A-F0F3-5131-3A9F2C037553}"/>
+              </a:ext>
+            </a:extLst>
+          </p:cNvPr>
+          <p:cNvPicPr>
+            <a:picLocks noChangeAspect="1" noChangeArrowheads="1"/>
+          </p:cNvPicPr>
+          <p:nvPr/>
+        </p:nvPicPr>
+        <p:blipFill>
+          <a:blip r:embed="rId3">
+            <a:extLst>
+              <a:ext uri="{28A0092B-C50C-407E-A947-70E740481C1C}">
+                <a14:useLocalDpi xmlns:a14="http://schemas.microsoft.com/office/drawing/2010/main" val="0"/>
+              </a:ext>
+            </a:extLst>
+          </a:blip>
+          <a:srcRect/>
+          <a:stretch>
+            <a:fillRect/>
+          </a:stretch>
+        </p:blipFill>
+        <p:spPr bwMode="auto">
+          <a:xfrm>
+            <a:off x="411739" y="1218441"/>
+            <a:ext cx="1720324" cy="879698"/>
+          </a:xfrm>
+          <a:prstGeom prst="rect">
+            <a:avLst/>
+          </a:prstGeom>
+          <a:noFill/>
+          <a:extLst>
+            <a:ext uri="{909E8E84-426E-40DD-AFC4-6F175D3DCCD1}">
+              <a14:hiddenFill xmlns:a14="http://schemas.microsoft.com/office/drawing/2010/main">
+                <a:solidFill>
+                  <a:srgbClr val="FFFFFF"/>
+                </a:solidFill>
+              </a14:hiddenFill>
+            </a:ext>
+          </a:extLst>
+        </p:spPr>
+      </p:pic>
+      <p:pic>
+        <p:nvPicPr>
+          <p:cNvPr id="5" name="Picture 4" descr="Genera tu certificado laboral o tu desprendible de nómina">
+            <a:extLst>
+              <a:ext uri="{FF2B5EF4-FFF2-40B4-BE49-F238E27FC236}">
+                <a16:creationId xmlns:a16="http://schemas.microsoft.com/office/drawing/2014/main" id="{D5814235-EF75-22FE-2B31-00AD62A0196B}"/>
+              </a:ext>
+            </a:extLst>
+          </p:cNvPr>
+          <p:cNvPicPr>
+            <a:picLocks noChangeAspect="1" noChangeArrowheads="1"/>
+          </p:cNvPicPr>
+          <p:nvPr/>
+        </p:nvPicPr>
+        <p:blipFill>
+          <a:blip r:embed="rId4">
+            <a:extLst>
+              <a:ext uri="{28A0092B-C50C-407E-A947-70E740481C1C}">
+                <a14:useLocalDpi xmlns:a14="http://schemas.microsoft.com/office/drawing/2010/main" val="0"/>
+              </a:ext>
+            </a:extLst>
+          </a:blip>
+          <a:srcRect/>
+          <a:stretch>
+            <a:fillRect/>
+          </a:stretch>
+        </p:blipFill>
+        <p:spPr bwMode="auto">
+          <a:xfrm>
+            <a:off x="573808" y="2520308"/>
+            <a:ext cx="1396186" cy="947089"/>
+          </a:xfrm>
+          <a:prstGeom prst="rect">
+            <a:avLst/>
+          </a:prstGeom>
+          <a:noFill/>
+          <a:extLst>
+            <a:ext uri="{909E8E84-426E-40DD-AFC4-6F175D3DCCD1}">
+              <a14:hiddenFill xmlns:a14="http://schemas.microsoft.com/office/drawing/2010/main">
+                <a:solidFill>
+                  <a:srgbClr val="FFFFFF"/>
+                </a:solidFill>
+              </a14:hiddenFill>
+            </a:ext>
+          </a:extLst>
+        </p:spPr>
+      </p:pic>
+      <p:sp>
+        <p:nvSpPr>
+          <p:cNvPr id="7" name="Rectángulo 6">
+            <a:extLst>
+              <a:ext uri="{FF2B5EF4-FFF2-40B4-BE49-F238E27FC236}">
+                <a16:creationId xmlns:a16="http://schemas.microsoft.com/office/drawing/2014/main" id="{89779844-A520-AC40-EEE7-C338D4DD8BD4}"/>
+              </a:ext>
+            </a:extLst>
+          </p:cNvPr>
           <p:cNvSpPr/>
           <p:nvPr/>
         </p:nvSpPr>
         <p:spPr>
           <a:xfrm>
-            <a:off x="509400" y="555120"/>
-            <a:ext cx="2388240" cy="368280"/>
-          </a:xfrm>
-          <a:prstGeom prst="rect">
-            <a:avLst/>
-          </a:prstGeom>
-          <a:noFill/>
-          <a:ln w="0">
-            <a:noFill/>
-          </a:ln>
+            <a:off x="2447365" y="1080270"/>
+            <a:ext cx="6169892" cy="2982960"/>
+          </a:xfrm>
+          <a:prstGeom prst="rect">
+            <a:avLst/>
+          </a:prstGeom>
+          <a:solidFill>
+            <a:schemeClr val="bg1"/>
+          </a:solidFill>
         </p:spPr>
         <p:style>
-          <a:lnRef idx="0">
-            <a:scrgbClr r="0" g="0" b="0"/>
+          <a:lnRef idx="2">
+            <a:schemeClr val="accent1">
+              <a:shade val="15000"/>
+            </a:schemeClr>
           </a:lnRef>
-          <a:fillRef idx="0">
-            <a:scrgbClr r="0" g="0" b="0"/>
+          <a:fillRef idx="1">
+            <a:schemeClr val="accent1"/>
           </a:fillRef>
           <a:effectRef idx="0">
-            <a:scrgbClr r="0" g="0" b="0"/>
+            <a:schemeClr val="accent1"/>
           </a:effectRef>
-          <a:fontRef idx="minor"/>
+          <a:fontRef idx="minor">
+            <a:schemeClr val="lt1"/>
+          </a:fontRef>
         </p:style>
-      </p:sp>
-      <p:sp>
-        <p:nvSpPr>
-          <p:cNvPr id="131" name="CuadroTexto 3"/>
-          <p:cNvSpPr/>
-          <p:nvPr/>
-        </p:nvSpPr>
-        <p:spPr>
-          <a:xfrm>
-            <a:off x="0" y="370856"/>
-            <a:ext cx="6480502" cy="552544"/>
-          </a:xfrm>
-          <a:prstGeom prst="rect">
-            <a:avLst/>
-          </a:prstGeom>
-          <a:noFill/>
-          <a:ln w="0">
-            <a:noFill/>
-          </a:ln>
-        </p:spPr>
-        <p:style>
-          <a:lnRef idx="0">
-            <a:scrgbClr r="0" g="0" b="0"/>
-          </a:lnRef>
-          <a:fillRef idx="0">
-            <a:scrgbClr r="0" g="0" b="0"/>
-          </a:fillRef>
-          <a:effectRef idx="0">
-            <a:scrgbClr r="0" g="0" b="0"/>
-          </a:effectRef>
-          <a:fontRef idx="minor"/>
-        </p:style>
-        <p:txBody>
-          <a:bodyPr wrap="square" lIns="90000" tIns="45000" rIns="90000" bIns="45000" anchor="t">
-            <a:spAutoFit/>
-          </a:bodyPr>
-          <a:lstStyle/>
-          <a:p>
-            <a:pPr marL="457200">
-              <a:lnSpc>
-                <a:spcPct val="100000"/>
-              </a:lnSpc>
-              <a:buNone/>
-            </a:pPr>
-            <a:r>
-              <a:rPr lang="es-ES" sz="3000" b="1" strike="noStrike" spc="-1" dirty="0">
+        <p:txBody>
+          <a:bodyPr rtlCol="0" anchor="ctr"/>
+          <a:lstStyle/>
+          <a:p>
+            <a:r>
+              <a:rPr lang="es-CO" dirty="0">
                 <a:solidFill>
-                  <a:srgbClr val="404040"/>
-                </a:solidFill>
-                <a:latin typeface="Roboto"/>
-                <a:ea typeface="Roboto"/>
-              </a:rPr>
-              <a:t>Planteamiento del problema</a:t>
-            </a:r>
-            <a:endParaRPr lang="es-MX" sz="3000" b="0" strike="noStrike" spc="-1" dirty="0">
-              <a:latin typeface="Arial"/>
-            </a:endParaRPr>
-          </a:p>
-        </p:txBody>
-      </p:sp>
-      <p:sp>
-        <p:nvSpPr>
-          <p:cNvPr id="132" name="CuadroTexto 4"/>
-          <p:cNvSpPr/>
-          <p:nvPr/>
-        </p:nvSpPr>
-        <p:spPr>
-          <a:xfrm>
-            <a:off x="-533888" y="896515"/>
-            <a:ext cx="7739280" cy="3691865"/>
-          </a:xfrm>
-          <a:prstGeom prst="rect">
-            <a:avLst/>
-          </a:prstGeom>
-          <a:noFill/>
-          <a:ln w="0">
-            <a:noFill/>
-          </a:ln>
-        </p:spPr>
-        <p:style>
-          <a:lnRef idx="0">
-            <a:scrgbClr r="0" g="0" b="0"/>
-          </a:lnRef>
-          <a:fillRef idx="0">
-            <a:scrgbClr r="0" g="0" b="0"/>
-          </a:fillRef>
-          <a:effectRef idx="0">
-            <a:scrgbClr r="0" g="0" b="0"/>
-          </a:effectRef>
-          <a:fontRef idx="minor"/>
-        </p:style>
-        <p:txBody>
-          <a:bodyPr lIns="90000" tIns="45000" rIns="90000" bIns="45000" anchor="t">
-            <a:spAutoFit/>
-          </a:bodyPr>
-          <a:lstStyle/>
-          <a:p>
-            <a:pPr marL="996840" indent="-228600" algn="just">
-              <a:lnSpc>
-                <a:spcPct val="100000"/>
-              </a:lnSpc>
-              <a:buNone/>
-              <a:tabLst>
-                <a:tab pos="0" algn="l"/>
-              </a:tabLst>
-            </a:pPr>
-            <a:r>
-              <a:rPr lang="es-MX" sz="1800" b="1" strike="noStrike" spc="-1" dirty="0">
-                <a:solidFill>
-                  <a:srgbClr val="000000"/>
-                </a:solidFill>
-                <a:latin typeface="Arial"/>
-                <a:ea typeface="DejaVu Sans"/>
-              </a:rPr>
-              <a:t>	</a:t>
-            </a:r>
-            <a:r>
-              <a:rPr lang="es-MX" sz="1800" strike="noStrike" spc="-1" dirty="0">
-                <a:solidFill>
-                  <a:srgbClr val="000000"/>
-                </a:solidFill>
-                <a:latin typeface="Roboto"/>
-                <a:ea typeface="DejaVu Sans"/>
-              </a:rPr>
-              <a:t>Determinar la relación existente entre la hora de despacho de la ruta alimentadora 9-6 av. Villavicencio con los accidentes de transito para evidenciar que pese a que esta ruta alimentadora es la que menos realizó servicios para el 2021 existe una relación perfecta entre el nivel de trafico y la salida de esta ruta alimentadora.</a:t>
-            </a:r>
-          </a:p>
-          <a:p>
-            <a:pPr marL="996840" indent="-228600" algn="just">
-              <a:tabLst>
-                <a:tab pos="0" algn="l"/>
-              </a:tabLst>
-            </a:pPr>
-            <a:r>
-              <a:rPr lang="es-MX" spc="-1" dirty="0">
-                <a:solidFill>
-                  <a:srgbClr val="000000"/>
-                </a:solidFill>
-                <a:latin typeface="Roboto"/>
-              </a:rPr>
-              <a:t>	</a:t>
-            </a:r>
-            <a:r>
-              <a:rPr lang="es-MX" spc="-1" dirty="0">
-                <a:solidFill>
-                  <a:srgbClr val="000000"/>
+                  <a:schemeClr val="tx1"/>
                 </a:solidFill>
               </a:rPr>
-              <a:t>No obstante, al funcionar por concesionarios la operabilidad logística depende de cada prestador del servicio, esta situación ocasiona que se generen sistemas de control no normalizados  generando inconvenientes  de trafico al rededor del patio taller generando retrasos en alguna rutas alimentadoras en este caso la el servicio alimentador  ruta 9-6.</a:t>
-            </a:r>
-            <a:endParaRPr lang="es-MX" spc="-1" dirty="0"/>
-          </a:p>
-          <a:p>
-            <a:pPr marL="996840" indent="-228600" algn="just">
-              <a:lnSpc>
-                <a:spcPct val="100000"/>
-              </a:lnSpc>
-              <a:buNone/>
-              <a:tabLst>
-                <a:tab pos="0" algn="l"/>
-              </a:tabLst>
-            </a:pPr>
-            <a:endParaRPr lang="es-MX" sz="1800" strike="noStrike" spc="-1" dirty="0">
-              <a:latin typeface="Roboto"/>
-            </a:endParaRPr>
+              <a:t>03. </a:t>
+            </a:r>
+            <a:r>
+              <a:rPr lang="es-CO" dirty="0">
+                <a:solidFill>
+                  <a:schemeClr val="tx1"/>
+                </a:solidFill>
+                <a:hlinkClick r:id="rId5" action="ppaction://hlinksldjump"/>
+              </a:rPr>
+              <a:t>Introducción 03</a:t>
+            </a:r>
+            <a:r>
+              <a:rPr lang="es-CO" u="dash" dirty="0">
+                <a:solidFill>
+                  <a:schemeClr val="tx1"/>
+                </a:solidFill>
+              </a:rPr>
+              <a:t>				</a:t>
+            </a:r>
+            <a:r>
+              <a:rPr lang="es-CO" dirty="0">
+                <a:solidFill>
+                  <a:schemeClr val="tx1"/>
+                </a:solidFill>
+              </a:rPr>
+              <a:t>03</a:t>
+            </a:r>
+          </a:p>
+          <a:p>
+            <a:r>
+              <a:rPr lang="es-CO" dirty="0">
+                <a:solidFill>
+                  <a:schemeClr val="tx1"/>
+                </a:solidFill>
+              </a:rPr>
+              <a:t>05. </a:t>
+            </a:r>
+            <a:r>
+              <a:rPr lang="es-CO" dirty="0">
+                <a:solidFill>
+                  <a:schemeClr val="tx1"/>
+                </a:solidFill>
+                <a:hlinkClick r:id="rId6" action="ppaction://hlinksldjump"/>
+              </a:rPr>
+              <a:t>Masivo Capital 05</a:t>
+            </a:r>
+            <a:r>
+              <a:rPr lang="es-CO" u="dash" dirty="0">
+                <a:solidFill>
+                  <a:schemeClr val="tx1"/>
+                </a:solidFill>
+              </a:rPr>
+              <a:t>	                                           </a:t>
+            </a:r>
+            <a:r>
+              <a:rPr lang="es-CO" dirty="0">
+                <a:solidFill>
+                  <a:schemeClr val="tx1"/>
+                </a:solidFill>
+              </a:rPr>
+              <a:t>05</a:t>
+            </a:r>
+          </a:p>
+          <a:p>
+            <a:r>
+              <a:rPr lang="es-CO" dirty="0">
+                <a:solidFill>
+                  <a:schemeClr val="tx1"/>
+                </a:solidFill>
+              </a:rPr>
+              <a:t>06. </a:t>
+            </a:r>
+            <a:r>
+              <a:rPr lang="es-CO" dirty="0">
+                <a:solidFill>
+                  <a:schemeClr val="tx1"/>
+                </a:solidFill>
+                <a:hlinkClick r:id="rId7" action="ppaction://hlinksldjump"/>
+              </a:rPr>
+              <a:t>Planteamiento del problema 06</a:t>
+            </a:r>
+            <a:r>
+              <a:rPr lang="es-CO" u="dash" dirty="0">
+                <a:solidFill>
+                  <a:schemeClr val="tx1"/>
+                </a:solidFill>
+              </a:rPr>
+              <a:t>	                             </a:t>
+            </a:r>
+            <a:r>
+              <a:rPr lang="es-CO" dirty="0">
+                <a:solidFill>
+                  <a:schemeClr val="tx1"/>
+                </a:solidFill>
+              </a:rPr>
+              <a:t>06</a:t>
+            </a:r>
+          </a:p>
+          <a:p>
+            <a:r>
+              <a:rPr lang="es-CO" dirty="0">
+                <a:solidFill>
+                  <a:schemeClr val="tx1"/>
+                </a:solidFill>
+              </a:rPr>
+              <a:t>08. </a:t>
+            </a:r>
+            <a:r>
+              <a:rPr lang="es-CO" dirty="0">
+                <a:solidFill>
+                  <a:schemeClr val="tx1"/>
+                </a:solidFill>
+                <a:hlinkClick r:id="rId8" action="ppaction://hlinksldjump"/>
+              </a:rPr>
+              <a:t>Objetivo General 08</a:t>
+            </a:r>
+            <a:r>
+              <a:rPr lang="es-CO" u="dash" dirty="0">
+                <a:solidFill>
+                  <a:schemeClr val="tx1"/>
+                </a:solidFill>
+              </a:rPr>
+              <a:t>	                                           </a:t>
+            </a:r>
+            <a:r>
+              <a:rPr lang="es-CO" dirty="0">
+                <a:solidFill>
+                  <a:schemeClr val="tx1"/>
+                </a:solidFill>
+              </a:rPr>
+              <a:t>08</a:t>
+            </a:r>
+          </a:p>
+          <a:p>
+            <a:r>
+              <a:rPr lang="es-CO" dirty="0">
+                <a:solidFill>
+                  <a:schemeClr val="tx1"/>
+                </a:solidFill>
+              </a:rPr>
+              <a:t>09. </a:t>
+            </a:r>
+            <a:r>
+              <a:rPr lang="es-CO" dirty="0">
+                <a:solidFill>
+                  <a:schemeClr val="tx1"/>
+                </a:solidFill>
+                <a:hlinkClick r:id="rId9" action="ppaction://hlinksldjump"/>
+              </a:rPr>
+              <a:t>Objetivos Específicos 09</a:t>
+            </a:r>
+            <a:r>
+              <a:rPr lang="es-CO" u="dash" dirty="0">
+                <a:solidFill>
+                  <a:schemeClr val="tx1"/>
+                </a:solidFill>
+              </a:rPr>
+              <a:t>	                             </a:t>
+            </a:r>
+            <a:r>
+              <a:rPr lang="es-CO" dirty="0">
+                <a:solidFill>
+                  <a:schemeClr val="tx1"/>
+                </a:solidFill>
+              </a:rPr>
+              <a:t>09</a:t>
+            </a:r>
+          </a:p>
+          <a:p>
+            <a:r>
+              <a:rPr lang="es-CO" dirty="0">
+                <a:solidFill>
+                  <a:schemeClr val="tx1"/>
+                </a:solidFill>
+              </a:rPr>
+              <a:t>10. </a:t>
+            </a:r>
+            <a:r>
+              <a:rPr lang="es-CO" dirty="0">
+                <a:solidFill>
+                  <a:schemeClr val="tx1"/>
+                </a:solidFill>
+                <a:hlinkClick r:id="rId10" action="ppaction://hlinksldjump"/>
+              </a:rPr>
+              <a:t>Justificación 10</a:t>
+            </a:r>
+            <a:r>
+              <a:rPr lang="es-CO" u="dash" dirty="0">
+                <a:solidFill>
+                  <a:schemeClr val="tx1"/>
+                </a:solidFill>
+              </a:rPr>
+              <a:t>	                                           </a:t>
+            </a:r>
+            <a:r>
+              <a:rPr lang="es-CO" dirty="0">
+                <a:solidFill>
+                  <a:schemeClr val="tx1"/>
+                </a:solidFill>
+              </a:rPr>
+              <a:t>10</a:t>
+            </a:r>
+          </a:p>
+          <a:p>
+            <a:r>
+              <a:rPr lang="es-CO" dirty="0">
+                <a:solidFill>
+                  <a:schemeClr val="tx1"/>
+                </a:solidFill>
+              </a:rPr>
+              <a:t>11. </a:t>
+            </a:r>
+            <a:r>
+              <a:rPr lang="es-CO" dirty="0">
+                <a:solidFill>
+                  <a:schemeClr val="tx1"/>
+                </a:solidFill>
+                <a:hlinkClick r:id="rId11" action="ppaction://hlinksldjump"/>
+              </a:rPr>
+              <a:t>Recolección de la Información 11</a:t>
+            </a:r>
+            <a:r>
+              <a:rPr lang="es-CO" u="dash" dirty="0">
+                <a:solidFill>
+                  <a:schemeClr val="tx1"/>
+                </a:solidFill>
+              </a:rPr>
+              <a:t>	               </a:t>
+            </a:r>
+            <a:r>
+              <a:rPr lang="es-CO" dirty="0">
+                <a:solidFill>
+                  <a:schemeClr val="tx1"/>
+                </a:solidFill>
+              </a:rPr>
+              <a:t>11</a:t>
+            </a:r>
+          </a:p>
+          <a:p>
+            <a:r>
+              <a:rPr lang="es-CO" dirty="0">
+                <a:solidFill>
+                  <a:schemeClr val="tx1"/>
+                </a:solidFill>
+              </a:rPr>
+              <a:t>14. </a:t>
+            </a:r>
+            <a:r>
+              <a:rPr lang="es-CO" dirty="0">
+                <a:solidFill>
+                  <a:schemeClr val="tx1"/>
+                </a:solidFill>
+                <a:hlinkClick r:id="rId12" action="ppaction://hlinksldjump"/>
+              </a:rPr>
+              <a:t>Mapa de Procesos 14</a:t>
+            </a:r>
+            <a:r>
+              <a:rPr lang="es-CO" u="dash" dirty="0">
+                <a:solidFill>
+                  <a:schemeClr val="tx1"/>
+                </a:solidFill>
+              </a:rPr>
+              <a:t>	                                           </a:t>
+            </a:r>
+            <a:r>
+              <a:rPr lang="es-CO" dirty="0">
+                <a:solidFill>
+                  <a:schemeClr val="tx1"/>
+                </a:solidFill>
+              </a:rPr>
+              <a:t>14</a:t>
+            </a:r>
           </a:p>
         </p:txBody>
       </p:sp>
     </p:spTree>
+    <p:extLst>
+      <p:ext uri="{BB962C8B-B14F-4D97-AF65-F5344CB8AC3E}">
+        <p14:creationId xmlns:p14="http://schemas.microsoft.com/office/powerpoint/2010/main" val="2167014996"/>
+      </p:ext>
+    </p:extLst>
   </p:cSld>
   <p:clrMapOvr>
     <a:masterClrMapping/>
@@ -7674,273 +12122,195 @@
       </p:grpSpPr>
       <p:sp>
         <p:nvSpPr>
-          <p:cNvPr id="138" name="CuadroTexto 18"/>
-          <p:cNvSpPr/>
-          <p:nvPr/>
-        </p:nvSpPr>
-        <p:spPr>
-          <a:xfrm>
-            <a:off x="509400" y="555120"/>
-            <a:ext cx="2388240" cy="368280"/>
-          </a:xfrm>
-          <a:prstGeom prst="rect">
-            <a:avLst/>
-          </a:prstGeom>
-          <a:noFill/>
-          <a:ln w="0">
-            <a:noFill/>
-          </a:ln>
-        </p:spPr>
-        <p:style>
-          <a:lnRef idx="0">
-            <a:scrgbClr r="0" g="0" b="0"/>
-          </a:lnRef>
-          <a:fillRef idx="0">
-            <a:scrgbClr r="0" g="0" b="0"/>
-          </a:fillRef>
-          <a:effectRef idx="0">
-            <a:scrgbClr r="0" g="0" b="0"/>
-          </a:effectRef>
-          <a:fontRef idx="minor"/>
-        </p:style>
-      </p:sp>
-      <p:sp>
-        <p:nvSpPr>
-          <p:cNvPr id="139" name="CuadroTexto 19"/>
-          <p:cNvSpPr/>
-          <p:nvPr/>
-        </p:nvSpPr>
-        <p:spPr>
-          <a:xfrm>
-            <a:off x="-254344" y="816631"/>
-            <a:ext cx="3599280" cy="546480"/>
-          </a:xfrm>
-          <a:prstGeom prst="rect">
-            <a:avLst/>
-          </a:prstGeom>
-          <a:noFill/>
-          <a:ln w="0">
-            <a:noFill/>
-          </a:ln>
-        </p:spPr>
-        <p:style>
-          <a:lnRef idx="0">
-            <a:scrgbClr r="0" g="0" b="0"/>
-          </a:lnRef>
-          <a:fillRef idx="0">
-            <a:scrgbClr r="0" g="0" b="0"/>
-          </a:fillRef>
-          <a:effectRef idx="0">
-            <a:scrgbClr r="0" g="0" b="0"/>
-          </a:effectRef>
-          <a:fontRef idx="minor"/>
-        </p:style>
-        <p:txBody>
-          <a:bodyPr lIns="90000" tIns="45000" rIns="90000" bIns="45000" anchor="t">
-            <a:spAutoFit/>
-          </a:bodyPr>
-          <a:lstStyle/>
-          <a:p>
-            <a:pPr marL="457200">
-              <a:lnSpc>
-                <a:spcPct val="100000"/>
-              </a:lnSpc>
-              <a:buNone/>
-            </a:pPr>
-            <a:r>
-              <a:rPr lang="es-ES" sz="3000" b="1" strike="noStrike" spc="-1" dirty="0">
+          <p:cNvPr id="2" name="Title 1">
+            <a:extLst>
+              <a:ext uri="{FF2B5EF4-FFF2-40B4-BE49-F238E27FC236}">
+                <a16:creationId xmlns:a16="http://schemas.microsoft.com/office/drawing/2014/main" id="{E8939BC7-1AB7-1315-89D2-E791F9489F00}"/>
+              </a:ext>
+            </a:extLst>
+          </p:cNvPr>
+          <p:cNvSpPr>
+            <a:spLocks noGrp="1"/>
+          </p:cNvSpPr>
+          <p:nvPr>
+            <p:ph type="title"/>
+          </p:nvPr>
+        </p:nvSpPr>
+        <p:spPr>
+          <a:xfrm>
+            <a:off x="2026874" y="258989"/>
+            <a:ext cx="5089892" cy="858600"/>
+          </a:xfrm>
+        </p:spPr>
+        <p:txBody>
+          <a:bodyPr/>
+          <a:lstStyle/>
+          <a:p>
+            <a:r>
+              <a:rPr lang="es-ES" sz="3000" b="1" spc="-1" dirty="0">
                 <a:solidFill>
                   <a:srgbClr val="404040"/>
                 </a:solidFill>
-                <a:latin typeface="Roboto"/>
-                <a:ea typeface="Roboto"/>
+                <a:latin typeface="Roboto" panose="02000000000000000000" pitchFamily="2" charset="0"/>
+                <a:ea typeface="Roboto" panose="02000000000000000000" pitchFamily="2" charset="0"/>
               </a:rPr>
-              <a:t>Justificación </a:t>
-            </a:r>
-            <a:endParaRPr lang="es-MX" sz="3000" b="0" strike="noStrike" spc="-1" dirty="0">
-              <a:latin typeface="Arial"/>
+              <a:t>Planteamiento del problema</a:t>
+            </a:r>
+            <a:endParaRPr lang="en-US" sz="3000" b="1" spc="-1" dirty="0">
+              <a:solidFill>
+                <a:srgbClr val="404040"/>
+              </a:solidFill>
+              <a:latin typeface="Roboto" panose="02000000000000000000" pitchFamily="2" charset="0"/>
+              <a:ea typeface="Roboto" panose="02000000000000000000" pitchFamily="2" charset="0"/>
             </a:endParaRPr>
           </a:p>
         </p:txBody>
       </p:sp>
       <p:sp>
         <p:nvSpPr>
-          <p:cNvPr id="140" name="CuadroTexto 20"/>
+          <p:cNvPr id="4" name="Botón de acción: ir a inicio 3">
+            <a:hlinkClick r:id="rId2" action="ppaction://hlinksldjump"/>
+            <a:extLst>
+              <a:ext uri="{FF2B5EF4-FFF2-40B4-BE49-F238E27FC236}">
+                <a16:creationId xmlns:a16="http://schemas.microsoft.com/office/drawing/2014/main" id="{52B413FC-A313-9BFA-7494-19BCF87AF9A2}"/>
+              </a:ext>
+            </a:extLst>
+          </p:cNvPr>
           <p:cNvSpPr/>
           <p:nvPr/>
         </p:nvSpPr>
         <p:spPr>
           <a:xfrm>
-            <a:off x="632880" y="1440000"/>
-            <a:ext cx="6206400" cy="638280"/>
-          </a:xfrm>
-          <a:prstGeom prst="rect">
-            <a:avLst/>
-          </a:prstGeom>
-          <a:noFill/>
-          <a:ln w="0">
-            <a:noFill/>
-          </a:ln>
+            <a:off x="8377518" y="4639235"/>
+            <a:ext cx="470647" cy="349624"/>
+          </a:xfrm>
+          <a:prstGeom prst="actionButtonHome">
+            <a:avLst/>
+          </a:prstGeom>
         </p:spPr>
         <p:style>
-          <a:lnRef idx="0">
-            <a:scrgbClr r="0" g="0" b="0"/>
+          <a:lnRef idx="2">
+            <a:schemeClr val="accent1">
+              <a:shade val="15000"/>
+            </a:schemeClr>
           </a:lnRef>
-          <a:fillRef idx="0">
-            <a:scrgbClr r="0" g="0" b="0"/>
+          <a:fillRef idx="1">
+            <a:schemeClr val="accent1"/>
           </a:fillRef>
           <a:effectRef idx="0">
-            <a:scrgbClr r="0" g="0" b="0"/>
+            <a:schemeClr val="accent1"/>
           </a:effectRef>
-          <a:fontRef idx="minor"/>
+          <a:fontRef idx="minor">
+            <a:schemeClr val="lt1"/>
+          </a:fontRef>
         </p:style>
         <p:txBody>
-          <a:bodyPr lIns="90000" tIns="45000" rIns="90000" bIns="45000" anchor="t">
+          <a:bodyPr rtlCol="0" anchor="ctr"/>
+          <a:lstStyle/>
+          <a:p>
+            <a:pPr algn="ctr"/>
+            <a:endParaRPr lang="es-CO"/>
+          </a:p>
+        </p:txBody>
+      </p:sp>
+      <p:sp>
+        <p:nvSpPr>
+          <p:cNvPr id="6" name="CuadroTexto 5">
+            <a:extLst>
+              <a:ext uri="{FF2B5EF4-FFF2-40B4-BE49-F238E27FC236}">
+                <a16:creationId xmlns:a16="http://schemas.microsoft.com/office/drawing/2014/main" id="{4DCBA3A4-AC79-1282-1A32-E53C4354EFEF}"/>
+              </a:ext>
+            </a:extLst>
+          </p:cNvPr>
+          <p:cNvSpPr txBox="1"/>
+          <p:nvPr/>
+        </p:nvSpPr>
+        <p:spPr>
+          <a:xfrm>
+            <a:off x="779749" y="1289868"/>
+            <a:ext cx="7584142" cy="2308324"/>
+          </a:xfrm>
+          <a:prstGeom prst="rect">
+            <a:avLst/>
+          </a:prstGeom>
+          <a:noFill/>
+        </p:spPr>
+        <p:txBody>
+          <a:bodyPr wrap="square">
             <a:spAutoFit/>
           </a:bodyPr>
           <a:lstStyle/>
           <a:p>
-            <a:pPr>
-              <a:lnSpc>
-                <a:spcPct val="100000"/>
-              </a:lnSpc>
-              <a:buNone/>
+            <a:pPr algn="just">
+              <a:spcBef>
+                <a:spcPts val="1000"/>
+              </a:spcBef>
             </a:pPr>
-            <a:endParaRPr lang="es-MX" sz="1800" b="0" strike="noStrike" spc="-1">
-              <a:latin typeface="Arial"/>
-            </a:endParaRPr>
-          </a:p>
-          <a:p>
-            <a:pPr>
-              <a:lnSpc>
-                <a:spcPct val="100000"/>
-              </a:lnSpc>
-              <a:buNone/>
-            </a:pPr>
-            <a:endParaRPr lang="es-MX" sz="1800" b="0" strike="noStrike" spc="-1">
-              <a:latin typeface="Arial"/>
-            </a:endParaRPr>
-          </a:p>
-        </p:txBody>
-      </p:sp>
-      <p:sp>
-        <p:nvSpPr>
-          <p:cNvPr id="141" name="Rectángulo 140"/>
-          <p:cNvSpPr/>
-          <p:nvPr/>
-        </p:nvSpPr>
-        <p:spPr>
-          <a:xfrm>
-            <a:off x="184860" y="1363111"/>
-            <a:ext cx="8774280" cy="3440344"/>
-          </a:xfrm>
-          <a:prstGeom prst="rect">
-            <a:avLst/>
-          </a:prstGeom>
-          <a:noFill/>
-          <a:ln w="0">
-            <a:noFill/>
-          </a:ln>
-        </p:spPr>
-        <p:style>
-          <a:lnRef idx="0">
-            <a:scrgbClr r="0" g="0" b="0"/>
-          </a:lnRef>
-          <a:fillRef idx="0">
-            <a:scrgbClr r="0" g="0" b="0"/>
-          </a:fillRef>
-          <a:effectRef idx="0">
-            <a:scrgbClr r="0" g="0" b="0"/>
-          </a:effectRef>
-          <a:fontRef idx="minor"/>
-        </p:style>
-        <p:txBody>
-          <a:bodyPr lIns="90000" tIns="45000" rIns="90000" bIns="45000" anchor="t">
-            <a:noAutofit/>
-          </a:bodyPr>
-          <a:lstStyle/>
-          <a:p>
-            <a:pPr algn="just">
-              <a:lnSpc>
-                <a:spcPct val="100000"/>
-              </a:lnSpc>
-              <a:buNone/>
-            </a:pPr>
-            <a:r>
-              <a:rPr lang="es-MX" sz="1600" spc="-1" dirty="0">
+            <a:r>
+              <a:rPr lang="es-CO" spc="-1" dirty="0">
                 <a:solidFill>
                   <a:srgbClr val="000000"/>
                 </a:solidFill>
                 <a:latin typeface="Roboto"/>
-                <a:ea typeface="Source Han Sans CN"/>
               </a:rPr>
-              <a:t>S</a:t>
-            </a:r>
-            <a:r>
-              <a:rPr lang="es-MX" sz="1600" b="0" strike="noStrike" spc="-1" dirty="0">
+              <a:t>Empresa: Masivo Capital S.A.S. Ubicación: Calle 24A No. 59-42, Bogotá Actividad: Masivo Capital es un grupo conformado por ocho empresas de transporte público colectivo y masivo de pasajeros en la ciudad de Bogotá. Cuenta con décadas de experiencia en el sector y se dedica a brindar servicios de transporte eficiente y seguro a la comunidad. La empresa ha participado en proyectos de gran envergadura, como el Sistema Integrado de Transporte Público de la capital de la República, demostrando su compromiso con la mejora de la movilidad urbana.</a:t>
+            </a:r>
+          </a:p>
+        </p:txBody>
+      </p:sp>
+      <p:pic>
+        <p:nvPicPr>
+          <p:cNvPr id="7" name="Picture 4" descr="Genera tu certificado laboral o tu desprendible de nómina">
+            <a:extLst>
+              <a:ext uri="{FF2B5EF4-FFF2-40B4-BE49-F238E27FC236}">
+                <a16:creationId xmlns:a16="http://schemas.microsoft.com/office/drawing/2014/main" id="{92AE530F-764B-FBAE-92E7-5CEF4519D7C6}"/>
+              </a:ext>
+            </a:extLst>
+          </p:cNvPr>
+          <p:cNvPicPr>
+            <a:picLocks noChangeAspect="1" noChangeArrowheads="1"/>
+          </p:cNvPicPr>
+          <p:nvPr/>
+        </p:nvPicPr>
+        <p:blipFill>
+          <a:blip r:embed="rId3">
+            <a:extLst>
+              <a:ext uri="{28A0092B-C50C-407E-A947-70E740481C1C}">
+                <a14:useLocalDpi xmlns:a14="http://schemas.microsoft.com/office/drawing/2010/main" val="0"/>
+              </a:ext>
+            </a:extLst>
+          </a:blip>
+          <a:srcRect/>
+          <a:stretch>
+            <a:fillRect/>
+          </a:stretch>
+        </p:blipFill>
+        <p:spPr bwMode="auto">
+          <a:xfrm>
+            <a:off x="3585950" y="3692146"/>
+            <a:ext cx="1396186" cy="947089"/>
+          </a:xfrm>
+          <a:prstGeom prst="rect">
+            <a:avLst/>
+          </a:prstGeom>
+          <a:noFill/>
+          <a:extLst>
+            <a:ext uri="{909E8E84-426E-40DD-AFC4-6F175D3DCCD1}">
+              <a14:hiddenFill xmlns:a14="http://schemas.microsoft.com/office/drawing/2010/main">
                 <a:solidFill>
-                  <a:srgbClr val="000000"/>
+                  <a:srgbClr val="FFFFFF"/>
                 </a:solidFill>
-                <a:latin typeface="Roboto"/>
-                <a:ea typeface="Source Han Sans CN"/>
-              </a:rPr>
-              <a:t>istema de entrada y salida vehicular  esta compuesto de las siguientes partes: inspección visual: Frenos, Suspensión, Motor y Sistema de Combustible, Transmisión  Sistema de Dirección y Ruedas, Carrocería y Cabina Conductor, Sistema y Equipos Eléctricos, Emisiones de Gases y Ruidos, Puertas, Sillas y Pasamanos, Pisos y Tableros; Comunicación y Señalética , Equipos de Seguridad, Equipos de Recaudo y control de la operación. Aseo (Interno y Externo)</a:t>
-            </a:r>
-            <a:r>
-              <a:rPr lang="es-MX" sz="1600" spc="-1" dirty="0">
-                <a:latin typeface="Roboto"/>
-              </a:rPr>
-              <a:t>. </a:t>
-            </a:r>
-            <a:r>
-              <a:rPr lang="es-MX" sz="1600" b="0" strike="noStrike" spc="-1" dirty="0">
-                <a:solidFill>
-                  <a:srgbClr val="000000"/>
-                </a:solidFill>
-                <a:latin typeface="Roboto"/>
-                <a:ea typeface="Source Han Sans CN"/>
-              </a:rPr>
-              <a:t>(Manual de Operaciones Componente Zonal, 2014) </a:t>
-            </a:r>
-          </a:p>
-          <a:p>
-            <a:pPr algn="just">
-              <a:lnSpc>
-                <a:spcPct val="100000"/>
-              </a:lnSpc>
-              <a:buNone/>
-            </a:pPr>
-            <a:endParaRPr lang="es-MX" sz="1600" spc="-1" dirty="0">
-              <a:solidFill>
-                <a:srgbClr val="000000"/>
-              </a:solidFill>
-              <a:latin typeface="Roboto"/>
-            </a:endParaRPr>
-          </a:p>
-          <a:p>
-            <a:pPr algn="just">
-              <a:lnSpc>
-                <a:spcPct val="100000"/>
-              </a:lnSpc>
-              <a:buNone/>
-            </a:pPr>
-            <a:r>
-              <a:rPr lang="es-MX" sz="1600" spc="-1" dirty="0">
-                <a:solidFill>
-                  <a:srgbClr val="000000"/>
-                </a:solidFill>
-                <a:latin typeface="Roboto"/>
-                <a:ea typeface="Source Han Sans CN"/>
-              </a:rPr>
-              <a:t>dirigir esta serie de elementos permiten direccionar al vehículo dentro de los servicios del patio dando prioridad a los autobuses que tengan menos intervenciones a realizar ofreciendo oportunidad de disponibilidad de los buses alimentadores al sistema sin embargo, este tipo de captura de información a la entrada y la salida se realiza de forma manual generando inconvenientes de movilidad publica</a:t>
-            </a:r>
-            <a:endParaRPr lang="es-MX" sz="1600" b="0" strike="noStrike" spc="-1" dirty="0">
-              <a:latin typeface="Roboto"/>
-            </a:endParaRPr>
-          </a:p>
-        </p:txBody>
-      </p:sp>
+              </a14:hiddenFill>
+            </a:ext>
+          </a:extLst>
+        </p:spPr>
+      </p:pic>
     </p:spTree>
+    <p:extLst>
+      <p:ext uri="{BB962C8B-B14F-4D97-AF65-F5344CB8AC3E}">
+        <p14:creationId xmlns:p14="http://schemas.microsoft.com/office/powerpoint/2010/main" val="1016318641"/>
+      </p:ext>
+    </p:extLst>
   </p:cSld>
   <p:clrMapOvr>
     <a:masterClrMapping/>
@@ -7967,7 +12337,7 @@
       </p:grpSpPr>
       <p:sp>
         <p:nvSpPr>
-          <p:cNvPr id="146" name="CuadroTexto 9"/>
+          <p:cNvPr id="130" name="CuadroTexto 1"/>
           <p:cNvSpPr/>
           <p:nvPr/>
         </p:nvSpPr>
@@ -7999,14 +12369,14 @@
       </p:sp>
       <p:sp>
         <p:nvSpPr>
-          <p:cNvPr id="147" name="CuadroTexto 10"/>
+          <p:cNvPr id="132" name="CuadroTexto 4"/>
           <p:cNvSpPr/>
           <p:nvPr/>
         </p:nvSpPr>
         <p:spPr>
           <a:xfrm>
-            <a:off x="0" y="739260"/>
-            <a:ext cx="7975440" cy="546480"/>
+            <a:off x="1478730" y="1461283"/>
+            <a:ext cx="5293015" cy="2414592"/>
           </a:xfrm>
           <a:prstGeom prst="rect">
             <a:avLst/>
@@ -8029,238 +12399,182 @@
           <a:fontRef idx="minor"/>
         </p:style>
         <p:txBody>
-          <a:bodyPr lIns="90000" tIns="45000" rIns="90000" bIns="45000" anchor="t">
+          <a:bodyPr wrap="square" lIns="90000" tIns="45000" rIns="90000" bIns="45000" anchor="t">
             <a:spAutoFit/>
           </a:bodyPr>
           <a:lstStyle/>
           <a:p>
-            <a:pPr marL="457200">
-              <a:lnSpc>
-                <a:spcPct val="100000"/>
-              </a:lnSpc>
-              <a:buNone/>
+            <a:pPr algn="l"/>
+            <a:endParaRPr lang="es-CO" b="0" i="0" dirty="0">
+              <a:solidFill>
+                <a:srgbClr val="D1D5DB"/>
+              </a:solidFill>
+              <a:effectLst/>
+              <a:latin typeface="Söhne"/>
+            </a:endParaRPr>
+          </a:p>
+          <a:p>
+            <a:pPr algn="just">
+              <a:spcBef>
+                <a:spcPts val="1000"/>
+              </a:spcBef>
+              <a:buFont typeface="+mj-lt"/>
+              <a:buAutoNum type="arabicPeriod"/>
             </a:pPr>
             <a:r>
-              <a:rPr lang="es-ES" sz="3000" b="1" strike="noStrike" spc="-1">
-                <a:solidFill>
-                  <a:srgbClr val="404040"/>
-                </a:solidFill>
-                <a:latin typeface="Roboto"/>
-                <a:ea typeface="Roboto"/>
-              </a:rPr>
-              <a:t>Recolección de la Información </a:t>
-            </a:r>
-            <a:endParaRPr lang="es-MX" sz="3000" b="0" strike="noStrike" spc="-1">
-              <a:latin typeface="Arial"/>
-            </a:endParaRPr>
-          </a:p>
-        </p:txBody>
-      </p:sp>
-      <p:sp>
-        <p:nvSpPr>
-          <p:cNvPr id="148" name="CuadroTexto 11"/>
-          <p:cNvSpPr/>
-          <p:nvPr/>
-        </p:nvSpPr>
-        <p:spPr>
-          <a:xfrm>
-            <a:off x="504720" y="1469880"/>
-            <a:ext cx="6206400" cy="2291481"/>
-          </a:xfrm>
-          <a:prstGeom prst="rect">
-            <a:avLst/>
-          </a:prstGeom>
-          <a:noFill/>
-          <a:ln w="0">
-            <a:noFill/>
-          </a:ln>
-        </p:spPr>
-        <p:style>
-          <a:lnRef idx="0">
-            <a:scrgbClr r="0" g="0" b="0"/>
-          </a:lnRef>
-          <a:fillRef idx="0">
-            <a:scrgbClr r="0" g="0" b="0"/>
-          </a:fillRef>
-          <a:effectRef idx="0">
-            <a:scrgbClr r="0" g="0" b="0"/>
-          </a:effectRef>
-          <a:fontRef idx="minor"/>
-        </p:style>
-        <p:txBody>
-          <a:bodyPr lIns="90000" tIns="45000" rIns="90000" bIns="45000" anchor="t">
-            <a:spAutoFit/>
-          </a:bodyPr>
-          <a:lstStyle/>
-          <a:p>
-            <a:pPr>
-              <a:lnSpc>
-                <a:spcPct val="100000"/>
-              </a:lnSpc>
-              <a:buNone/>
-            </a:pPr>
-            <a:r>
-              <a:rPr lang="es-CO" sz="1600" b="0" strike="noStrike" spc="-1" dirty="0">
+              <a:rPr lang="es-CO" spc="-1" dirty="0">
                 <a:solidFill>
                   <a:srgbClr val="000000"/>
                 </a:solidFill>
                 <a:latin typeface="Roboto"/>
-                <a:ea typeface="Roboto"/>
               </a:rPr>
-              <a:t>Para la realización entre las variables  </a:t>
-            </a:r>
-            <a:r>
-              <a:rPr lang="es-CO" sz="1600" b="1" strike="noStrike" spc="-1" dirty="0">
+              <a:t>Proceso de ingreso de datos en el patio taller Bosa-Brasil.</a:t>
+            </a:r>
+          </a:p>
+          <a:p>
+            <a:pPr algn="just">
+              <a:spcBef>
+                <a:spcPts val="1000"/>
+              </a:spcBef>
+              <a:buFont typeface="+mj-lt"/>
+              <a:buAutoNum type="arabicPeriod"/>
+            </a:pPr>
+            <a:r>
+              <a:rPr lang="es-CO" spc="-1" dirty="0">
                 <a:solidFill>
                   <a:srgbClr val="000000"/>
                 </a:solidFill>
                 <a:latin typeface="Roboto"/>
-                <a:ea typeface="Roboto"/>
               </a:rPr>
-              <a:t>hora de salida y congestión de trafico  entre las salidas y el nivel de trafico utilizamos dos tablas realizadas para el 2021</a:t>
-            </a:r>
-            <a:endParaRPr lang="es-MX" sz="1600" b="0" strike="noStrike" spc="-1" dirty="0">
-              <a:latin typeface="Roboto"/>
-            </a:endParaRPr>
-          </a:p>
-          <a:p>
-            <a:pPr>
-              <a:lnSpc>
-                <a:spcPct val="100000"/>
-              </a:lnSpc>
-              <a:buNone/>
+              <a:t>Control y seguimiento de los vehículos alimentadores en el patio taller.</a:t>
+            </a:r>
+          </a:p>
+          <a:p>
+            <a:pPr algn="just">
+              <a:spcBef>
+                <a:spcPts val="1000"/>
+              </a:spcBef>
+              <a:buFont typeface="+mj-lt"/>
+              <a:buAutoNum type="arabicPeriod"/>
             </a:pPr>
             <a:r>
-              <a:rPr lang="es-CO" sz="1600" b="0" strike="noStrike" spc="-1" dirty="0">
+              <a:rPr lang="es-CO" spc="-1" dirty="0">
                 <a:solidFill>
                   <a:srgbClr val="000000"/>
                 </a:solidFill>
                 <a:latin typeface="Roboto"/>
-                <a:ea typeface="Roboto"/>
               </a:rPr>
-              <a:t>La primera tabla </a:t>
-            </a:r>
-            <a:r>
-              <a:rPr lang="es-CO" sz="1600" b="1" strike="noStrike" spc="-1" dirty="0">
+              <a:t>Gestión de mantenimiento de los vehículos.</a:t>
+            </a:r>
+          </a:p>
+          <a:p>
+            <a:pPr marL="996840" indent="-228600">
+              <a:tabLst>
+                <a:tab pos="0" algn="l"/>
+              </a:tabLst>
+            </a:pPr>
+            <a:r>
+              <a:rPr lang="es-MX" spc="-1" dirty="0">
                 <a:solidFill>
                   <a:srgbClr val="000000"/>
                 </a:solidFill>
                 <a:latin typeface="Roboto"/>
-                <a:ea typeface="Roboto"/>
               </a:rPr>
-              <a:t>comportamiento seguridad vial </a:t>
-            </a:r>
-            <a:endParaRPr lang="es-MX" sz="1600" b="0" strike="noStrike" spc="-1" dirty="0">
+              <a:t>	</a:t>
+            </a:r>
+            <a:endParaRPr lang="es-MX" sz="1800" strike="noStrike" spc="-1" dirty="0">
               <a:latin typeface="Roboto"/>
             </a:endParaRPr>
           </a:p>
-          <a:p>
-            <a:pPr>
-              <a:lnSpc>
-                <a:spcPct val="100000"/>
-              </a:lnSpc>
-              <a:buNone/>
-            </a:pPr>
-            <a:r>
-              <a:rPr lang="es-CO" sz="1600" b="0" strike="noStrike" spc="-1" dirty="0">
+        </p:txBody>
+      </p:sp>
+      <p:sp>
+        <p:nvSpPr>
+          <p:cNvPr id="2" name="Título 1">
+            <a:extLst>
+              <a:ext uri="{FF2B5EF4-FFF2-40B4-BE49-F238E27FC236}">
+                <a16:creationId xmlns:a16="http://schemas.microsoft.com/office/drawing/2014/main" id="{3E1F0C84-1ACD-A5B1-492D-11EF56D135AA}"/>
+              </a:ext>
+            </a:extLst>
+          </p:cNvPr>
+          <p:cNvSpPr>
+            <a:spLocks noGrp="1"/>
+          </p:cNvSpPr>
+          <p:nvPr>
+            <p:ph type="title" idx="4294967295"/>
+          </p:nvPr>
+        </p:nvSpPr>
+        <p:spPr>
+          <a:xfrm>
+            <a:off x="2084999" y="602683"/>
+            <a:ext cx="4080475" cy="858600"/>
+          </a:xfrm>
+        </p:spPr>
+        <p:txBody>
+          <a:bodyPr/>
+          <a:lstStyle/>
+          <a:p>
+            <a:pPr algn="l"/>
+            <a:r>
+              <a:rPr lang="es-CO" sz="3000" b="1" spc="-1" dirty="0">
                 <a:solidFill>
-                  <a:srgbClr val="000000"/>
+                  <a:srgbClr val="404040"/>
                 </a:solidFill>
-                <a:latin typeface="Roboto"/>
-                <a:ea typeface="Roboto"/>
+                <a:latin typeface="Roboto" panose="02000000000000000000" pitchFamily="2" charset="0"/>
+                <a:ea typeface="Roboto" panose="02000000000000000000" pitchFamily="2" charset="0"/>
               </a:rPr>
-              <a:t> “encuesta territorial de comportamiento en seguridad vial”  (Aparicio, 2020a) utilizando la variable percepción </a:t>
-            </a:r>
-            <a:r>
-              <a:rPr lang="es-CO" sz="1600" b="1" strike="noStrike" spc="-1" dirty="0">
-                <a:solidFill>
-                  <a:srgbClr val="000000"/>
-                </a:solidFill>
-                <a:latin typeface="Roboto"/>
-                <a:ea typeface="Roboto"/>
-              </a:rPr>
-              <a:t>accidentes de transito y la tabla  consolidado de salidas sistema troncal por franja horaria</a:t>
-            </a:r>
-            <a:r>
-              <a:rPr lang="es-CO" sz="1600" b="0" strike="noStrike" spc="-1" dirty="0">
-                <a:solidFill>
-                  <a:srgbClr val="000000"/>
-                </a:solidFill>
-                <a:latin typeface="Roboto"/>
-                <a:ea typeface="Roboto"/>
-              </a:rPr>
-              <a:t>, filtrando por la ruta </a:t>
-            </a:r>
-            <a:r>
-              <a:rPr lang="es-CO" sz="1600" b="1" strike="noStrike" spc="-1" dirty="0">
-                <a:solidFill>
-                  <a:srgbClr val="000000"/>
-                </a:solidFill>
-                <a:latin typeface="Roboto"/>
-                <a:ea typeface="Roboto"/>
-              </a:rPr>
-              <a:t>9-6 </a:t>
-            </a:r>
-            <a:r>
-              <a:rPr lang="es-CO" sz="1600" b="0" strike="noStrike" spc="-1" dirty="0">
-                <a:solidFill>
-                  <a:srgbClr val="000000"/>
-                </a:solidFill>
-                <a:latin typeface="Roboto"/>
-                <a:ea typeface="Roboto"/>
-              </a:rPr>
-              <a:t> </a:t>
-            </a:r>
-            <a:r>
-              <a:rPr lang="es-CO" sz="1600" b="1" strike="noStrike" spc="-1" dirty="0">
-                <a:solidFill>
-                  <a:srgbClr val="000000"/>
-                </a:solidFill>
-                <a:latin typeface="Roboto"/>
-                <a:ea typeface="Roboto"/>
-              </a:rPr>
-              <a:t>av. Villavicencio </a:t>
-            </a:r>
-            <a:endParaRPr lang="es-MX" sz="1600" b="0" strike="noStrike" spc="-1" dirty="0">
-              <a:latin typeface="Roboto"/>
-            </a:endParaRPr>
-          </a:p>
-          <a:p>
-            <a:pPr>
-              <a:lnSpc>
-                <a:spcPct val="100000"/>
-              </a:lnSpc>
-              <a:buNone/>
-            </a:pPr>
-            <a:endParaRPr lang="es-MX" sz="1500" b="0" strike="noStrike" spc="-1" dirty="0">
-              <a:latin typeface="Arial"/>
-            </a:endParaRPr>
-          </a:p>
-        </p:txBody>
-      </p:sp>
-      <p:pic>
-        <p:nvPicPr>
-          <p:cNvPr id="149" name="Google Shape;46;p 1" descr="Un dibujo de un personaje de caricatura&#10;&#10;Descripción generada automáticamente con confianza baja"/>
-          <p:cNvPicPr/>
+              <a:t>Procesos a intervenir:</a:t>
+            </a:r>
+          </a:p>
+        </p:txBody>
+      </p:sp>
+      <p:sp>
+        <p:nvSpPr>
+          <p:cNvPr id="3" name="Botón de acción: ir a inicio 2">
+            <a:hlinkClick r:id="rId2" action="ppaction://hlinksldjump"/>
+            <a:extLst>
+              <a:ext uri="{FF2B5EF4-FFF2-40B4-BE49-F238E27FC236}">
+                <a16:creationId xmlns:a16="http://schemas.microsoft.com/office/drawing/2014/main" id="{DB13E06E-FBF8-4BCE-608C-F8360607B773}"/>
+              </a:ext>
+            </a:extLst>
+          </p:cNvPr>
+          <p:cNvSpPr/>
           <p:nvPr/>
-        </p:nvPicPr>
-        <p:blipFill>
-          <a:blip r:embed="rId2"/>
-          <a:stretch/>
-        </p:blipFill>
-        <p:spPr>
-          <a:xfrm>
-            <a:off x="7156980" y="1570973"/>
-            <a:ext cx="1636920" cy="1584000"/>
-          </a:xfrm>
-          <a:prstGeom prst="rect">
-            <a:avLst/>
-          </a:prstGeom>
-          <a:ln w="0">
-            <a:noFill/>
-          </a:ln>
-        </p:spPr>
-      </p:pic>
+        </p:nvSpPr>
+        <p:spPr>
+          <a:xfrm>
+            <a:off x="8377518" y="4639235"/>
+            <a:ext cx="470647" cy="349624"/>
+          </a:xfrm>
+          <a:prstGeom prst="actionButtonHome">
+            <a:avLst/>
+          </a:prstGeom>
+        </p:spPr>
+        <p:style>
+          <a:lnRef idx="2">
+            <a:schemeClr val="accent1">
+              <a:shade val="15000"/>
+            </a:schemeClr>
+          </a:lnRef>
+          <a:fillRef idx="1">
+            <a:schemeClr val="accent1"/>
+          </a:fillRef>
+          <a:effectRef idx="0">
+            <a:schemeClr val="accent1"/>
+          </a:effectRef>
+          <a:fontRef idx="minor">
+            <a:schemeClr val="lt1"/>
+          </a:fontRef>
+        </p:style>
+        <p:txBody>
+          <a:bodyPr rtlCol="0" anchor="ctr"/>
+          <a:lstStyle/>
+          <a:p>
+            <a:pPr algn="ctr"/>
+            <a:endParaRPr lang="es-CO"/>
+          </a:p>
+        </p:txBody>
+      </p:sp>
     </p:spTree>
   </p:cSld>
   <p:clrMapOvr>
@@ -8288,119 +12602,154 @@
       </p:grpSpPr>
       <p:sp>
         <p:nvSpPr>
-          <p:cNvPr id="150" name="CuadroTexto 12"/>
+          <p:cNvPr id="3" name="Subtitle 2">
+            <a:extLst>
+              <a:ext uri="{FF2B5EF4-FFF2-40B4-BE49-F238E27FC236}">
+                <a16:creationId xmlns:a16="http://schemas.microsoft.com/office/drawing/2014/main" id="{8973E49E-B105-EAD3-4598-5FBBEA07DDD8}"/>
+              </a:ext>
+            </a:extLst>
+          </p:cNvPr>
+          <p:cNvSpPr>
+            <a:spLocks noGrp="1"/>
+          </p:cNvSpPr>
+          <p:nvPr>
+            <p:ph type="subTitle"/>
+          </p:nvPr>
+        </p:nvSpPr>
+        <p:spPr>
+          <a:xfrm>
+            <a:off x="1183342" y="1424279"/>
+            <a:ext cx="6777316" cy="2294942"/>
+          </a:xfrm>
+        </p:spPr>
+        <p:txBody>
+          <a:bodyPr/>
+          <a:lstStyle/>
+          <a:p>
+            <a:pPr indent="-342900" algn="just">
+              <a:spcBef>
+                <a:spcPts val="1000"/>
+              </a:spcBef>
+              <a:buFont typeface="+mj-lt"/>
+              <a:buAutoNum type="arabicPeriod"/>
+            </a:pPr>
+            <a:r>
+              <a:rPr lang="es-CO" sz="1800" spc="-1" dirty="0">
+                <a:solidFill>
+                  <a:srgbClr val="000000"/>
+                </a:solidFill>
+                <a:latin typeface="Roboto"/>
+                <a:ea typeface="+mn-ea"/>
+                <a:cs typeface="+mn-cs"/>
+              </a:rPr>
+              <a:t>Para el análisis de la relación entre la hora de despacho de la ruta alimentadora 9-6 av. Villavicencio y los accidentes de tránsito, se utilizó una encuesta territorial de comportamiento en seguridad vial y una tabla consolidada de salidas del sistema troncal por franja horaria. Estos datos fueron recopilados por personas encargadas de la seguridad vial y el control de tráfico.</a:t>
+            </a:r>
+            <a:endParaRPr lang="en-US" sz="1800" spc="-1" dirty="0">
+              <a:solidFill>
+                <a:srgbClr val="000000"/>
+              </a:solidFill>
+              <a:latin typeface="Roboto"/>
+              <a:ea typeface="+mn-ea"/>
+              <a:cs typeface="+mn-cs"/>
+            </a:endParaRPr>
+          </a:p>
+        </p:txBody>
+      </p:sp>
+      <p:sp>
+        <p:nvSpPr>
+          <p:cNvPr id="2" name="Botón de acción: ir a inicio 1">
+            <a:hlinkClick r:id="rId2" action="ppaction://hlinksldjump"/>
+            <a:extLst>
+              <a:ext uri="{FF2B5EF4-FFF2-40B4-BE49-F238E27FC236}">
+                <a16:creationId xmlns:a16="http://schemas.microsoft.com/office/drawing/2014/main" id="{B0503A1A-4A98-B93C-B46C-AE1756A2BA65}"/>
+              </a:ext>
+            </a:extLst>
+          </p:cNvPr>
           <p:cNvSpPr/>
           <p:nvPr/>
         </p:nvSpPr>
         <p:spPr>
           <a:xfrm>
-            <a:off x="509400" y="555120"/>
-            <a:ext cx="2388240" cy="368280"/>
-          </a:xfrm>
-          <a:prstGeom prst="rect">
-            <a:avLst/>
-          </a:prstGeom>
-          <a:noFill/>
-          <a:ln w="0">
-            <a:noFill/>
-          </a:ln>
+            <a:off x="8377518" y="4639235"/>
+            <a:ext cx="470647" cy="349624"/>
+          </a:xfrm>
+          <a:prstGeom prst="actionButtonHome">
+            <a:avLst/>
+          </a:prstGeom>
         </p:spPr>
         <p:style>
-          <a:lnRef idx="0">
-            <a:scrgbClr r="0" g="0" b="0"/>
+          <a:lnRef idx="2">
+            <a:schemeClr val="accent1">
+              <a:shade val="15000"/>
+            </a:schemeClr>
           </a:lnRef>
-          <a:fillRef idx="0">
-            <a:scrgbClr r="0" g="0" b="0"/>
+          <a:fillRef idx="1">
+            <a:schemeClr val="accent1"/>
           </a:fillRef>
           <a:effectRef idx="0">
-            <a:scrgbClr r="0" g="0" b="0"/>
+            <a:schemeClr val="accent1"/>
           </a:effectRef>
-          <a:fontRef idx="minor"/>
+          <a:fontRef idx="minor">
+            <a:schemeClr val="lt1"/>
+          </a:fontRef>
         </p:style>
-      </p:sp>
-      <p:sp>
-        <p:nvSpPr>
-          <p:cNvPr id="151" name="CuadroTexto 13"/>
-          <p:cNvSpPr/>
+        <p:txBody>
+          <a:bodyPr rtlCol="0" anchor="ctr"/>
+          <a:lstStyle/>
+          <a:p>
+            <a:pPr algn="ctr"/>
+            <a:endParaRPr lang="es-CO"/>
+          </a:p>
+        </p:txBody>
+      </p:sp>
+      <p:sp>
+        <p:nvSpPr>
+          <p:cNvPr id="5" name="CuadroTexto 4">
+            <a:extLst>
+              <a:ext uri="{FF2B5EF4-FFF2-40B4-BE49-F238E27FC236}">
+                <a16:creationId xmlns:a16="http://schemas.microsoft.com/office/drawing/2014/main" id="{BA2F6010-C8AE-DE6F-2E0B-1FB1E40C9608}"/>
+              </a:ext>
+            </a:extLst>
+          </p:cNvPr>
+          <p:cNvSpPr txBox="1"/>
           <p:nvPr/>
         </p:nvSpPr>
         <p:spPr>
           <a:xfrm>
-            <a:off x="-236160" y="740160"/>
-            <a:ext cx="7975440" cy="546480"/>
-          </a:xfrm>
-          <a:prstGeom prst="rect">
-            <a:avLst/>
-          </a:prstGeom>
-          <a:noFill/>
-          <a:ln w="0">
-            <a:noFill/>
-          </a:ln>
-        </p:spPr>
-        <p:style>
-          <a:lnRef idx="0">
-            <a:scrgbClr r="0" g="0" b="0"/>
-          </a:lnRef>
-          <a:fillRef idx="0">
-            <a:scrgbClr r="0" g="0" b="0"/>
-          </a:fillRef>
-          <a:effectRef idx="0">
-            <a:scrgbClr r="0" g="0" b="0"/>
-          </a:effectRef>
-          <a:fontRef idx="minor"/>
-        </p:style>
-        <p:txBody>
-          <a:bodyPr lIns="90000" tIns="45000" rIns="90000" bIns="45000" anchor="t">
+            <a:off x="2084294" y="803271"/>
+            <a:ext cx="4975412" cy="553998"/>
+          </a:xfrm>
+          <a:prstGeom prst="rect">
+            <a:avLst/>
+          </a:prstGeom>
+          <a:noFill/>
+        </p:spPr>
+        <p:txBody>
+          <a:bodyPr wrap="square">
             <a:spAutoFit/>
           </a:bodyPr>
           <a:lstStyle/>
           <a:p>
-            <a:pPr marL="457200">
-              <a:lnSpc>
-                <a:spcPct val="100000"/>
-              </a:lnSpc>
-              <a:buNone/>
-            </a:pPr>
-            <a:r>
-              <a:rPr lang="es-ES" sz="3000" b="1" strike="noStrike" spc="-1">
+            <a:r>
+              <a:rPr lang="es-CO" sz="3000" b="1" spc="-1" dirty="0">
                 <a:solidFill>
                   <a:srgbClr val="404040"/>
                 </a:solidFill>
-                <a:latin typeface="Roboto"/>
-                <a:ea typeface="Roboto"/>
+                <a:latin typeface="Roboto" panose="02000000000000000000" pitchFamily="2" charset="0"/>
+                <a:ea typeface="Roboto" panose="02000000000000000000" pitchFamily="2" charset="0"/>
+                <a:cs typeface="+mj-cs"/>
               </a:rPr>
-              <a:t> </a:t>
-            </a:r>
-            <a:endParaRPr lang="es-MX" sz="3000" b="0" strike="noStrike" spc="-1">
-              <a:latin typeface="Arial"/>
-            </a:endParaRPr>
-          </a:p>
-        </p:txBody>
-      </p:sp>
-      <p:pic>
-        <p:nvPicPr>
-          <p:cNvPr id="152" name="Imagen 151"/>
-          <p:cNvPicPr/>
-          <p:nvPr/>
-        </p:nvPicPr>
-        <p:blipFill>
-          <a:blip r:embed="rId2"/>
-          <a:stretch/>
-        </p:blipFill>
-        <p:spPr>
-          <a:xfrm>
-            <a:off x="180000" y="0"/>
-            <a:ext cx="8819280" cy="5039280"/>
-          </a:xfrm>
-          <a:prstGeom prst="rect">
-            <a:avLst/>
-          </a:prstGeom>
-          <a:ln w="0">
-            <a:noFill/>
-          </a:ln>
-        </p:spPr>
-      </p:pic>
+              <a:t>Análisis de la información: </a:t>
+            </a:r>
+          </a:p>
+        </p:txBody>
+      </p:sp>
     </p:spTree>
+    <p:extLst>
+      <p:ext uri="{BB962C8B-B14F-4D97-AF65-F5344CB8AC3E}">
+        <p14:creationId xmlns:p14="http://schemas.microsoft.com/office/powerpoint/2010/main" val="2554400044"/>
+      </p:ext>
+    </p:extLst>
   </p:cSld>
   <p:clrMapOvr>
     <a:masterClrMapping/>
@@ -8427,119 +12776,284 @@
       </p:grpSpPr>
       <p:sp>
         <p:nvSpPr>
-          <p:cNvPr id="153" name="CuadroTexto 14"/>
-          <p:cNvSpPr/>
-          <p:nvPr/>
-        </p:nvSpPr>
-        <p:spPr>
-          <a:xfrm>
-            <a:off x="509400" y="555120"/>
-            <a:ext cx="2388240" cy="368280"/>
-          </a:xfrm>
-          <a:prstGeom prst="rect">
-            <a:avLst/>
-          </a:prstGeom>
-          <a:noFill/>
-          <a:ln w="0">
-            <a:noFill/>
-          </a:ln>
-        </p:spPr>
-        <p:style>
-          <a:lnRef idx="0">
-            <a:scrgbClr r="0" g="0" b="0"/>
-          </a:lnRef>
-          <a:fillRef idx="0">
-            <a:scrgbClr r="0" g="0" b="0"/>
-          </a:fillRef>
-          <a:effectRef idx="0">
-            <a:scrgbClr r="0" g="0" b="0"/>
-          </a:effectRef>
-          <a:fontRef idx="minor"/>
-        </p:style>
-      </p:sp>
-      <p:sp>
-        <p:nvSpPr>
-          <p:cNvPr id="154" name="CuadroTexto 15"/>
-          <p:cNvSpPr/>
-          <p:nvPr/>
-        </p:nvSpPr>
-        <p:spPr>
-          <a:xfrm>
-            <a:off x="-236160" y="740160"/>
-            <a:ext cx="7975440" cy="546480"/>
-          </a:xfrm>
-          <a:prstGeom prst="rect">
-            <a:avLst/>
-          </a:prstGeom>
-          <a:noFill/>
-          <a:ln w="0">
-            <a:noFill/>
-          </a:ln>
-        </p:spPr>
-        <p:style>
-          <a:lnRef idx="0">
-            <a:scrgbClr r="0" g="0" b="0"/>
-          </a:lnRef>
-          <a:fillRef idx="0">
-            <a:scrgbClr r="0" g="0" b="0"/>
-          </a:fillRef>
-          <a:effectRef idx="0">
-            <a:scrgbClr r="0" g="0" b="0"/>
-          </a:effectRef>
-          <a:fontRef idx="minor"/>
-        </p:style>
-        <p:txBody>
-          <a:bodyPr lIns="90000" tIns="45000" rIns="90000" bIns="45000" anchor="t">
-            <a:spAutoFit/>
-          </a:bodyPr>
-          <a:lstStyle/>
-          <a:p>
-            <a:pPr marL="457200">
+          <p:cNvPr id="2" name="Título 1">
+            <a:extLst>
+              <a:ext uri="{FF2B5EF4-FFF2-40B4-BE49-F238E27FC236}">
+                <a16:creationId xmlns:a16="http://schemas.microsoft.com/office/drawing/2014/main" id="{15BABFF5-71B2-18DD-B3C3-B5A3E286B01F}"/>
+              </a:ext>
+            </a:extLst>
+          </p:cNvPr>
+          <p:cNvSpPr>
+            <a:spLocks noGrp="1"/>
+          </p:cNvSpPr>
+          <p:nvPr>
+            <p:ph type="title"/>
+          </p:nvPr>
+        </p:nvSpPr>
+        <p:spPr>
+          <a:xfrm>
+            <a:off x="2117911" y="373257"/>
+            <a:ext cx="4706471" cy="520941"/>
+          </a:xfrm>
+        </p:spPr>
+        <p:txBody>
+          <a:bodyPr/>
+          <a:lstStyle/>
+          <a:p>
+            <a:r>
+              <a:rPr lang="es-CO" sz="3000" b="1" spc="-1" dirty="0">
+                <a:solidFill>
+                  <a:srgbClr val="404040"/>
+                </a:solidFill>
+                <a:latin typeface="Roboto" panose="02000000000000000000" pitchFamily="2" charset="0"/>
+                <a:ea typeface="Roboto" panose="02000000000000000000" pitchFamily="2" charset="0"/>
+              </a:rPr>
+              <a:t>Necesidades encontradas:</a:t>
+            </a:r>
+          </a:p>
+        </p:txBody>
+      </p:sp>
+      <p:sp>
+        <p:nvSpPr>
+          <p:cNvPr id="3" name="Subtítulo 2">
+            <a:extLst>
+              <a:ext uri="{FF2B5EF4-FFF2-40B4-BE49-F238E27FC236}">
+                <a16:creationId xmlns:a16="http://schemas.microsoft.com/office/drawing/2014/main" id="{22F59F20-95A6-D2A2-47CD-99842EBAAB91}"/>
+              </a:ext>
+            </a:extLst>
+          </p:cNvPr>
+          <p:cNvSpPr>
+            <a:spLocks noGrp="1"/>
+          </p:cNvSpPr>
+          <p:nvPr>
+            <p:ph type="subTitle"/>
+          </p:nvPr>
+        </p:nvSpPr>
+        <p:spPr>
+          <a:xfrm>
+            <a:off x="457200" y="974913"/>
+            <a:ext cx="8027894" cy="3630706"/>
+          </a:xfrm>
+        </p:spPr>
+        <p:txBody>
+          <a:bodyPr/>
+          <a:lstStyle/>
+          <a:p>
+            <a:pPr algn="l">
               <a:lnSpc>
                 <a:spcPct val="100000"/>
               </a:lnSpc>
-              <a:buNone/>
             </a:pPr>
             <a:r>
-              <a:rPr lang="es-ES" sz="3000" b="1" strike="noStrike" spc="-1">
+              <a:rPr lang="es-CO" sz="1400" b="1" spc="-1" dirty="0">
                 <a:solidFill>
-                  <a:srgbClr val="404040"/>
+                  <a:srgbClr val="000000"/>
                 </a:solidFill>
                 <a:latin typeface="Roboto"/>
-                <a:ea typeface="Roboto"/>
+                <a:ea typeface="+mj-ea"/>
+                <a:cs typeface="+mj-cs"/>
               </a:rPr>
-              <a:t> </a:t>
-            </a:r>
-            <a:endParaRPr lang="es-MX" sz="3000" b="0" strike="noStrike" spc="-1">
-              <a:latin typeface="Arial"/>
-            </a:endParaRPr>
-          </a:p>
-        </p:txBody>
-      </p:sp>
-      <p:pic>
-        <p:nvPicPr>
-          <p:cNvPr id="155" name="Imagen 154"/>
-          <p:cNvPicPr/>
-          <p:nvPr/>
-        </p:nvPicPr>
-        <p:blipFill>
-          <a:blip r:embed="rId2"/>
-          <a:stretch/>
-        </p:blipFill>
-        <p:spPr>
-          <a:xfrm>
-            <a:off x="180000" y="291240"/>
-            <a:ext cx="8099280" cy="4568040"/>
-          </a:xfrm>
-          <a:prstGeom prst="rect">
-            <a:avLst/>
-          </a:prstGeom>
-          <a:ln w="0">
-            <a:noFill/>
-          </a:ln>
-        </p:spPr>
-      </p:pic>
+              <a:t>Proceso 1: </a:t>
+            </a:r>
+            <a:r>
+              <a:rPr lang="es-CO" sz="1400" spc="-1" dirty="0">
+                <a:solidFill>
+                  <a:srgbClr val="000000"/>
+                </a:solidFill>
+                <a:latin typeface="Roboto"/>
+                <a:ea typeface="+mj-ea"/>
+                <a:cs typeface="+mj-cs"/>
+              </a:rPr>
+              <a:t>Ingreso de datos en el patio taller Bosa-Brasil.</a:t>
+            </a:r>
+          </a:p>
+          <a:p>
+            <a:pPr algn="l">
+              <a:lnSpc>
+                <a:spcPct val="100000"/>
+              </a:lnSpc>
+            </a:pPr>
+            <a:r>
+              <a:rPr lang="es-CO" sz="1400" spc="-1" dirty="0">
+                <a:solidFill>
+                  <a:srgbClr val="000000"/>
+                </a:solidFill>
+                <a:latin typeface="Roboto"/>
+                <a:ea typeface="+mj-ea"/>
+                <a:cs typeface="+mj-cs"/>
+              </a:rPr>
+              <a:t>La toma de datos de los vehículos alimentadores se realiza de manera manual en papel y lápiz.</a:t>
+            </a:r>
+          </a:p>
+          <a:p>
+            <a:pPr algn="l">
+              <a:lnSpc>
+                <a:spcPct val="100000"/>
+              </a:lnSpc>
+              <a:buFont typeface="Arial" panose="020B0604020202020204" pitchFamily="34" charset="0"/>
+              <a:buChar char="•"/>
+            </a:pPr>
+            <a:r>
+              <a:rPr lang="es-CO" sz="1400" spc="-1" dirty="0">
+                <a:solidFill>
+                  <a:srgbClr val="000000"/>
+                </a:solidFill>
+                <a:latin typeface="Roboto"/>
+                <a:ea typeface="+mj-ea"/>
+                <a:cs typeface="+mj-cs"/>
+              </a:rPr>
+              <a:t>Generación de congestiones de tráfico al momento de entrar y salir del patio Bosa-Brasil.</a:t>
+            </a:r>
+          </a:p>
+          <a:p>
+            <a:pPr algn="l">
+              <a:lnSpc>
+                <a:spcPct val="100000"/>
+              </a:lnSpc>
+            </a:pPr>
+            <a:r>
+              <a:rPr lang="es-CO" sz="1400" b="1" spc="-1" dirty="0">
+                <a:solidFill>
+                  <a:srgbClr val="000000"/>
+                </a:solidFill>
+                <a:latin typeface="Roboto"/>
+                <a:ea typeface="+mj-ea"/>
+                <a:cs typeface="+mj-cs"/>
+              </a:rPr>
+              <a:t>Proceso 2: </a:t>
+            </a:r>
+            <a:r>
+              <a:rPr lang="es-CO" sz="1400" spc="-1" dirty="0">
+                <a:solidFill>
+                  <a:srgbClr val="000000"/>
+                </a:solidFill>
+                <a:latin typeface="Roboto"/>
+                <a:ea typeface="+mj-ea"/>
+                <a:cs typeface="+mj-cs"/>
+              </a:rPr>
+              <a:t>Control y seguimiento de los vehículos alimentadores.</a:t>
+            </a:r>
+          </a:p>
+          <a:p>
+            <a:pPr algn="l">
+              <a:lnSpc>
+                <a:spcPct val="100000"/>
+              </a:lnSpc>
+              <a:buFont typeface="Arial" panose="020B0604020202020204" pitchFamily="34" charset="0"/>
+              <a:buChar char="•"/>
+            </a:pPr>
+            <a:r>
+              <a:rPr lang="es-CO" sz="1400" spc="-1" dirty="0">
+                <a:solidFill>
+                  <a:srgbClr val="000000"/>
+                </a:solidFill>
+                <a:latin typeface="Roboto"/>
+                <a:ea typeface="+mj-ea"/>
+                <a:cs typeface="+mj-cs"/>
+              </a:rPr>
+              <a:t>Falta de un sistema normalizado para gestionar la entrada, estadía y salida de los vehículos.</a:t>
+            </a:r>
+          </a:p>
+          <a:p>
+            <a:pPr algn="l">
+              <a:lnSpc>
+                <a:spcPct val="100000"/>
+              </a:lnSpc>
+              <a:buFont typeface="Arial" panose="020B0604020202020204" pitchFamily="34" charset="0"/>
+              <a:buChar char="•"/>
+            </a:pPr>
+            <a:r>
+              <a:rPr lang="es-CO" sz="1400" spc="-1" dirty="0">
+                <a:solidFill>
+                  <a:srgbClr val="000000"/>
+                </a:solidFill>
+                <a:latin typeface="Roboto"/>
+                <a:ea typeface="+mj-ea"/>
+                <a:cs typeface="+mj-cs"/>
+              </a:rPr>
+              <a:t>Necesidad de optimizar el control y seguimiento de los alimentadores en el patio taller.</a:t>
+            </a:r>
+          </a:p>
+          <a:p>
+            <a:pPr algn="l">
+              <a:lnSpc>
+                <a:spcPct val="100000"/>
+              </a:lnSpc>
+            </a:pPr>
+            <a:r>
+              <a:rPr lang="es-CO" sz="1400" b="1" spc="-1" dirty="0">
+                <a:solidFill>
+                  <a:srgbClr val="000000"/>
+                </a:solidFill>
+                <a:latin typeface="Roboto"/>
+                <a:ea typeface="+mj-ea"/>
+                <a:cs typeface="+mj-cs"/>
+              </a:rPr>
+              <a:t>Proceso 3: </a:t>
+            </a:r>
+            <a:r>
+              <a:rPr lang="es-CO" sz="1400" spc="-1" dirty="0">
+                <a:solidFill>
+                  <a:srgbClr val="000000"/>
+                </a:solidFill>
+                <a:latin typeface="Roboto"/>
+                <a:ea typeface="+mj-ea"/>
+                <a:cs typeface="+mj-cs"/>
+              </a:rPr>
+              <a:t>Gestión de mantenimiento de los vehículos.</a:t>
+            </a:r>
+          </a:p>
+          <a:p>
+            <a:pPr algn="l">
+              <a:lnSpc>
+                <a:spcPct val="100000"/>
+              </a:lnSpc>
+              <a:buFont typeface="Arial" panose="020B0604020202020204" pitchFamily="34" charset="0"/>
+              <a:buChar char="•"/>
+            </a:pPr>
+            <a:r>
+              <a:rPr lang="es-CO" sz="1400" spc="-1" dirty="0">
+                <a:solidFill>
+                  <a:srgbClr val="000000"/>
+                </a:solidFill>
+                <a:latin typeface="Roboto"/>
+                <a:ea typeface="+mj-ea"/>
+                <a:cs typeface="+mj-cs"/>
+              </a:rPr>
+              <a:t>Falta de una plataforma para registrar y gestionar las órdenes de trabajo de mantenimiento.</a:t>
+            </a:r>
+          </a:p>
+          <a:p>
+            <a:pPr algn="l">
+              <a:lnSpc>
+                <a:spcPct val="100000"/>
+              </a:lnSpc>
+              <a:buFont typeface="Arial" panose="020B0604020202020204" pitchFamily="34" charset="0"/>
+              <a:buChar char="•"/>
+            </a:pPr>
+            <a:r>
+              <a:rPr lang="es-CO" sz="1400" spc="-1" dirty="0">
+                <a:solidFill>
+                  <a:srgbClr val="000000"/>
+                </a:solidFill>
+                <a:latin typeface="Roboto"/>
+                <a:ea typeface="+mj-ea"/>
+                <a:cs typeface="+mj-cs"/>
+              </a:rPr>
+              <a:t>Necesidad de generar reportes detallados sobre el estado de los vehículos.</a:t>
+            </a:r>
+          </a:p>
+          <a:p>
+            <a:endParaRPr lang="es-CO" sz="1100" dirty="0"/>
+          </a:p>
+        </p:txBody>
+      </p:sp>
     </p:spTree>
+    <p:extLst>
+      <p:ext uri="{BB962C8B-B14F-4D97-AF65-F5344CB8AC3E}">
+        <p14:creationId xmlns:p14="http://schemas.microsoft.com/office/powerpoint/2010/main" val="3906154812"/>
+      </p:ext>
+    </p:extLst>
   </p:cSld>
   <p:clrMapOvr>
     <a:masterClrMapping/>
@@ -8566,119 +13080,54 @@
       </p:grpSpPr>
       <p:sp>
         <p:nvSpPr>
-          <p:cNvPr id="156" name="CuadroTexto 1"/>
-          <p:cNvSpPr/>
-          <p:nvPr/>
-        </p:nvSpPr>
-        <p:spPr>
-          <a:xfrm>
-            <a:off x="509400" y="555120"/>
-            <a:ext cx="2388240" cy="368280"/>
-          </a:xfrm>
-          <a:prstGeom prst="rect">
-            <a:avLst/>
-          </a:prstGeom>
-          <a:noFill/>
-          <a:ln w="0">
-            <a:noFill/>
-          </a:ln>
-        </p:spPr>
-        <p:style>
-          <a:lnRef idx="0">
-            <a:scrgbClr r="0" g="0" b="0"/>
-          </a:lnRef>
-          <a:fillRef idx="0">
-            <a:scrgbClr r="0" g="0" b="0"/>
-          </a:fillRef>
-          <a:effectRef idx="0">
-            <a:scrgbClr r="0" g="0" b="0"/>
-          </a:effectRef>
-          <a:fontRef idx="minor"/>
-        </p:style>
-      </p:sp>
-      <p:sp>
-        <p:nvSpPr>
-          <p:cNvPr id="157" name="CuadroTexto 3"/>
-          <p:cNvSpPr/>
-          <p:nvPr/>
-        </p:nvSpPr>
-        <p:spPr>
-          <a:xfrm>
-            <a:off x="44280" y="370440"/>
-            <a:ext cx="4588920" cy="546480"/>
-          </a:xfrm>
-          <a:prstGeom prst="rect">
-            <a:avLst/>
-          </a:prstGeom>
-          <a:noFill/>
-          <a:ln w="0">
-            <a:noFill/>
-          </a:ln>
-        </p:spPr>
-        <p:style>
-          <a:lnRef idx="0">
-            <a:scrgbClr r="0" g="0" b="0"/>
-          </a:lnRef>
-          <a:fillRef idx="0">
-            <a:scrgbClr r="0" g="0" b="0"/>
-          </a:fillRef>
-          <a:effectRef idx="0">
-            <a:scrgbClr r="0" g="0" b="0"/>
-          </a:effectRef>
-          <a:fontRef idx="minor"/>
-        </p:style>
-        <p:txBody>
-          <a:bodyPr lIns="90000" tIns="45000" rIns="90000" bIns="45000" anchor="t">
-            <a:spAutoFit/>
-          </a:bodyPr>
-          <a:lstStyle/>
-          <a:p>
-            <a:pPr marL="457200">
+          <p:cNvPr id="3" name="Subtítulo 2">
+            <a:extLst>
+              <a:ext uri="{FF2B5EF4-FFF2-40B4-BE49-F238E27FC236}">
+                <a16:creationId xmlns:a16="http://schemas.microsoft.com/office/drawing/2014/main" id="{9FFED2A2-8162-BAE7-28B9-5C179CF8717A}"/>
+              </a:ext>
+            </a:extLst>
+          </p:cNvPr>
+          <p:cNvSpPr>
+            <a:spLocks noGrp="1"/>
+          </p:cNvSpPr>
+          <p:nvPr>
+            <p:ph type="subTitle"/>
+          </p:nvPr>
+        </p:nvSpPr>
+        <p:spPr>
+          <a:xfrm>
+            <a:off x="457380" y="945815"/>
+            <a:ext cx="8229240" cy="3251869"/>
+          </a:xfrm>
+        </p:spPr>
+        <p:txBody>
+          <a:bodyPr/>
+          <a:lstStyle/>
+          <a:p>
+            <a:pPr marL="0" indent="0" algn="just">
               <a:lnSpc>
                 <a:spcPct val="100000"/>
               </a:lnSpc>
               <a:buNone/>
             </a:pPr>
             <a:r>
-              <a:rPr lang="es-ES" sz="3000" b="1" strike="noStrike" spc="-1">
+              <a:rPr lang="es-CO" sz="1800" spc="-1" dirty="0">
                 <a:solidFill>
-                  <a:srgbClr val="404040"/>
+                  <a:srgbClr val="000000"/>
                 </a:solidFill>
                 <a:latin typeface="Roboto"/>
-                <a:ea typeface="Roboto"/>
               </a:rPr>
-              <a:t>Mapa de Procesos</a:t>
-            </a:r>
-            <a:endParaRPr lang="es-MX" sz="3000" b="0" strike="noStrike" spc="-1">
-              <a:latin typeface="Arial"/>
-            </a:endParaRPr>
-          </a:p>
-        </p:txBody>
-      </p:sp>
-      <p:pic>
-        <p:nvPicPr>
-          <p:cNvPr id="158" name="Google Shape;82;p6"/>
-          <p:cNvPicPr/>
-          <p:nvPr/>
-        </p:nvPicPr>
-        <p:blipFill>
-          <a:blip r:embed="rId2"/>
-          <a:stretch/>
-        </p:blipFill>
-        <p:spPr>
-          <a:xfrm>
-            <a:off x="1231200" y="924480"/>
-            <a:ext cx="6654240" cy="4033440"/>
-          </a:xfrm>
-          <a:prstGeom prst="rect">
-            <a:avLst/>
-          </a:prstGeom>
-          <a:ln w="0">
-            <a:noFill/>
-          </a:ln>
-        </p:spPr>
-      </p:pic>
+              <a:t>La empresa Masivo Capital S.A.S. enfrenta problemas en los procesos de ingreso de datos en el patio taller Bosa-Brasil, control y seguimiento de los vehículos alimentadores, y gestión de mantenimiento. La falta de sistemas normalizados, la toma manual de datos y la falta de una plataforma de gestión eficiente generan congestiones de tráfico y dificultades en la operatividad. Se requiere desarrollar un sistema de información web que permita normalizar y optimizar estos procesos, mejorando la eficiencia y facilitando la toma de decisiones estratégicas.</a:t>
+            </a:r>
+          </a:p>
+        </p:txBody>
+      </p:sp>
     </p:spTree>
+    <p:extLst>
+      <p:ext uri="{BB962C8B-B14F-4D97-AF65-F5344CB8AC3E}">
+        <p14:creationId xmlns:p14="http://schemas.microsoft.com/office/powerpoint/2010/main" val="1532523401"/>
+      </p:ext>
+    </p:extLst>
   </p:cSld>
   <p:clrMapOvr>
     <a:masterClrMapping/>
@@ -9368,4 +13817,299 @@
   <a:objectDefaults/>
   <a:extraClrSchemeLst/>
 </a:theme>
+</file>
+
+<file path=ppt/theme/theme4.xml><?xml version="1.0" encoding="utf-8"?>
+<a:theme xmlns:a="http://schemas.openxmlformats.org/drawingml/2006/main" name="Tema de Office">
+  <a:themeElements>
+    <a:clrScheme name="Office">
+      <a:dk1>
+        <a:sysClr val="windowText" lastClr="000000"/>
+      </a:dk1>
+      <a:lt1>
+        <a:sysClr val="window" lastClr="FFFFFF"/>
+      </a:lt1>
+      <a:dk2>
+        <a:srgbClr val="44546A"/>
+      </a:dk2>
+      <a:lt2>
+        <a:srgbClr val="E7E6E6"/>
+      </a:lt2>
+      <a:accent1>
+        <a:srgbClr val="4472C4"/>
+      </a:accent1>
+      <a:accent2>
+        <a:srgbClr val="ED7D31"/>
+      </a:accent2>
+      <a:accent3>
+        <a:srgbClr val="A5A5A5"/>
+      </a:accent3>
+      <a:accent4>
+        <a:srgbClr val="FFC000"/>
+      </a:accent4>
+      <a:accent5>
+        <a:srgbClr val="5B9BD5"/>
+      </a:accent5>
+      <a:accent6>
+        <a:srgbClr val="70AD47"/>
+      </a:accent6>
+      <a:hlink>
+        <a:srgbClr val="0563C1"/>
+      </a:hlink>
+      <a:folHlink>
+        <a:srgbClr val="954F72"/>
+      </a:folHlink>
+    </a:clrScheme>
+    <a:fontScheme name="Office">
+      <a:majorFont>
+        <a:latin typeface="Calibri Light" panose="020F0302020204030204"/>
+        <a:ea typeface=""/>
+        <a:cs typeface=""/>
+        <a:font script="Jpan" typeface="游ゴシック Light"/>
+        <a:font script="Hang" typeface="맑은 고딕"/>
+        <a:font script="Hans" typeface="等线 Light"/>
+        <a:font script="Hant" typeface="新細明體"/>
+        <a:font script="Arab" typeface="Times New Roman"/>
+        <a:font script="Hebr" typeface="Times New Roman"/>
+        <a:font script="Thai" typeface="Angsana New"/>
+        <a:font script="Ethi" typeface="Nyala"/>
+        <a:font script="Beng" typeface="Vrinda"/>
+        <a:font script="Gujr" typeface="Shruti"/>
+        <a:font script="Khmr" typeface="MoolBoran"/>
+        <a:font script="Knda" typeface="Tunga"/>
+        <a:font script="Guru" typeface="Raavi"/>
+        <a:font script="Cans" typeface="Euphemia"/>
+        <a:font script="Cher" typeface="Plantagenet Cherokee"/>
+        <a:font script="Yiii" typeface="Microsoft Yi Baiti"/>
+        <a:font script="Tibt" typeface="Microsoft Himalaya"/>
+        <a:font script="Thaa" typeface="MV Boli"/>
+        <a:font script="Deva" typeface="Mangal"/>
+        <a:font script="Telu" typeface="Gautami"/>
+        <a:font script="Taml" typeface="Latha"/>
+        <a:font script="Syrc" typeface="Estrangelo Edessa"/>
+        <a:font script="Orya" typeface="Kalinga"/>
+        <a:font script="Mlym" typeface="Kartika"/>
+        <a:font script="Laoo" typeface="DokChampa"/>
+        <a:font script="Sinh" typeface="Iskoola Pota"/>
+        <a:font script="Mong" typeface="Mongolian Baiti"/>
+        <a:font script="Viet" typeface="Times New Roman"/>
+        <a:font script="Uigh" typeface="Microsoft Uighur"/>
+        <a:font script="Geor" typeface="Sylfaen"/>
+        <a:font script="Armn" typeface="Arial"/>
+        <a:font script="Bugi" typeface="Leelawadee UI"/>
+        <a:font script="Bopo" typeface="Microsoft JhengHei"/>
+        <a:font script="Java" typeface="Javanese Text"/>
+        <a:font script="Lisu" typeface="Segoe UI"/>
+        <a:font script="Mymr" typeface="Myanmar Text"/>
+        <a:font script="Nkoo" typeface="Ebrima"/>
+        <a:font script="Olck" typeface="Nirmala UI"/>
+        <a:font script="Osma" typeface="Ebrima"/>
+        <a:font script="Phag" typeface="Phagspa"/>
+        <a:font script="Syrn" typeface="Estrangelo Edessa"/>
+        <a:font script="Syrj" typeface="Estrangelo Edessa"/>
+        <a:font script="Syre" typeface="Estrangelo Edessa"/>
+        <a:font script="Sora" typeface="Nirmala UI"/>
+        <a:font script="Tale" typeface="Microsoft Tai Le"/>
+        <a:font script="Talu" typeface="Microsoft New Tai Lue"/>
+        <a:font script="Tfng" typeface="Ebrima"/>
+      </a:majorFont>
+      <a:minorFont>
+        <a:latin typeface="Calibri" panose="020F0502020204030204"/>
+        <a:ea typeface=""/>
+        <a:cs typeface=""/>
+        <a:font script="Jpan" typeface="游ゴシック"/>
+        <a:font script="Hang" typeface="맑은 고딕"/>
+        <a:font script="Hans" typeface="等线"/>
+        <a:font script="Hant" typeface="新細明體"/>
+        <a:font script="Arab" typeface="Arial"/>
+        <a:font script="Hebr" typeface="Arial"/>
+        <a:font script="Thai" typeface="Cordia New"/>
+        <a:font script="Ethi" typeface="Nyala"/>
+        <a:font script="Beng" typeface="Vrinda"/>
+        <a:font script="Gujr" typeface="Shruti"/>
+        <a:font script="Khmr" typeface="DaunPenh"/>
+        <a:font script="Knda" typeface="Tunga"/>
+        <a:font script="Guru" typeface="Raavi"/>
+        <a:font script="Cans" typeface="Euphemia"/>
+        <a:font script="Cher" typeface="Plantagenet Cherokee"/>
+        <a:font script="Yiii" typeface="Microsoft Yi Baiti"/>
+        <a:font script="Tibt" typeface="Microsoft Himalaya"/>
+        <a:font script="Thaa" typeface="MV Boli"/>
+        <a:font script="Deva" typeface="Mangal"/>
+        <a:font script="Telu" typeface="Gautami"/>
+        <a:font script="Taml" typeface="Latha"/>
+        <a:font script="Syrc" typeface="Estrangelo Edessa"/>
+        <a:font script="Orya" typeface="Kalinga"/>
+        <a:font script="Mlym" typeface="Kartika"/>
+        <a:font script="Laoo" typeface="DokChampa"/>
+        <a:font script="Sinh" typeface="Iskoola Pota"/>
+        <a:font script="Mong" typeface="Mongolian Baiti"/>
+        <a:font script="Viet" typeface="Arial"/>
+        <a:font script="Uigh" typeface="Microsoft Uighur"/>
+        <a:font script="Geor" typeface="Sylfaen"/>
+        <a:font script="Armn" typeface="Arial"/>
+        <a:font script="Bugi" typeface="Leelawadee UI"/>
+        <a:font script="Bopo" typeface="Microsoft JhengHei"/>
+        <a:font script="Java" typeface="Javanese Text"/>
+        <a:font script="Lisu" typeface="Segoe UI"/>
+        <a:font script="Mymr" typeface="Myanmar Text"/>
+        <a:font script="Nkoo" typeface="Ebrima"/>
+        <a:font script="Olck" typeface="Nirmala UI"/>
+        <a:font script="Osma" typeface="Ebrima"/>
+        <a:font script="Phag" typeface="Phagspa"/>
+        <a:font script="Syrn" typeface="Estrangelo Edessa"/>
+        <a:font script="Syrj" typeface="Estrangelo Edessa"/>
+        <a:font script="Syre" typeface="Estrangelo Edessa"/>
+        <a:font script="Sora" typeface="Nirmala UI"/>
+        <a:font script="Tale" typeface="Microsoft Tai Le"/>
+        <a:font script="Talu" typeface="Microsoft New Tai Lue"/>
+        <a:font script="Tfng" typeface="Ebrima"/>
+      </a:minorFont>
+    </a:fontScheme>
+    <a:fmtScheme name="Office">
+      <a:fillStyleLst>
+        <a:solidFill>
+          <a:schemeClr val="phClr"/>
+        </a:solidFill>
+        <a:gradFill rotWithShape="1">
+          <a:gsLst>
+            <a:gs pos="0">
+              <a:schemeClr val="phClr">
+                <a:lumMod val="110000"/>
+                <a:satMod val="105000"/>
+                <a:tint val="67000"/>
+              </a:schemeClr>
+            </a:gs>
+            <a:gs pos="50000">
+              <a:schemeClr val="phClr">
+                <a:lumMod val="105000"/>
+                <a:satMod val="103000"/>
+                <a:tint val="73000"/>
+              </a:schemeClr>
+            </a:gs>
+            <a:gs pos="100000">
+              <a:schemeClr val="phClr">
+                <a:lumMod val="105000"/>
+                <a:satMod val="109000"/>
+                <a:tint val="81000"/>
+              </a:schemeClr>
+            </a:gs>
+          </a:gsLst>
+          <a:lin ang="5400000" scaled="0"/>
+        </a:gradFill>
+        <a:gradFill rotWithShape="1">
+          <a:gsLst>
+            <a:gs pos="0">
+              <a:schemeClr val="phClr">
+                <a:satMod val="103000"/>
+                <a:lumMod val="102000"/>
+                <a:tint val="94000"/>
+              </a:schemeClr>
+            </a:gs>
+            <a:gs pos="50000">
+              <a:schemeClr val="phClr">
+                <a:satMod val="110000"/>
+                <a:lumMod val="100000"/>
+                <a:shade val="100000"/>
+              </a:schemeClr>
+            </a:gs>
+            <a:gs pos="100000">
+              <a:schemeClr val="phClr">
+                <a:lumMod val="99000"/>
+                <a:satMod val="120000"/>
+                <a:shade val="78000"/>
+              </a:schemeClr>
+            </a:gs>
+          </a:gsLst>
+          <a:lin ang="5400000" scaled="0"/>
+        </a:gradFill>
+      </a:fillStyleLst>
+      <a:lnStyleLst>
+        <a:ln w="6350" cap="flat" cmpd="sng" algn="ctr">
+          <a:solidFill>
+            <a:schemeClr val="phClr"/>
+          </a:solidFill>
+          <a:prstDash val="solid"/>
+          <a:miter lim="800000"/>
+        </a:ln>
+        <a:ln w="12700" cap="flat" cmpd="sng" algn="ctr">
+          <a:solidFill>
+            <a:schemeClr val="phClr"/>
+          </a:solidFill>
+          <a:prstDash val="solid"/>
+          <a:miter lim="800000"/>
+        </a:ln>
+        <a:ln w="19050" cap="flat" cmpd="sng" algn="ctr">
+          <a:solidFill>
+            <a:schemeClr val="phClr"/>
+          </a:solidFill>
+          <a:prstDash val="solid"/>
+          <a:miter lim="800000"/>
+        </a:ln>
+      </a:lnStyleLst>
+      <a:effectStyleLst>
+        <a:effectStyle>
+          <a:effectLst/>
+        </a:effectStyle>
+        <a:effectStyle>
+          <a:effectLst/>
+        </a:effectStyle>
+        <a:effectStyle>
+          <a:effectLst>
+            <a:outerShdw blurRad="57150" dist="19050" dir="5400000" algn="ctr" rotWithShape="0">
+              <a:srgbClr val="000000">
+                <a:alpha val="63000"/>
+              </a:srgbClr>
+            </a:outerShdw>
+          </a:effectLst>
+        </a:effectStyle>
+      </a:effectStyleLst>
+      <a:bgFillStyleLst>
+        <a:solidFill>
+          <a:schemeClr val="phClr"/>
+        </a:solidFill>
+        <a:solidFill>
+          <a:schemeClr val="phClr">
+            <a:tint val="95000"/>
+            <a:satMod val="170000"/>
+          </a:schemeClr>
+        </a:solidFill>
+        <a:gradFill rotWithShape="1">
+          <a:gsLst>
+            <a:gs pos="0">
+              <a:schemeClr val="phClr">
+                <a:tint val="93000"/>
+                <a:satMod val="150000"/>
+                <a:shade val="98000"/>
+                <a:lumMod val="102000"/>
+              </a:schemeClr>
+            </a:gs>
+            <a:gs pos="50000">
+              <a:schemeClr val="phClr">
+                <a:tint val="98000"/>
+                <a:satMod val="130000"/>
+                <a:shade val="90000"/>
+                <a:lumMod val="103000"/>
+              </a:schemeClr>
+            </a:gs>
+            <a:gs pos="100000">
+              <a:schemeClr val="phClr">
+                <a:shade val="63000"/>
+                <a:satMod val="120000"/>
+              </a:schemeClr>
+            </a:gs>
+          </a:gsLst>
+          <a:lin ang="5400000" scaled="0"/>
+        </a:gradFill>
+      </a:bgFillStyleLst>
+    </a:fmtScheme>
+  </a:themeElements>
+  <a:objectDefaults/>
+  <a:extraClrSchemeLst/>
+  <a:extLst>
+    <a:ext uri="{05A4C25C-085E-4340-85A3-A5531E510DB2}">
+      <thm15:themeFamily xmlns:thm15="http://schemas.microsoft.com/office/thememl/2012/main" name="Office Theme" id="{62F939B6-93AF-4DB8-9C6B-D6C7DFDC589F}" vid="{4A3C46E8-61CC-4603-A589-7422A47A8E4A}"/>
+    </a:ext>
+  </a:extLst>
+</a:theme>
 </file>